--- a/chapter7/slides/Ch7-Isolation_concepts.pptx
+++ b/chapter7/slides/Ch7-Isolation_concepts.pptx
@@ -17,11 +17,29 @@
     <p:sldId id="264" r:id="rId11"/>
     <p:sldId id="266" r:id="rId12"/>
     <p:sldId id="267" r:id="rId13"/>
-    <p:sldId id="268" r:id="rId14"/>
-    <p:sldId id="269" r:id="rId15"/>
-    <p:sldId id="270" r:id="rId16"/>
-    <p:sldId id="271" r:id="rId17"/>
-    <p:sldId id="272" r:id="rId18"/>
+    <p:sldId id="273" r:id="rId14"/>
+    <p:sldId id="268" r:id="rId15"/>
+    <p:sldId id="269" r:id="rId16"/>
+    <p:sldId id="270" r:id="rId17"/>
+    <p:sldId id="271" r:id="rId18"/>
+    <p:sldId id="272" r:id="rId19"/>
+    <p:sldId id="274" r:id="rId20"/>
+    <p:sldId id="275" r:id="rId21"/>
+    <p:sldId id="276" r:id="rId22"/>
+    <p:sldId id="277" r:id="rId23"/>
+    <p:sldId id="278" r:id="rId24"/>
+    <p:sldId id="279" r:id="rId25"/>
+    <p:sldId id="280" r:id="rId26"/>
+    <p:sldId id="282" r:id="rId27"/>
+    <p:sldId id="286" r:id="rId28"/>
+    <p:sldId id="284" r:id="rId29"/>
+    <p:sldId id="285" r:id="rId30"/>
+    <p:sldId id="283" r:id="rId31"/>
+    <p:sldId id="287" r:id="rId32"/>
+    <p:sldId id="290" r:id="rId33"/>
+    <p:sldId id="288" r:id="rId34"/>
+    <p:sldId id="289" r:id="rId35"/>
+    <p:sldId id="291" r:id="rId36"/>
   </p:sldIdLst>
   <p:sldSz cx="9144000" cy="6858000" type="screen4x3"/>
   <p:notesSz cx="6858000" cy="9144000"/>
@@ -120,6 +138,11 @@
       </a:defRPr>
     </a:lvl9pPr>
   </p:defaultTextStyle>
+  <p:extLst>
+    <p:ext uri="{EFAFB233-063F-42B5-8137-9DF3F51BA10A}">
+      <p15:sldGuideLst xmlns:p15="http://schemas.microsoft.com/office/powerpoint/2012/main"/>
+    </p:ext>
+  </p:extLst>
 </p:presentation>
 </file>
 
@@ -185,7 +208,7 @@
           <a:lstStyle/>
           <a:p>
             <a:r>
-              <a:rPr kumimoji="1" lang="ko-KR" altLang="en-US" smtClean="0"/>
+              <a:rPr kumimoji="1" lang="ko-KR" altLang="en-US"/>
               <a:t>마스터 제목 스타일 편집</a:t>
             </a:r>
             <a:endParaRPr kumimoji="1" lang="ja-JP" altLang="en-US" dirty="0"/>
@@ -304,7 +327,7 @@
           </a:lstStyle>
           <a:p>
             <a:r>
-              <a:rPr kumimoji="1" lang="ko-KR" altLang="en-US" smtClean="0"/>
+              <a:rPr kumimoji="1" lang="ko-KR" altLang="en-US"/>
               <a:t>클릭하여 마스터 부제목 스타일 편집</a:t>
             </a:r>
             <a:endParaRPr kumimoji="1" lang="ja-JP" altLang="en-US"/>
@@ -328,7 +351,7 @@
           <a:p>
             <a:fld id="{600F0265-6B00-844B-AAC0-8043E6226C8B}" type="datetime1">
               <a:rPr kumimoji="1" lang="en-US" altLang="ja-JP" smtClean="0"/>
-              <a:t>11/10/2020</a:t>
+              <a:t>12/7/20</a:t>
             </a:fld>
             <a:endParaRPr kumimoji="1" lang="ja-JP" altLang="en-US"/>
           </a:p>
@@ -450,7 +473,7 @@
           <a:lstStyle/>
           <a:p>
             <a:r>
-              <a:rPr kumimoji="1" lang="ko-KR" altLang="en-US" smtClean="0"/>
+              <a:rPr kumimoji="1" lang="ko-KR" altLang="en-US"/>
               <a:t>마스터 제목 스타일 편집</a:t>
             </a:r>
             <a:endParaRPr kumimoji="1" lang="ja-JP" altLang="en-US"/>
@@ -474,35 +497,35 @@
           <a:p>
             <a:pPr lvl="0"/>
             <a:r>
-              <a:rPr kumimoji="1" lang="ko-KR" altLang="en-US" smtClean="0"/>
+              <a:rPr kumimoji="1" lang="ko-KR" altLang="en-US"/>
               <a:t>마스터 텍스트 스타일 편집</a:t>
             </a:r>
           </a:p>
           <a:p>
             <a:pPr lvl="1"/>
             <a:r>
-              <a:rPr kumimoji="1" lang="ko-KR" altLang="en-US" smtClean="0"/>
+              <a:rPr kumimoji="1" lang="ko-KR" altLang="en-US"/>
               <a:t>둘째 수준</a:t>
             </a:r>
           </a:p>
           <a:p>
             <a:pPr lvl="2"/>
             <a:r>
-              <a:rPr kumimoji="1" lang="ko-KR" altLang="en-US" smtClean="0"/>
+              <a:rPr kumimoji="1" lang="ko-KR" altLang="en-US"/>
               <a:t>셋째 수준</a:t>
             </a:r>
           </a:p>
           <a:p>
             <a:pPr lvl="3"/>
             <a:r>
-              <a:rPr kumimoji="1" lang="ko-KR" altLang="en-US" smtClean="0"/>
+              <a:rPr kumimoji="1" lang="ko-KR" altLang="en-US"/>
               <a:t>넷째 수준</a:t>
             </a:r>
           </a:p>
           <a:p>
             <a:pPr lvl="4"/>
             <a:r>
-              <a:rPr kumimoji="1" lang="ko-KR" altLang="en-US" smtClean="0"/>
+              <a:rPr kumimoji="1" lang="ko-KR" altLang="en-US"/>
               <a:t>다섯째 수준</a:t>
             </a:r>
             <a:endParaRPr kumimoji="1" lang="ja-JP" altLang="en-US"/>
@@ -526,7 +549,7 @@
           <a:p>
             <a:fld id="{9D07B8DA-BFBB-7942-AAD6-E689C5DAE479}" type="datetime1">
               <a:rPr kumimoji="1" lang="en-US" altLang="ja-JP" smtClean="0"/>
-              <a:t>11/10/2020</a:t>
+              <a:t>12/7/20</a:t>
             </a:fld>
             <a:endParaRPr kumimoji="1" lang="ja-JP" altLang="en-US"/>
           </a:p>
@@ -625,7 +648,7 @@
           <a:lstStyle/>
           <a:p>
             <a:r>
-              <a:rPr kumimoji="1" lang="ko-KR" altLang="en-US" smtClean="0"/>
+              <a:rPr kumimoji="1" lang="ko-KR" altLang="en-US"/>
               <a:t>마스터 제목 스타일 편집</a:t>
             </a:r>
             <a:endParaRPr kumimoji="1" lang="ja-JP" altLang="en-US"/>
@@ -654,35 +677,35 @@
           <a:p>
             <a:pPr lvl="0"/>
             <a:r>
-              <a:rPr kumimoji="1" lang="ko-KR" altLang="en-US" smtClean="0"/>
+              <a:rPr kumimoji="1" lang="ko-KR" altLang="en-US"/>
               <a:t>마스터 텍스트 스타일 편집</a:t>
             </a:r>
           </a:p>
           <a:p>
             <a:pPr lvl="1"/>
             <a:r>
-              <a:rPr kumimoji="1" lang="ko-KR" altLang="en-US" smtClean="0"/>
+              <a:rPr kumimoji="1" lang="ko-KR" altLang="en-US"/>
               <a:t>둘째 수준</a:t>
             </a:r>
           </a:p>
           <a:p>
             <a:pPr lvl="2"/>
             <a:r>
-              <a:rPr kumimoji="1" lang="ko-KR" altLang="en-US" smtClean="0"/>
+              <a:rPr kumimoji="1" lang="ko-KR" altLang="en-US"/>
               <a:t>셋째 수준</a:t>
             </a:r>
           </a:p>
           <a:p>
             <a:pPr lvl="3"/>
             <a:r>
-              <a:rPr kumimoji="1" lang="ko-KR" altLang="en-US" smtClean="0"/>
+              <a:rPr kumimoji="1" lang="ko-KR" altLang="en-US"/>
               <a:t>넷째 수준</a:t>
             </a:r>
           </a:p>
           <a:p>
             <a:pPr lvl="4"/>
             <a:r>
-              <a:rPr kumimoji="1" lang="ko-KR" altLang="en-US" smtClean="0"/>
+              <a:rPr kumimoji="1" lang="ko-KR" altLang="en-US"/>
               <a:t>다섯째 수준</a:t>
             </a:r>
             <a:endParaRPr kumimoji="1" lang="ja-JP" altLang="en-US"/>
@@ -706,7 +729,7 @@
           <a:p>
             <a:fld id="{ADE6D4D0-7FE2-AC46-960E-5A0E4DA82D93}" type="datetime1">
               <a:rPr kumimoji="1" lang="en-US" altLang="ja-JP" smtClean="0"/>
-              <a:t>11/10/2020</a:t>
+              <a:t>12/7/20</a:t>
             </a:fld>
             <a:endParaRPr kumimoji="1" lang="ja-JP" altLang="en-US"/>
           </a:p>
@@ -815,7 +838,7 @@
           </a:lstStyle>
           <a:p>
             <a:r>
-              <a:rPr lang="en-US" altLang="ko-KR" dirty="0" smtClean="0"/>
+              <a:rPr lang="en-US" altLang="ko-KR" dirty="0"/>
               <a:t>The Title of Your Presentation</a:t>
             </a:r>
             <a:endParaRPr lang="ko-KR" altLang="en-US" dirty="0"/>
@@ -943,17 +966,17 @@
           </a:lstStyle>
           <a:p>
             <a:r>
-              <a:rPr lang="en-US" altLang="ko-KR" dirty="0" smtClean="0"/>
+              <a:rPr lang="en-US" altLang="ko-KR" dirty="0"/>
               <a:t>Department of Computer and Electrical Engineering</a:t>
             </a:r>
           </a:p>
           <a:p>
             <a:r>
-              <a:rPr lang="en-US" altLang="ko-KR" dirty="0" err="1" smtClean="0"/>
+              <a:rPr lang="en-US" altLang="ko-KR" dirty="0" err="1"/>
               <a:t>Sungkyunkwan</a:t>
             </a:r>
             <a:r>
-              <a:rPr lang="en-US" altLang="ko-KR" dirty="0" smtClean="0"/>
+              <a:rPr lang="en-US" altLang="ko-KR" dirty="0"/>
               <a:t> University</a:t>
             </a:r>
           </a:p>
@@ -1015,7 +1038,7 @@
           <a:p>
             <a:pPr lvl="0"/>
             <a:r>
-              <a:rPr lang="en-US" altLang="ko-KR" dirty="0" smtClean="0"/>
+              <a:rPr lang="en-US" altLang="ko-KR" dirty="0"/>
               <a:t>Your name</a:t>
             </a:r>
             <a:endParaRPr lang="ko-KR" altLang="en-US" dirty="0"/>
@@ -1094,7 +1117,7 @@
               <a:defRPr/>
             </a:pPr>
             <a:r>
-              <a:rPr kumimoji="0" lang="en-US" altLang="ko-KR" sz="1600" b="0" i="0" u="none" strike="noStrike" kern="1200" cap="none" spc="0" normalizeH="0" baseline="0" noProof="0" dirty="0" smtClean="0">
+              <a:rPr kumimoji="0" lang="en-US" altLang="ko-KR" sz="1600" b="0" i="0" u="none" strike="noStrike" kern="1200" cap="none" spc="0" normalizeH="0" baseline="0" noProof="0" dirty="0">
                 <a:ln>
                   <a:noFill/>
                 </a:ln>
@@ -1137,7 +1160,7 @@
               <a:defRPr/>
             </a:pPr>
             <a:r>
-              <a:rPr kumimoji="0" lang="en-US" altLang="ko-KR" sz="1400" b="0" i="0" u="none" strike="noStrike" kern="1200" cap="none" spc="0" normalizeH="0" baseline="0" noProof="0" dirty="0" smtClean="0">
+              <a:rPr kumimoji="0" lang="en-US" altLang="ko-KR" sz="1400" b="0" i="0" u="none" strike="noStrike" kern="1200" cap="none" spc="0" normalizeH="0" baseline="0" noProof="0" dirty="0">
                 <a:ln>
                   <a:noFill/>
                 </a:ln>
@@ -1180,7 +1203,7 @@
               <a:defRPr/>
             </a:pPr>
             <a:r>
-              <a:rPr kumimoji="0" lang="en-US" altLang="ko-KR" sz="1400" b="0" i="0" u="none" strike="noStrike" kern="1200" cap="none" spc="0" normalizeH="0" baseline="0" noProof="0" dirty="0" smtClean="0">
+              <a:rPr kumimoji="0" lang="en-US" altLang="ko-KR" sz="1400" b="0" i="0" u="none" strike="noStrike" kern="1200" cap="none" spc="0" normalizeH="0" baseline="0" noProof="0" dirty="0">
                 <a:ln>
                   <a:noFill/>
                 </a:ln>
@@ -1229,13 +1252,6 @@
   <p:clrMapOvr>
     <a:masterClrMapping/>
   </p:clrMapOvr>
-  <p:timing>
-    <p:tnLst>
-      <p:par>
-        <p:cTn id="1" dur="indefinite" restart="never" nodeType="tmRoot"/>
-      </p:par>
-    </p:tnLst>
-  </p:timing>
 </p:sldLayout>
 </file>
 
@@ -1278,7 +1294,7 @@
           </a:lstStyle>
           <a:p>
             <a:r>
-              <a:rPr kumimoji="1" lang="ko-KR" altLang="en-US" dirty="0" smtClean="0"/>
+              <a:rPr kumimoji="1" lang="ko-KR" altLang="en-US" dirty="0"/>
               <a:t>마스터 제목 스타일 편집</a:t>
             </a:r>
             <a:endParaRPr kumimoji="1" lang="ja-JP" altLang="en-US" dirty="0"/>
@@ -1320,35 +1336,35 @@
           <a:p>
             <a:pPr lvl="0"/>
             <a:r>
-              <a:rPr kumimoji="1" lang="ko-KR" altLang="en-US" dirty="0" smtClean="0"/>
+              <a:rPr kumimoji="1" lang="ko-KR" altLang="en-US" dirty="0"/>
               <a:t>마스터 텍스트 스타일 편집</a:t>
             </a:r>
           </a:p>
           <a:p>
             <a:pPr lvl="1"/>
             <a:r>
-              <a:rPr kumimoji="1" lang="ko-KR" altLang="en-US" dirty="0" smtClean="0"/>
+              <a:rPr kumimoji="1" lang="ko-KR" altLang="en-US" dirty="0"/>
               <a:t>둘째 수준</a:t>
             </a:r>
           </a:p>
           <a:p>
             <a:pPr lvl="2"/>
             <a:r>
-              <a:rPr kumimoji="1" lang="ko-KR" altLang="en-US" dirty="0" smtClean="0"/>
+              <a:rPr kumimoji="1" lang="ko-KR" altLang="en-US" dirty="0"/>
               <a:t>셋째 수준</a:t>
             </a:r>
           </a:p>
           <a:p>
             <a:pPr lvl="3"/>
             <a:r>
-              <a:rPr kumimoji="1" lang="ko-KR" altLang="en-US" dirty="0" smtClean="0"/>
+              <a:rPr kumimoji="1" lang="ko-KR" altLang="en-US" dirty="0"/>
               <a:t>넷째 수준</a:t>
             </a:r>
           </a:p>
           <a:p>
             <a:pPr lvl="4"/>
             <a:r>
-              <a:rPr kumimoji="1" lang="ko-KR" altLang="en-US" dirty="0" smtClean="0"/>
+              <a:rPr kumimoji="1" lang="ko-KR" altLang="en-US" dirty="0"/>
               <a:t>다섯째 수준</a:t>
             </a:r>
             <a:endParaRPr kumimoji="1" lang="ja-JP" altLang="en-US" dirty="0"/>
@@ -1372,7 +1388,7 @@
           <a:p>
             <a:fld id="{8256154E-96B1-9842-B409-A61AB37E6123}" type="datetime1">
               <a:rPr kumimoji="1" lang="en-US" altLang="ja-JP" smtClean="0"/>
-              <a:t>11/10/2020</a:t>
+              <a:t>12/7/20</a:t>
             </a:fld>
             <a:endParaRPr kumimoji="1" lang="ja-JP" altLang="en-US"/>
           </a:p>
@@ -1430,13 +1446,6 @@
   <p:clrMapOvr>
     <a:masterClrMapping/>
   </p:clrMapOvr>
-  <p:timing>
-    <p:tnLst>
-      <p:par>
-        <p:cTn id="1" dur="indefinite" restart="never" nodeType="tmRoot"/>
-      </p:par>
-    </p:tnLst>
-  </p:timing>
 </p:sldLayout>
 </file>
 
@@ -1482,7 +1491,7 @@
           </a:lstStyle>
           <a:p>
             <a:r>
-              <a:rPr kumimoji="1" lang="ko-KR" altLang="en-US" smtClean="0"/>
+              <a:rPr kumimoji="1" lang="ko-KR" altLang="en-US"/>
               <a:t>마스터 제목 스타일 편집</a:t>
             </a:r>
             <a:endParaRPr kumimoji="1" lang="ja-JP" altLang="en-US"/>
@@ -1602,7 +1611,7 @@
           <a:p>
             <a:pPr lvl="0"/>
             <a:r>
-              <a:rPr kumimoji="1" lang="ko-KR" altLang="en-US" smtClean="0"/>
+              <a:rPr kumimoji="1" lang="ko-KR" altLang="en-US"/>
               <a:t>마스터 텍스트 스타일 편집</a:t>
             </a:r>
           </a:p>
@@ -1625,7 +1634,7 @@
           <a:p>
             <a:fld id="{8B730E92-F4CD-904B-B8C2-E5CCFBAF302B}" type="datetime1">
               <a:rPr kumimoji="1" lang="en-US" altLang="ja-JP" smtClean="0"/>
-              <a:t>11/10/2020</a:t>
+              <a:t>12/7/20</a:t>
             </a:fld>
             <a:endParaRPr kumimoji="1" lang="ja-JP" altLang="en-US"/>
           </a:p>
@@ -1719,7 +1728,7 @@
           <a:lstStyle/>
           <a:p>
             <a:r>
-              <a:rPr kumimoji="1" lang="ko-KR" altLang="en-US" smtClean="0"/>
+              <a:rPr kumimoji="1" lang="ko-KR" altLang="en-US"/>
               <a:t>마스터 제목 스타일 편집</a:t>
             </a:r>
             <a:endParaRPr kumimoji="1" lang="ja-JP" altLang="en-US"/>
@@ -1776,35 +1785,35 @@
           <a:p>
             <a:pPr lvl="0"/>
             <a:r>
-              <a:rPr kumimoji="1" lang="ko-KR" altLang="en-US" smtClean="0"/>
+              <a:rPr kumimoji="1" lang="ko-KR" altLang="en-US"/>
               <a:t>마스터 텍스트 스타일 편집</a:t>
             </a:r>
           </a:p>
           <a:p>
             <a:pPr lvl="1"/>
             <a:r>
-              <a:rPr kumimoji="1" lang="ko-KR" altLang="en-US" smtClean="0"/>
+              <a:rPr kumimoji="1" lang="ko-KR" altLang="en-US"/>
               <a:t>둘째 수준</a:t>
             </a:r>
           </a:p>
           <a:p>
             <a:pPr lvl="2"/>
             <a:r>
-              <a:rPr kumimoji="1" lang="ko-KR" altLang="en-US" smtClean="0"/>
+              <a:rPr kumimoji="1" lang="ko-KR" altLang="en-US"/>
               <a:t>셋째 수준</a:t>
             </a:r>
           </a:p>
           <a:p>
             <a:pPr lvl="3"/>
             <a:r>
-              <a:rPr kumimoji="1" lang="ko-KR" altLang="en-US" smtClean="0"/>
+              <a:rPr kumimoji="1" lang="ko-KR" altLang="en-US"/>
               <a:t>넷째 수준</a:t>
             </a:r>
           </a:p>
           <a:p>
             <a:pPr lvl="4"/>
             <a:r>
-              <a:rPr kumimoji="1" lang="ko-KR" altLang="en-US" smtClean="0"/>
+              <a:rPr kumimoji="1" lang="ko-KR" altLang="en-US"/>
               <a:t>다섯째 수준</a:t>
             </a:r>
             <a:endParaRPr kumimoji="1" lang="ja-JP" altLang="en-US"/>
@@ -1861,35 +1870,35 @@
           <a:p>
             <a:pPr lvl="0"/>
             <a:r>
-              <a:rPr kumimoji="1" lang="ko-KR" altLang="en-US" smtClean="0"/>
+              <a:rPr kumimoji="1" lang="ko-KR" altLang="en-US"/>
               <a:t>마스터 텍스트 스타일 편집</a:t>
             </a:r>
           </a:p>
           <a:p>
             <a:pPr lvl="1"/>
             <a:r>
-              <a:rPr kumimoji="1" lang="ko-KR" altLang="en-US" smtClean="0"/>
+              <a:rPr kumimoji="1" lang="ko-KR" altLang="en-US"/>
               <a:t>둘째 수준</a:t>
             </a:r>
           </a:p>
           <a:p>
             <a:pPr lvl="2"/>
             <a:r>
-              <a:rPr kumimoji="1" lang="ko-KR" altLang="en-US" smtClean="0"/>
+              <a:rPr kumimoji="1" lang="ko-KR" altLang="en-US"/>
               <a:t>셋째 수준</a:t>
             </a:r>
           </a:p>
           <a:p>
             <a:pPr lvl="3"/>
             <a:r>
-              <a:rPr kumimoji="1" lang="ko-KR" altLang="en-US" smtClean="0"/>
+              <a:rPr kumimoji="1" lang="ko-KR" altLang="en-US"/>
               <a:t>넷째 수준</a:t>
             </a:r>
           </a:p>
           <a:p>
             <a:pPr lvl="4"/>
             <a:r>
-              <a:rPr kumimoji="1" lang="ko-KR" altLang="en-US" smtClean="0"/>
+              <a:rPr kumimoji="1" lang="ko-KR" altLang="en-US"/>
               <a:t>다섯째 수준</a:t>
             </a:r>
             <a:endParaRPr kumimoji="1" lang="ja-JP" altLang="en-US"/>
@@ -1913,7 +1922,7 @@
           <a:p>
             <a:fld id="{4204CE13-550A-6747-A774-5FF7C2601B36}" type="datetime1">
               <a:rPr kumimoji="1" lang="en-US" altLang="ja-JP" smtClean="0"/>
-              <a:t>11/10/2020</a:t>
+              <a:t>12/7/20</a:t>
             </a:fld>
             <a:endParaRPr kumimoji="1" lang="ja-JP" altLang="en-US"/>
           </a:p>
@@ -2011,7 +2020,7 @@
           </a:lstStyle>
           <a:p>
             <a:r>
-              <a:rPr kumimoji="1" lang="ko-KR" altLang="en-US" smtClean="0"/>
+              <a:rPr kumimoji="1" lang="ko-KR" altLang="en-US"/>
               <a:t>마스터 제목 스타일 편집</a:t>
             </a:r>
             <a:endParaRPr kumimoji="1" lang="ja-JP" altLang="en-US"/>
@@ -2077,7 +2086,7 @@
           <a:p>
             <a:pPr lvl="0"/>
             <a:r>
-              <a:rPr kumimoji="1" lang="ko-KR" altLang="en-US" smtClean="0"/>
+              <a:rPr kumimoji="1" lang="ko-KR" altLang="en-US"/>
               <a:t>마스터 텍스트 스타일 편집</a:t>
             </a:r>
           </a:p>
@@ -2133,35 +2142,35 @@
           <a:p>
             <a:pPr lvl="0"/>
             <a:r>
-              <a:rPr kumimoji="1" lang="ko-KR" altLang="en-US" smtClean="0"/>
+              <a:rPr kumimoji="1" lang="ko-KR" altLang="en-US"/>
               <a:t>마스터 텍스트 스타일 편집</a:t>
             </a:r>
           </a:p>
           <a:p>
             <a:pPr lvl="1"/>
             <a:r>
-              <a:rPr kumimoji="1" lang="ko-KR" altLang="en-US" smtClean="0"/>
+              <a:rPr kumimoji="1" lang="ko-KR" altLang="en-US"/>
               <a:t>둘째 수준</a:t>
             </a:r>
           </a:p>
           <a:p>
             <a:pPr lvl="2"/>
             <a:r>
-              <a:rPr kumimoji="1" lang="ko-KR" altLang="en-US" smtClean="0"/>
+              <a:rPr kumimoji="1" lang="ko-KR" altLang="en-US"/>
               <a:t>셋째 수준</a:t>
             </a:r>
           </a:p>
           <a:p>
             <a:pPr lvl="3"/>
             <a:r>
-              <a:rPr kumimoji="1" lang="ko-KR" altLang="en-US" smtClean="0"/>
+              <a:rPr kumimoji="1" lang="ko-KR" altLang="en-US"/>
               <a:t>넷째 수준</a:t>
             </a:r>
           </a:p>
           <a:p>
             <a:pPr lvl="4"/>
             <a:r>
-              <a:rPr kumimoji="1" lang="ko-KR" altLang="en-US" smtClean="0"/>
+              <a:rPr kumimoji="1" lang="ko-KR" altLang="en-US"/>
               <a:t>다섯째 수준</a:t>
             </a:r>
             <a:endParaRPr kumimoji="1" lang="ja-JP" altLang="en-US"/>
@@ -2227,7 +2236,7 @@
           <a:p>
             <a:pPr lvl="0"/>
             <a:r>
-              <a:rPr kumimoji="1" lang="ko-KR" altLang="en-US" smtClean="0"/>
+              <a:rPr kumimoji="1" lang="ko-KR" altLang="en-US"/>
               <a:t>마스터 텍스트 스타일 편집</a:t>
             </a:r>
           </a:p>
@@ -2283,35 +2292,35 @@
           <a:p>
             <a:pPr lvl="0"/>
             <a:r>
-              <a:rPr kumimoji="1" lang="ko-KR" altLang="en-US" smtClean="0"/>
+              <a:rPr kumimoji="1" lang="ko-KR" altLang="en-US"/>
               <a:t>마스터 텍스트 스타일 편집</a:t>
             </a:r>
           </a:p>
           <a:p>
             <a:pPr lvl="1"/>
             <a:r>
-              <a:rPr kumimoji="1" lang="ko-KR" altLang="en-US" smtClean="0"/>
+              <a:rPr kumimoji="1" lang="ko-KR" altLang="en-US"/>
               <a:t>둘째 수준</a:t>
             </a:r>
           </a:p>
           <a:p>
             <a:pPr lvl="2"/>
             <a:r>
-              <a:rPr kumimoji="1" lang="ko-KR" altLang="en-US" smtClean="0"/>
+              <a:rPr kumimoji="1" lang="ko-KR" altLang="en-US"/>
               <a:t>셋째 수준</a:t>
             </a:r>
           </a:p>
           <a:p>
             <a:pPr lvl="3"/>
             <a:r>
-              <a:rPr kumimoji="1" lang="ko-KR" altLang="en-US" smtClean="0"/>
+              <a:rPr kumimoji="1" lang="ko-KR" altLang="en-US"/>
               <a:t>넷째 수준</a:t>
             </a:r>
           </a:p>
           <a:p>
             <a:pPr lvl="4"/>
             <a:r>
-              <a:rPr kumimoji="1" lang="ko-KR" altLang="en-US" smtClean="0"/>
+              <a:rPr kumimoji="1" lang="ko-KR" altLang="en-US"/>
               <a:t>다섯째 수준</a:t>
             </a:r>
             <a:endParaRPr kumimoji="1" lang="ja-JP" altLang="en-US"/>
@@ -2335,7 +2344,7 @@
           <a:p>
             <a:fld id="{5935DAD3-C41A-D14E-B90D-1A640521FABB}" type="datetime1">
               <a:rPr kumimoji="1" lang="en-US" altLang="ja-JP" smtClean="0"/>
-              <a:t>11/10/2020</a:t>
+              <a:t>12/7/20</a:t>
             </a:fld>
             <a:endParaRPr kumimoji="1" lang="ja-JP" altLang="en-US"/>
           </a:p>
@@ -2429,7 +2438,7 @@
           <a:lstStyle/>
           <a:p>
             <a:r>
-              <a:rPr kumimoji="1" lang="ko-KR" altLang="en-US" smtClean="0"/>
+              <a:rPr kumimoji="1" lang="ko-KR" altLang="en-US"/>
               <a:t>마스터 제목 스타일 편집</a:t>
             </a:r>
             <a:endParaRPr kumimoji="1" lang="ja-JP" altLang="en-US"/>
@@ -2453,7 +2462,7 @@
           <a:p>
             <a:fld id="{A5D19533-4A8C-0B4F-BD21-BD179572420A}" type="datetime1">
               <a:rPr kumimoji="1" lang="en-US" altLang="ja-JP" smtClean="0"/>
-              <a:t>11/10/2020</a:t>
+              <a:t>12/7/20</a:t>
             </a:fld>
             <a:endParaRPr kumimoji="1" lang="ja-JP" altLang="en-US"/>
           </a:p>
@@ -2548,7 +2557,7 @@
           <a:p>
             <a:fld id="{05972583-4BC3-B043-820A-26340FA44D47}" type="datetime1">
               <a:rPr kumimoji="1" lang="en-US" altLang="ja-JP" smtClean="0"/>
-              <a:t>11/10/2020</a:t>
+              <a:t>12/7/20</a:t>
             </a:fld>
             <a:endParaRPr kumimoji="1" lang="ja-JP" altLang="en-US"/>
           </a:p>
@@ -2651,7 +2660,7 @@
           </a:lstStyle>
           <a:p>
             <a:r>
-              <a:rPr kumimoji="1" lang="ko-KR" altLang="en-US" smtClean="0"/>
+              <a:rPr kumimoji="1" lang="ko-KR" altLang="en-US"/>
               <a:t>마스터 제목 스타일 편집</a:t>
             </a:r>
             <a:endParaRPr kumimoji="1" lang="ja-JP" altLang="en-US"/>
@@ -2708,35 +2717,35 @@
           <a:p>
             <a:pPr lvl="0"/>
             <a:r>
-              <a:rPr kumimoji="1" lang="ko-KR" altLang="en-US" smtClean="0"/>
+              <a:rPr kumimoji="1" lang="ko-KR" altLang="en-US"/>
               <a:t>마스터 텍스트 스타일 편집</a:t>
             </a:r>
           </a:p>
           <a:p>
             <a:pPr lvl="1"/>
             <a:r>
-              <a:rPr kumimoji="1" lang="ko-KR" altLang="en-US" smtClean="0"/>
+              <a:rPr kumimoji="1" lang="ko-KR" altLang="en-US"/>
               <a:t>둘째 수준</a:t>
             </a:r>
           </a:p>
           <a:p>
             <a:pPr lvl="2"/>
             <a:r>
-              <a:rPr kumimoji="1" lang="ko-KR" altLang="en-US" smtClean="0"/>
+              <a:rPr kumimoji="1" lang="ko-KR" altLang="en-US"/>
               <a:t>셋째 수준</a:t>
             </a:r>
           </a:p>
           <a:p>
             <a:pPr lvl="3"/>
             <a:r>
-              <a:rPr kumimoji="1" lang="ko-KR" altLang="en-US" smtClean="0"/>
+              <a:rPr kumimoji="1" lang="ko-KR" altLang="en-US"/>
               <a:t>넷째 수준</a:t>
             </a:r>
           </a:p>
           <a:p>
             <a:pPr lvl="4"/>
             <a:r>
-              <a:rPr kumimoji="1" lang="ko-KR" altLang="en-US" smtClean="0"/>
+              <a:rPr kumimoji="1" lang="ko-KR" altLang="en-US"/>
               <a:t>다섯째 수준</a:t>
             </a:r>
             <a:endParaRPr kumimoji="1" lang="ja-JP" altLang="en-US"/>
@@ -2802,7 +2811,7 @@
           <a:p>
             <a:pPr lvl="0"/>
             <a:r>
-              <a:rPr kumimoji="1" lang="ko-KR" altLang="en-US" smtClean="0"/>
+              <a:rPr kumimoji="1" lang="ko-KR" altLang="en-US"/>
               <a:t>마스터 텍스트 스타일 편집</a:t>
             </a:r>
           </a:p>
@@ -2825,7 +2834,7 @@
           <a:p>
             <a:fld id="{069907A8-A739-FA48-8F41-40C947333024}" type="datetime1">
               <a:rPr kumimoji="1" lang="en-US" altLang="ja-JP" smtClean="0"/>
-              <a:t>11/10/2020</a:t>
+              <a:t>12/7/20</a:t>
             </a:fld>
             <a:endParaRPr kumimoji="1" lang="ja-JP" altLang="en-US"/>
           </a:p>
@@ -2928,7 +2937,7 @@
           </a:lstStyle>
           <a:p>
             <a:r>
-              <a:rPr kumimoji="1" lang="ko-KR" altLang="en-US" smtClean="0"/>
+              <a:rPr kumimoji="1" lang="ko-KR" altLang="en-US"/>
               <a:t>마스터 제목 스타일 편집</a:t>
             </a:r>
             <a:endParaRPr kumimoji="1" lang="ja-JP" altLang="en-US"/>
@@ -2993,7 +3002,7 @@
           </a:lstStyle>
           <a:p>
             <a:r>
-              <a:rPr kumimoji="1" lang="ko-KR" altLang="en-US" smtClean="0"/>
+              <a:rPr kumimoji="1" lang="ko-KR" altLang="en-US"/>
               <a:t>그림을 추가하려면 아이콘을 클릭하십시오</a:t>
             </a:r>
             <a:endParaRPr kumimoji="1" lang="ja-JP" altLang="en-US"/>
@@ -3059,7 +3068,7 @@
           <a:p>
             <a:pPr lvl="0"/>
             <a:r>
-              <a:rPr kumimoji="1" lang="ko-KR" altLang="en-US" smtClean="0"/>
+              <a:rPr kumimoji="1" lang="ko-KR" altLang="en-US"/>
               <a:t>마스터 텍스트 스타일 편집</a:t>
             </a:r>
           </a:p>
@@ -3082,7 +3091,7 @@
           <a:p>
             <a:fld id="{F6633D63-EA21-0E44-BF08-D9EA86771294}" type="datetime1">
               <a:rPr kumimoji="1" lang="en-US" altLang="ja-JP" smtClean="0"/>
-              <a:t>11/10/2020</a:t>
+              <a:t>12/7/20</a:t>
             </a:fld>
             <a:endParaRPr kumimoji="1" lang="ja-JP" altLang="en-US"/>
           </a:p>
@@ -3191,7 +3200,7 @@
           <a:lstStyle/>
           <a:p>
             <a:r>
-              <a:rPr kumimoji="1" lang="ko-KR" altLang="en-US" smtClean="0"/>
+              <a:rPr kumimoji="1" lang="ko-KR" altLang="en-US"/>
               <a:t>마스터 제목 스타일 편집</a:t>
             </a:r>
             <a:endParaRPr kumimoji="1" lang="ja-JP" altLang="en-US" dirty="0"/>
@@ -3225,35 +3234,35 @@
           <a:p>
             <a:pPr lvl="0"/>
             <a:r>
-              <a:rPr kumimoji="1" lang="ko-KR" altLang="en-US" smtClean="0"/>
+              <a:rPr kumimoji="1" lang="ko-KR" altLang="en-US"/>
               <a:t>마스터 텍스트 스타일 편집</a:t>
             </a:r>
           </a:p>
           <a:p>
             <a:pPr lvl="1"/>
             <a:r>
-              <a:rPr kumimoji="1" lang="ko-KR" altLang="en-US" smtClean="0"/>
+              <a:rPr kumimoji="1" lang="ko-KR" altLang="en-US"/>
               <a:t>둘째 수준</a:t>
             </a:r>
           </a:p>
           <a:p>
             <a:pPr lvl="2"/>
             <a:r>
-              <a:rPr kumimoji="1" lang="ko-KR" altLang="en-US" smtClean="0"/>
+              <a:rPr kumimoji="1" lang="ko-KR" altLang="en-US"/>
               <a:t>셋째 수준</a:t>
             </a:r>
           </a:p>
           <a:p>
             <a:pPr lvl="3"/>
             <a:r>
-              <a:rPr kumimoji="1" lang="ko-KR" altLang="en-US" smtClean="0"/>
+              <a:rPr kumimoji="1" lang="ko-KR" altLang="en-US"/>
               <a:t>넷째 수준</a:t>
             </a:r>
           </a:p>
           <a:p>
             <a:pPr lvl="4"/>
             <a:r>
-              <a:rPr kumimoji="1" lang="ko-KR" altLang="en-US" smtClean="0"/>
+              <a:rPr kumimoji="1" lang="ko-KR" altLang="en-US"/>
               <a:t>다섯째 수준</a:t>
             </a:r>
             <a:endParaRPr kumimoji="1" lang="ja-JP" altLang="en-US" dirty="0"/>
@@ -3298,7 +3307,7 @@
           <a:p>
             <a:fld id="{66DD30AA-2BE8-C645-8D51-FE68EE7EE754}" type="datetime1">
               <a:rPr lang="en-US" altLang="ja-JP" smtClean="0"/>
-              <a:t>11/10/2020</a:t>
+              <a:t>12/7/20</a:t>
             </a:fld>
             <a:endParaRPr lang="ja-JP" altLang="en-US" dirty="0"/>
           </a:p>
@@ -3714,18 +3723,13 @@
           <a:lstStyle/>
           <a:p>
             <a:r>
-              <a:rPr lang="en-US" dirty="0" err="1" smtClean="0"/>
+              <a:rPr lang="en-US" dirty="0" err="1"/>
               <a:t>Ch</a:t>
             </a:r>
             <a:r>
-              <a:rPr lang="en-US" dirty="0" smtClean="0"/>
-              <a:t> 7. Isolation </a:t>
-            </a:r>
-            <a:r>
               <a:rPr lang="en-US" dirty="0"/>
-              <a:t>Concepts</a:t>
-            </a:r>
-            <a:endParaRPr lang="en-US" dirty="0"/>
+              <a:t> 7. Isolation Concepts</a:t>
+            </a:r>
           </a:p>
         </p:txBody>
       </p:sp>
@@ -3745,20 +3749,19 @@
           <a:lstStyle/>
           <a:p>
             <a:r>
-              <a:rPr lang="en-US" dirty="0" err="1" smtClean="0"/>
+              <a:rPr lang="en-US" dirty="0" err="1"/>
               <a:t>Jongbaeg</a:t>
             </a:r>
             <a:r>
-              <a:rPr lang="en-US" dirty="0" smtClean="0"/>
+              <a:rPr lang="en-US" dirty="0"/>
               <a:t> Lee</a:t>
             </a:r>
           </a:p>
           <a:p>
             <a:r>
-              <a:rPr lang="en-US" dirty="0" smtClean="0"/>
+              <a:rPr lang="en-US" dirty="0"/>
               <a:t>hundredbag@gmail.com</a:t>
             </a:r>
-            <a:endParaRPr lang="en-US" dirty="0"/>
           </a:p>
         </p:txBody>
       </p:sp>
@@ -3772,21 +3775,6 @@
   <p:clrMapOvr>
     <a:masterClrMapping/>
   </p:clrMapOvr>
-  <mc:AlternateContent xmlns:mc="http://schemas.openxmlformats.org/markup-compatibility/2006">
-    <mc:Choice xmlns:p14="http://schemas.microsoft.com/office/powerpoint/2010/main" Requires="p14">
-      <p:transition spd="slow" p14:dur="2000"/>
-    </mc:Choice>
-    <mc:Fallback>
-      <p:transition spd="slow"/>
-    </mc:Fallback>
-  </mc:AlternateContent>
-  <p:timing>
-    <p:tnLst>
-      <p:par>
-        <p:cTn id="1" dur="indefinite" restart="never" nodeType="tmRoot"/>
-      </p:par>
-    </p:tnLst>
-  </p:timing>
 </p:sld>
 </file>
 
@@ -3823,10 +3811,9 @@
           <a:lstStyle/>
           <a:p>
             <a:r>
-              <a:rPr lang="en-US" dirty="0" smtClean="0"/>
+              <a:rPr lang="en-US" dirty="0"/>
               <a:t>Isolation Theorems</a:t>
             </a:r>
-            <a:endParaRPr lang="en-US" dirty="0"/>
           </a:p>
         </p:txBody>
       </p:sp>
@@ -3846,109 +3833,75 @@
           <a:lstStyle/>
           <a:p>
             <a:r>
-              <a:rPr lang="en-US" dirty="0" smtClean="0"/>
+              <a:rPr lang="en-US" dirty="0"/>
               <a:t>More formal presentation of isolation theorems are needed</a:t>
             </a:r>
           </a:p>
           <a:p>
             <a:r>
-              <a:rPr lang="en-US" dirty="0" smtClean="0"/>
+              <a:rPr lang="en-US" dirty="0"/>
               <a:t>Used notations</a:t>
             </a:r>
           </a:p>
           <a:p>
             <a:pPr lvl="1"/>
             <a:r>
-              <a:rPr lang="en-US" dirty="0" smtClean="0"/>
-              <a:t>Sequences </a:t>
-            </a:r>
-            <a:r>
               <a:rPr lang="en-US" dirty="0"/>
-              <a:t>of elements : S = &lt;a, b, c&gt;</a:t>
-            </a:r>
-          </a:p>
-          <a:p>
-            <a:pPr lvl="1"/>
-            <a:r>
-              <a:rPr lang="en-US" dirty="0" smtClean="0"/>
-              <a:t>Concatenation </a:t>
-            </a:r>
+              <a:t>Sequences of elements : S = &lt;a, b, c&gt;</a:t>
+            </a:r>
+          </a:p>
+          <a:p>
+            <a:pPr lvl="1"/>
             <a:r>
               <a:rPr lang="en-US" dirty="0"/>
-              <a:t>: S || S`</a:t>
-            </a:r>
-          </a:p>
-          <a:p>
-            <a:pPr lvl="1"/>
-            <a:r>
-              <a:rPr lang="en-US" i="1" dirty="0" err="1" smtClean="0"/>
+              <a:t>Concatenation : S || S`</a:t>
+            </a:r>
+          </a:p>
+          <a:p>
+            <a:pPr lvl="1"/>
+            <a:r>
+              <a:rPr lang="en-US" i="1" dirty="0" err="1"/>
               <a:t>i</a:t>
             </a:r>
             <a:r>
-              <a:rPr lang="en-US" dirty="0" err="1" smtClean="0"/>
+              <a:rPr lang="en-US" dirty="0" err="1"/>
               <a:t>th</a:t>
             </a:r>
             <a:r>
-              <a:rPr lang="en-US" dirty="0" smtClean="0"/>
-              <a:t> </a:t>
-            </a:r>
-            <a:r>
               <a:rPr lang="en-US" dirty="0"/>
-              <a:t>element of S : </a:t>
-            </a:r>
-            <a:r>
-              <a:rPr lang="en-US" dirty="0" smtClean="0"/>
-              <a:t>S[</a:t>
-            </a:r>
-            <a:r>
-              <a:rPr lang="en-US" dirty="0" err="1" smtClean="0"/>
+              <a:t> element of S : S[</a:t>
+            </a:r>
+            <a:r>
+              <a:rPr lang="en-US" i="1" dirty="0" err="1"/>
               <a:t>i</a:t>
             </a:r>
             <a:r>
-              <a:rPr lang="en-US" dirty="0" smtClean="0"/>
+              <a:rPr lang="en-US" dirty="0"/>
               <a:t>]</a:t>
             </a:r>
-            <a:endParaRPr lang="en-US" dirty="0"/>
-          </a:p>
-          <a:p>
-            <a:pPr lvl="1"/>
-            <a:r>
-              <a:rPr lang="en-US" dirty="0" smtClean="0"/>
-              <a:t>A </a:t>
-            </a:r>
+          </a:p>
+          <a:p>
+            <a:pPr lvl="1"/>
             <a:r>
               <a:rPr lang="en-US" dirty="0"/>
-              <a:t>subsequence S` of sequence S : S`= &lt;</a:t>
-            </a:r>
-            <a:r>
-              <a:rPr lang="en-US" dirty="0" smtClean="0"/>
-              <a:t>S[</a:t>
-            </a:r>
-            <a:r>
-              <a:rPr lang="en-US" dirty="0" err="1" smtClean="0"/>
+              <a:t>A subsequence S` of sequence S : S`= &lt;S[</a:t>
+            </a:r>
+            <a:r>
+              <a:rPr lang="en-US" i="1" dirty="0" err="1"/>
               <a:t>i</a:t>
             </a:r>
             <a:r>
-              <a:rPr lang="en-US" dirty="0" smtClean="0"/>
-              <a:t>] </a:t>
-            </a:r>
-            <a:r>
               <a:rPr lang="en-US" dirty="0"/>
-              <a:t>| predicate (</a:t>
-            </a:r>
-            <a:r>
-              <a:rPr lang="en-US" dirty="0" smtClean="0"/>
-              <a:t>S[</a:t>
-            </a:r>
-            <a:r>
-              <a:rPr lang="en-US" dirty="0" err="1" smtClean="0"/>
+              <a:t>] | predicate (S[</a:t>
+            </a:r>
+            <a:r>
+              <a:rPr lang="en-US" i="1" dirty="0" err="1"/>
               <a:t>i</a:t>
             </a:r>
             <a:r>
-              <a:rPr lang="en-US" dirty="0" smtClean="0"/>
+              <a:rPr lang="en-US" dirty="0"/>
               <a:t>])&gt;</a:t>
             </a:r>
-            <a:endParaRPr lang="en-US" dirty="0"/>
           </a:p>
         </p:txBody>
       </p:sp>
@@ -3962,13 +3915,6 @@
   <p:clrMapOvr>
     <a:masterClrMapping/>
   </p:clrMapOvr>
-  <p:timing>
-    <p:tnLst>
-      <p:par>
-        <p:cTn id="1" dur="indefinite" restart="never" nodeType="tmRoot"/>
-      </p:par>
-    </p:tnLst>
-  </p:timing>
 </p:sld>
 </file>
 
@@ -4005,95 +3951,102 @@
           <a:lstStyle/>
           <a:p>
             <a:r>
-              <a:rPr lang="en-US" dirty="0" smtClean="0"/>
+              <a:rPr lang="en-US" dirty="0"/>
               <a:t>Actions and Transactions</a:t>
             </a:r>
+          </a:p>
+        </p:txBody>
+      </p:sp>
+      <p:sp>
+        <p:nvSpPr>
+          <p:cNvPr id="3" name="내용 개체 틀 2"/>
+          <p:cNvSpPr>
+            <a:spLocks noGrp="1"/>
+          </p:cNvSpPr>
+          <p:nvPr>
+            <p:ph idx="1"/>
+          </p:nvPr>
+        </p:nvSpPr>
+        <p:spPr/>
+        <p:txBody>
+          <a:bodyPr/>
+          <a:lstStyle/>
+          <a:p>
+            <a:r>
+              <a:rPr lang="en-US" dirty="0"/>
+              <a:t>The system supported actions</a:t>
+            </a:r>
+            <a:r>
+              <a:rPr lang="ko-KR" altLang="en-US" dirty="0"/>
+              <a:t> </a:t>
+            </a:r>
+            <a:r>
+              <a:rPr lang="en-US" altLang="ko-KR" dirty="0"/>
+              <a:t>on the objects</a:t>
+            </a:r>
             <a:endParaRPr lang="en-US" dirty="0"/>
           </a:p>
-        </p:txBody>
-      </p:sp>
-      <p:sp>
-        <p:nvSpPr>
-          <p:cNvPr id="3" name="내용 개체 틀 2"/>
-          <p:cNvSpPr>
-            <a:spLocks noGrp="1"/>
-          </p:cNvSpPr>
-          <p:nvPr>
-            <p:ph idx="1"/>
-          </p:nvPr>
-        </p:nvSpPr>
-        <p:spPr/>
-        <p:txBody>
-          <a:bodyPr/>
-          <a:lstStyle/>
-          <a:p>
-            <a:r>
-              <a:rPr lang="en-US" dirty="0" smtClean="0"/>
-              <a:t>The system supported actions</a:t>
-            </a:r>
-          </a:p>
-          <a:p>
-            <a:pPr lvl="1"/>
-            <a:r>
-              <a:rPr lang="en-US" dirty="0" smtClean="0"/>
+          <a:p>
+            <a:pPr lvl="1"/>
+            <a:r>
+              <a:rPr lang="en-US" dirty="0"/>
               <a:t>READ</a:t>
             </a:r>
           </a:p>
           <a:p>
             <a:pPr lvl="1"/>
             <a:r>
-              <a:rPr lang="en-US" dirty="0" smtClean="0"/>
+              <a:rPr lang="en-US" dirty="0"/>
               <a:t>WRITE</a:t>
             </a:r>
           </a:p>
           <a:p>
             <a:pPr lvl="1"/>
             <a:r>
-              <a:rPr lang="en-US" dirty="0" smtClean="0"/>
+              <a:rPr lang="en-US" dirty="0"/>
               <a:t>XLOCK</a:t>
             </a:r>
           </a:p>
           <a:p>
             <a:pPr lvl="1"/>
             <a:r>
-              <a:rPr lang="en-US" dirty="0" smtClean="0"/>
+              <a:rPr lang="en-US" dirty="0"/>
               <a:t>SLOCK</a:t>
             </a:r>
           </a:p>
           <a:p>
             <a:pPr lvl="1"/>
             <a:r>
-              <a:rPr lang="en-US" dirty="0" smtClean="0"/>
+              <a:rPr lang="en-US" dirty="0"/>
               <a:t>UNLOCK</a:t>
             </a:r>
           </a:p>
           <a:p>
             <a:r>
-              <a:rPr lang="en-US" dirty="0" smtClean="0"/>
+              <a:rPr lang="en-US" dirty="0"/>
               <a:t>Generic actions</a:t>
             </a:r>
           </a:p>
           <a:p>
             <a:pPr lvl="1"/>
             <a:r>
-              <a:rPr lang="en-US" dirty="0" smtClean="0"/>
+              <a:rPr lang="en-US" dirty="0"/>
               <a:t>BEGIN</a:t>
             </a:r>
           </a:p>
           <a:p>
             <a:pPr lvl="1"/>
             <a:r>
-              <a:rPr lang="en-US" dirty="0" smtClean="0"/>
+              <a:rPr lang="en-US" dirty="0"/>
               <a:t>COMMIT</a:t>
             </a:r>
           </a:p>
           <a:p>
             <a:pPr lvl="1"/>
             <a:r>
-              <a:rPr lang="en-US" dirty="0" smtClean="0"/>
+              <a:rPr lang="en-US" dirty="0"/>
               <a:t>ROLLBACK</a:t>
             </a:r>
-            <a:endParaRPr lang="en-US" dirty="0"/>
           </a:p>
         </p:txBody>
       </p:sp>
@@ -4107,13 +4060,6 @@
   <p:clrMapOvr>
     <a:masterClrMapping/>
   </p:clrMapOvr>
-  <p:timing>
-    <p:tnLst>
-      <p:par>
-        <p:cTn id="1" dur="indefinite" restart="never" nodeType="tmRoot"/>
-      </p:par>
-    </p:tnLst>
-  </p:timing>
 </p:sld>
 </file>
 
@@ -4174,7 +4120,7 @@
           <a:lstStyle/>
           <a:p>
             <a:r>
-              <a:rPr lang="en-US" sz="1800" dirty="0" smtClean="0"/>
+              <a:rPr lang="en-US" sz="1800" dirty="0"/>
               <a:t>Transactions are represented by a sequence</a:t>
             </a:r>
           </a:p>
@@ -4198,51 +4144,47 @@
             </a:r>
             <a:r>
               <a:rPr lang="en-US" sz="1600" dirty="0"/>
-              <a:t> = 1, ..., n</a:t>
-            </a:r>
-            <a:r>
-              <a:rPr lang="en-US" sz="1600" dirty="0" smtClean="0"/>
-              <a:t>&gt;</a:t>
-            </a:r>
-          </a:p>
-          <a:p>
-            <a:pPr lvl="1"/>
-            <a:r>
-              <a:rPr lang="en-US" sz="1600" i="1" dirty="0" err="1" smtClean="0"/>
+              <a:t> = 1, ..., n&gt;</a:t>
+            </a:r>
+          </a:p>
+          <a:p>
+            <a:pPr lvl="1"/>
+            <a:r>
+              <a:rPr lang="en-US" sz="1600" i="1" dirty="0" err="1"/>
               <a:t>i</a:t>
             </a:r>
             <a:r>
-              <a:rPr lang="en-US" sz="1600" dirty="0" err="1" smtClean="0"/>
+              <a:rPr lang="en-US" sz="1600" dirty="0" err="1"/>
               <a:t>th</a:t>
             </a:r>
             <a:r>
-              <a:rPr lang="en-US" sz="1600" dirty="0" smtClean="0"/>
+              <a:rPr lang="en-US" sz="1600" dirty="0"/>
               <a:t> step of transaction </a:t>
             </a:r>
             <a:r>
-              <a:rPr lang="en-US" sz="1600" i="1" dirty="0" smtClean="0"/>
+              <a:rPr lang="en-US" sz="1600" i="1" dirty="0"/>
               <a:t>T</a:t>
             </a:r>
             <a:r>
-              <a:rPr lang="en-US" sz="1600" dirty="0" smtClean="0"/>
+              <a:rPr lang="en-US" sz="1600" dirty="0"/>
               <a:t> performed action </a:t>
             </a:r>
             <a:r>
-              <a:rPr lang="en-US" sz="1600" i="1" dirty="0" smtClean="0"/>
+              <a:rPr lang="en-US" sz="1600" i="1" dirty="0"/>
               <a:t>Ai</a:t>
             </a:r>
             <a:r>
-              <a:rPr lang="en-US" sz="1600" dirty="0" smtClean="0"/>
+              <a:rPr lang="en-US" sz="1600" dirty="0"/>
               <a:t> on object </a:t>
             </a:r>
             <a:r>
-              <a:rPr lang="en-US" sz="1600" i="1" dirty="0" smtClean="0"/>
+              <a:rPr lang="en-US" sz="1600" i="1" dirty="0"/>
               <a:t>Oi</a:t>
             </a:r>
           </a:p>
           <a:p>
             <a:r>
-              <a:rPr lang="en-US" sz="1800" dirty="0" smtClean="0"/>
+              <a:rPr lang="en-US" sz="1800" dirty="0"/>
               <a:t>Simple TX is composed of READ, WRITE, XLOCK, SLOCK, UNLOCK</a:t>
             </a:r>
           </a:p>
@@ -4257,54 +4199,21 @@
             <a:pPr lvl="1"/>
             <a:r>
               <a:rPr lang="en-US" sz="1800" dirty="0"/>
-              <a:t>(2) </a:t>
-            </a:r>
-            <a:r>
-              <a:rPr lang="en-US" sz="1800" dirty="0" smtClean="0"/>
-              <a:t>Replace COMMIT to the </a:t>
-            </a:r>
-            <a:r>
+              <a:t>(2) Replace COMMIT to the following sequence of UNLOCKS:</a:t>
+            </a:r>
+            <a:br>
               <a:rPr lang="en-US" sz="1800" dirty="0"/>
-              <a:t>following </a:t>
-            </a:r>
-            <a:r>
-              <a:rPr lang="en-US" sz="1800" dirty="0" smtClean="0"/>
-              <a:t>sequence of </a:t>
-            </a:r>
+            </a:br>
             <a:r>
               <a:rPr lang="en-US" sz="1800" dirty="0"/>
-              <a:t>UNLOCKS</a:t>
-            </a:r>
-            <a:r>
-              <a:rPr lang="en-US" sz="1800" dirty="0" smtClean="0"/>
-              <a:t>:</a:t>
-            </a:r>
-            <a:br>
-              <a:rPr lang="en-US" sz="1800" dirty="0" smtClean="0"/>
-            </a:br>
-            <a:r>
-              <a:rPr lang="en-US" sz="1800" dirty="0" smtClean="0"/>
-              <a:t>      &lt;</a:t>
-            </a:r>
+              <a:t>      &lt;UNLOCK A I if SLOCK A or XLOCK A appears in T for any object A&gt;</a:t>
+            </a:r>
+          </a:p>
+          <a:p>
+            <a:pPr lvl="1"/>
             <a:r>
               <a:rPr lang="en-US" sz="1800" dirty="0"/>
-              <a:t>UNLOCK A I if SLOCK A or XLOCK A appears in T for any object A&gt;</a:t>
-            </a:r>
-            <a:endParaRPr lang="en-US" sz="1800" dirty="0" smtClean="0"/>
-          </a:p>
-          <a:p>
-            <a:pPr lvl="1"/>
-            <a:r>
-              <a:rPr lang="en-US" sz="1800" dirty="0" smtClean="0"/>
-              <a:t>(</a:t>
-            </a:r>
-            <a:r>
-              <a:rPr lang="en-US" sz="1800" dirty="0"/>
-              <a:t>3) </a:t>
-            </a:r>
-            <a:r>
-              <a:rPr lang="en-US" sz="1800" dirty="0" smtClean="0"/>
-              <a:t>Replace ROLLBACK to the following sequence of UNLOCKS:</a:t>
+              <a:t>(3) Replace ROLLBACK to the following sequence of UNLOCKS:</a:t>
             </a:r>
           </a:p>
           <a:p>
@@ -4312,12 +4221,8 @@
               <a:buNone/>
             </a:pPr>
             <a:r>
-              <a:rPr lang="en-US" sz="1800" dirty="0" smtClean="0"/>
-              <a:t>	  &lt;</a:t>
-            </a:r>
-            <a:r>
               <a:rPr lang="en-US" sz="1800" dirty="0"/>
-              <a:t>WRITE A I if WRITE A appears in T for any object A&gt; ||</a:t>
+              <a:t>	  &lt;WRITE A I if WRITE A appears in T for any object A&gt; ||</a:t>
             </a:r>
           </a:p>
           <a:p>
@@ -4325,18 +4230,9 @@
               <a:buNone/>
             </a:pPr>
             <a:r>
-              <a:rPr lang="en-US" sz="1800" dirty="0" smtClean="0"/>
-              <a:t>	  &lt;</a:t>
-            </a:r>
-            <a:r>
               <a:rPr lang="en-US" sz="1800" dirty="0"/>
-              <a:t>UNLOCK A I if SLOCK A or XLOCK A Appears in T for any object A</a:t>
-            </a:r>
-            <a:r>
-              <a:rPr lang="en-US" sz="1800" dirty="0" smtClean="0"/>
-              <a:t>&gt;</a:t>
-            </a:r>
-            <a:endParaRPr lang="en-US" sz="1800" dirty="0"/>
+              <a:t>	  &lt;UNLOCK A I if SLOCK A or XLOCK A Appears in T for any object A&gt;</a:t>
+            </a:r>
           </a:p>
         </p:txBody>
       </p:sp>
@@ -4350,13 +4246,6 @@
   <p:clrMapOvr>
     <a:masterClrMapping/>
   </p:clrMapOvr>
-  <p:timing>
-    <p:tnLst>
-      <p:par>
-        <p:cTn id="1" dur="indefinite" restart="never" nodeType="tmRoot"/>
-      </p:par>
-    </p:tnLst>
-  </p:timing>
 </p:sld>
 </file>
 
@@ -4379,7 +4268,13 @@
       </p:grpSpPr>
       <p:sp>
         <p:nvSpPr>
-          <p:cNvPr id="2" name="제목 1"/>
+          <p:cNvPr id="2" name="제목 1">
+            <a:extLst>
+              <a:ext uri="{FF2B5EF4-FFF2-40B4-BE49-F238E27FC236}">
+                <a16:creationId xmlns:a16="http://schemas.microsoft.com/office/drawing/2014/main" id="{F901B18B-9E3C-2E42-811A-73D86AFF695E}"/>
+              </a:ext>
+            </a:extLst>
+          </p:cNvPr>
           <p:cNvSpPr>
             <a:spLocks noGrp="1"/>
           </p:cNvSpPr>
@@ -4393,16 +4288,22 @@
           <a:lstStyle/>
           <a:p>
             <a:r>
-              <a:rPr lang="en-US" dirty="0"/>
-              <a:t>Well-Formed and Two-Phased Transactions</a:t>
-            </a:r>
-            <a:endParaRPr lang="en-US" dirty="0"/>
-          </a:p>
-        </p:txBody>
-      </p:sp>
-      <p:sp>
-        <p:nvSpPr>
-          <p:cNvPr id="3" name="내용 개체 틀 2"/>
+              <a:rPr lang="en-US" altLang="ko-Kore-KR" dirty="0"/>
+              <a:t>Actions and Transactions</a:t>
+            </a:r>
+            <a:endParaRPr kumimoji="1" lang="ko-Kore-KR" altLang="en-US" dirty="0"/>
+          </a:p>
+        </p:txBody>
+      </p:sp>
+      <p:sp>
+        <p:nvSpPr>
+          <p:cNvPr id="3" name="내용 개체 틀 2">
+            <a:extLst>
+              <a:ext uri="{FF2B5EF4-FFF2-40B4-BE49-F238E27FC236}">
+                <a16:creationId xmlns:a16="http://schemas.microsoft.com/office/drawing/2014/main" id="{7A964171-5C14-AC4C-BB11-CCB2D74C1DA0}"/>
+              </a:ext>
+            </a:extLst>
+          </p:cNvPr>
           <p:cNvSpPr>
             <a:spLocks noGrp="1"/>
           </p:cNvSpPr>
@@ -4416,82 +4317,127 @@
           <a:lstStyle/>
           <a:p>
             <a:r>
-              <a:rPr lang="en-US" dirty="0" smtClean="0"/>
-              <a:t>Well-Formed Transaction</a:t>
-            </a:r>
-          </a:p>
-          <a:p>
-            <a:pPr lvl="1"/>
-            <a:r>
-              <a:rPr lang="en-US" dirty="0" smtClean="0"/>
-              <a:t>All </a:t>
-            </a:r>
-            <a:r>
-              <a:rPr lang="en-US" dirty="0"/>
-              <a:t>its READ, WRITE, and UNLOCK actions </a:t>
-            </a:r>
-            <a:r>
-              <a:rPr lang="en-US" dirty="0" smtClean="0"/>
-              <a:t>are covered </a:t>
-            </a:r>
-            <a:r>
-              <a:rPr lang="en-US" dirty="0"/>
-              <a:t>by </a:t>
-            </a:r>
-            <a:r>
-              <a:rPr lang="en-US" dirty="0" smtClean="0"/>
-              <a:t>locks</a:t>
-            </a:r>
-            <a:endParaRPr lang="en-US" dirty="0"/>
-          </a:p>
-          <a:p>
-            <a:endParaRPr lang="en-US" dirty="0" smtClean="0"/>
-          </a:p>
-          <a:p>
-            <a:r>
-              <a:rPr lang="en-US" dirty="0" smtClean="0"/>
-              <a:t>Two-Phase Transaction</a:t>
-            </a:r>
-          </a:p>
-          <a:p>
-            <a:pPr lvl="1"/>
-            <a:r>
-              <a:rPr lang="en-US" dirty="0"/>
-              <a:t>A</a:t>
-            </a:r>
-            <a:r>
-              <a:rPr lang="en-US" dirty="0" smtClean="0"/>
-              <a:t>ll </a:t>
-            </a:r>
-            <a:r>
-              <a:rPr lang="en-US" dirty="0"/>
-              <a:t>its LOCK actions precede all its UNLOCK </a:t>
-            </a:r>
-            <a:r>
-              <a:rPr lang="en-US" dirty="0" smtClean="0"/>
-              <a:t>actions</a:t>
-            </a:r>
-            <a:endParaRPr lang="en-US" dirty="0"/>
+              <a:rPr kumimoji="1" lang="en-US" altLang="ko-Kore-KR" dirty="0"/>
+              <a:t>Example</a:t>
+            </a:r>
+            <a:endParaRPr kumimoji="1" lang="ko-Kore-KR" altLang="en-US" dirty="0"/>
+          </a:p>
+        </p:txBody>
+      </p:sp>
+      <p:pic>
+        <p:nvPicPr>
+          <p:cNvPr id="4" name="그림 3">
+            <a:extLst>
+              <a:ext uri="{FF2B5EF4-FFF2-40B4-BE49-F238E27FC236}">
+                <a16:creationId xmlns:a16="http://schemas.microsoft.com/office/drawing/2014/main" id="{2A66B0F5-E7F8-C04C-92FD-851A9E33FCDD}"/>
+              </a:ext>
+            </a:extLst>
+          </p:cNvPr>
+          <p:cNvPicPr>
+            <a:picLocks noChangeAspect="1"/>
+          </p:cNvPicPr>
+          <p:nvPr/>
+        </p:nvPicPr>
+        <p:blipFill>
+          <a:blip r:embed="rId2"/>
+          <a:stretch>
+            <a:fillRect/>
+          </a:stretch>
+        </p:blipFill>
+        <p:spPr>
+          <a:xfrm>
+            <a:off x="1938976" y="1989930"/>
+            <a:ext cx="5266048" cy="1439070"/>
+          </a:xfrm>
+          <a:prstGeom prst="rect">
+            <a:avLst/>
+          </a:prstGeom>
+        </p:spPr>
+      </p:pic>
+      <p:pic>
+        <p:nvPicPr>
+          <p:cNvPr id="5" name="그림 4">
+            <a:extLst>
+              <a:ext uri="{FF2B5EF4-FFF2-40B4-BE49-F238E27FC236}">
+                <a16:creationId xmlns:a16="http://schemas.microsoft.com/office/drawing/2014/main" id="{5364D5DA-72AC-9F4F-9550-CBBF2F573C17}"/>
+              </a:ext>
+            </a:extLst>
+          </p:cNvPr>
+          <p:cNvPicPr>
+            <a:picLocks noChangeAspect="1"/>
+          </p:cNvPicPr>
+          <p:nvPr/>
+        </p:nvPicPr>
+        <p:blipFill>
+          <a:blip r:embed="rId3"/>
+          <a:stretch>
+            <a:fillRect/>
+          </a:stretch>
+        </p:blipFill>
+        <p:spPr>
+          <a:xfrm>
+            <a:off x="1488730" y="4618403"/>
+            <a:ext cx="6182575" cy="1507761"/>
+          </a:xfrm>
+          <a:prstGeom prst="rect">
+            <a:avLst/>
+          </a:prstGeom>
+        </p:spPr>
+      </p:pic>
+      <p:sp>
+        <p:nvSpPr>
+          <p:cNvPr id="6" name="아래쪽 화살표[D] 5">
+            <a:extLst>
+              <a:ext uri="{FF2B5EF4-FFF2-40B4-BE49-F238E27FC236}">
+                <a16:creationId xmlns:a16="http://schemas.microsoft.com/office/drawing/2014/main" id="{5B7EE607-E849-004D-83E4-6D3EE3C88BB4}"/>
+              </a:ext>
+            </a:extLst>
+          </p:cNvPr>
+          <p:cNvSpPr/>
+          <p:nvPr/>
+        </p:nvSpPr>
+        <p:spPr>
+          <a:xfrm>
+            <a:off x="4411744" y="3557278"/>
+            <a:ext cx="499621" cy="750771"/>
+          </a:xfrm>
+          <a:prstGeom prst="downArrow">
+            <a:avLst/>
+          </a:prstGeom>
+        </p:spPr>
+        <p:style>
+          <a:lnRef idx="2">
+            <a:schemeClr val="dk1"/>
+          </a:lnRef>
+          <a:fillRef idx="1">
+            <a:schemeClr val="lt1"/>
+          </a:fillRef>
+          <a:effectRef idx="0">
+            <a:schemeClr val="dk1"/>
+          </a:effectRef>
+          <a:fontRef idx="minor">
+            <a:schemeClr val="dk1"/>
+          </a:fontRef>
+        </p:style>
+        <p:txBody>
+          <a:bodyPr rtlCol="0" anchor="ctr"/>
+          <a:lstStyle/>
+          <a:p>
+            <a:pPr algn="ctr"/>
+            <a:endParaRPr kumimoji="1" lang="ko-Kore-KR" altLang="en-US"/>
           </a:p>
         </p:txBody>
       </p:sp>
     </p:spTree>
     <p:extLst>
       <p:ext uri="{BB962C8B-B14F-4D97-AF65-F5344CB8AC3E}">
-        <p14:creationId xmlns:p14="http://schemas.microsoft.com/office/powerpoint/2010/main" val="850399082"/>
+        <p14:creationId xmlns:p14="http://schemas.microsoft.com/office/powerpoint/2010/main" val="1795511736"/>
       </p:ext>
     </p:extLst>
   </p:cSld>
   <p:clrMapOvr>
     <a:masterClrMapping/>
   </p:clrMapOvr>
-  <p:timing>
-    <p:tnLst>
-      <p:par>
-        <p:cTn id="1" dur="indefinite" restart="never" nodeType="tmRoot"/>
-      </p:par>
-    </p:tnLst>
-  </p:timing>
 </p:sld>
 </file>
 
@@ -4528,97 +4474,67 @@
           <a:lstStyle/>
           <a:p>
             <a:r>
-              <a:rPr lang="en-US" dirty="0" smtClean="0"/>
-              <a:t>Transaction Histories</a:t>
-            </a:r>
+              <a:rPr lang="en-US" dirty="0"/>
+              <a:t>Well-Formed and Two-Phased Transactions</a:t>
+            </a:r>
+          </a:p>
+        </p:txBody>
+      </p:sp>
+      <p:sp>
+        <p:nvSpPr>
+          <p:cNvPr id="3" name="내용 개체 틀 2"/>
+          <p:cNvSpPr>
+            <a:spLocks noGrp="1"/>
+          </p:cNvSpPr>
+          <p:nvPr>
+            <p:ph idx="1"/>
+          </p:nvPr>
+        </p:nvSpPr>
+        <p:spPr/>
+        <p:txBody>
+          <a:bodyPr/>
+          <a:lstStyle/>
+          <a:p>
+            <a:r>
+              <a:rPr lang="en-US" dirty="0"/>
+              <a:t>Well-Formed Transaction</a:t>
+            </a:r>
+          </a:p>
+          <a:p>
+            <a:pPr lvl="1"/>
+            <a:r>
+              <a:rPr lang="en-US" dirty="0"/>
+              <a:t>All its READ, WRITE, and UNLOCK actions are covered by locks</a:t>
+            </a:r>
+          </a:p>
+          <a:p>
             <a:endParaRPr lang="en-US" dirty="0"/>
           </a:p>
-        </p:txBody>
-      </p:sp>
-      <p:sp>
-        <p:nvSpPr>
-          <p:cNvPr id="3" name="내용 개체 틀 2"/>
-          <p:cNvSpPr>
-            <a:spLocks noGrp="1"/>
-          </p:cNvSpPr>
-          <p:nvPr>
-            <p:ph idx="1"/>
-          </p:nvPr>
-        </p:nvSpPr>
-        <p:spPr/>
-        <p:txBody>
-          <a:bodyPr/>
-          <a:lstStyle/>
-          <a:p>
-            <a:r>
-              <a:rPr lang="en-US" dirty="0" smtClean="0"/>
-              <a:t>History </a:t>
-            </a:r>
+          <a:p>
             <a:r>
               <a:rPr lang="en-US" dirty="0"/>
-              <a:t>for the set </a:t>
-            </a:r>
-            <a:r>
-              <a:rPr lang="en-US" dirty="0" smtClean="0"/>
-              <a:t>of transactions </a:t>
-            </a:r>
-            <a:r>
-              <a:rPr lang="en-US" i="1" dirty="0"/>
-              <a:t>{</a:t>
-            </a:r>
-            <a:r>
-              <a:rPr lang="en-US" i="1" dirty="0" err="1" smtClean="0"/>
-              <a:t>Tj</a:t>
-            </a:r>
-            <a:r>
-              <a:rPr lang="en-US" i="1" dirty="0" smtClean="0"/>
-              <a:t>} </a:t>
-            </a:r>
+              <a:t>Two-Phase Transaction</a:t>
+            </a:r>
+          </a:p>
+          <a:p>
+            <a:pPr lvl="1"/>
             <a:r>
               <a:rPr lang="en-US" dirty="0"/>
-              <a:t>is a sequence, each containing transaction </a:t>
-            </a:r>
-            <a:r>
-              <a:rPr lang="en-US" i="1" dirty="0" err="1"/>
-              <a:t>Tj</a:t>
-            </a:r>
-            <a:r>
-              <a:rPr lang="en-US" i="1" dirty="0"/>
-              <a:t> </a:t>
-            </a:r>
-            <a:r>
-              <a:rPr lang="en-US" dirty="0"/>
-              <a:t>as a subsequence and </a:t>
-            </a:r>
-            <a:r>
-              <a:rPr lang="en-US" dirty="0" smtClean="0"/>
-              <a:t>containing nothing </a:t>
-            </a:r>
-            <a:r>
-              <a:rPr lang="en-US" dirty="0"/>
-              <a:t>else.</a:t>
-            </a:r>
-            <a:endParaRPr lang="en-US" dirty="0"/>
+              <a:t>All its LOCK actions precede all its UNLOCK actions</a:t>
+            </a:r>
           </a:p>
         </p:txBody>
       </p:sp>
     </p:spTree>
     <p:extLst>
       <p:ext uri="{BB962C8B-B14F-4D97-AF65-F5344CB8AC3E}">
-        <p14:creationId xmlns:p14="http://schemas.microsoft.com/office/powerpoint/2010/main" val="1495609083"/>
+        <p14:creationId xmlns:p14="http://schemas.microsoft.com/office/powerpoint/2010/main" val="850399082"/>
       </p:ext>
     </p:extLst>
   </p:cSld>
   <p:clrMapOvr>
     <a:masterClrMapping/>
   </p:clrMapOvr>
-  <p:timing>
-    <p:tnLst>
-      <p:par>
-        <p:cTn id="1" dur="indefinite" restart="never" nodeType="tmRoot"/>
-      </p:par>
-    </p:tnLst>
-  </p:timing>
 </p:sld>
 </file>
 
@@ -4654,7 +4570,10 @@
           <a:bodyPr/>
           <a:lstStyle/>
           <a:p>
-            <a:endParaRPr lang="en-US"/>
+            <a:r>
+              <a:rPr lang="en-US" dirty="0"/>
+              <a:t>Transaction Histories</a:t>
+            </a:r>
           </a:p>
         </p:txBody>
       </p:sp>
@@ -4673,27 +4592,39 @@
           <a:bodyPr/>
           <a:lstStyle/>
           <a:p>
-            <a:endParaRPr lang="en-US"/>
+            <a:r>
+              <a:rPr lang="en-US" dirty="0"/>
+              <a:t>History</a:t>
+            </a:r>
+          </a:p>
+          <a:p>
+            <a:pPr lvl="1"/>
+            <a:r>
+              <a:rPr lang="en-US" dirty="0"/>
+              <a:t>Actions of a set of TXs merged into a single sequence</a:t>
+            </a:r>
+          </a:p>
+          <a:p>
+            <a:r>
+              <a:rPr lang="en-US" dirty="0"/>
+              <a:t>Serial history : One-TX-at-a-time history</a:t>
+            </a:r>
+          </a:p>
+          <a:p>
+            <a:endParaRPr lang="en-US" dirty="0"/>
           </a:p>
         </p:txBody>
       </p:sp>
     </p:spTree>
     <p:extLst>
       <p:ext uri="{BB962C8B-B14F-4D97-AF65-F5344CB8AC3E}">
-        <p14:creationId xmlns:p14="http://schemas.microsoft.com/office/powerpoint/2010/main" val="28091418"/>
+        <p14:creationId xmlns:p14="http://schemas.microsoft.com/office/powerpoint/2010/main" val="1495609083"/>
       </p:ext>
     </p:extLst>
   </p:cSld>
   <p:clrMapOvr>
     <a:masterClrMapping/>
   </p:clrMapOvr>
-  <p:timing>
-    <p:tnLst>
-      <p:par>
-        <p:cTn id="1" dur="indefinite" restart="never" nodeType="tmRoot"/>
-      </p:par>
-    </p:tnLst>
-  </p:timing>
 </p:sld>
 </file>
 
@@ -4729,7 +4660,10 @@
           <a:bodyPr/>
           <a:lstStyle/>
           <a:p>
-            <a:endParaRPr lang="en-US"/>
+            <a:r>
+              <a:rPr lang="en-US" dirty="0"/>
+              <a:t>Legal Histories and Lock Compatibility</a:t>
+            </a:r>
           </a:p>
         </p:txBody>
       </p:sp>
@@ -4748,27 +4682,60 @@
           <a:bodyPr/>
           <a:lstStyle/>
           <a:p>
-            <a:endParaRPr lang="en-US"/>
-          </a:p>
-        </p:txBody>
-      </p:sp>
+            <a:r>
+              <a:rPr lang="en-US" dirty="0"/>
+              <a:t>Legal History</a:t>
+            </a:r>
+          </a:p>
+          <a:p>
+            <a:pPr lvl="1"/>
+            <a:r>
+              <a:rPr lang="en-US" dirty="0"/>
+              <a:t>History that obey the locking constraints</a:t>
+            </a:r>
+          </a:p>
+        </p:txBody>
+      </p:sp>
+      <p:pic>
+        <p:nvPicPr>
+          <p:cNvPr id="5" name="그림 4">
+            <a:extLst>
+              <a:ext uri="{FF2B5EF4-FFF2-40B4-BE49-F238E27FC236}">
+                <a16:creationId xmlns:a16="http://schemas.microsoft.com/office/drawing/2014/main" id="{1EC9C7EA-19B0-9244-96FA-7C2C0CD18D16}"/>
+              </a:ext>
+            </a:extLst>
+          </p:cNvPr>
+          <p:cNvPicPr>
+            <a:picLocks noChangeAspect="1"/>
+          </p:cNvPicPr>
+          <p:nvPr/>
+        </p:nvPicPr>
+        <p:blipFill>
+          <a:blip r:embed="rId2"/>
+          <a:stretch>
+            <a:fillRect/>
+          </a:stretch>
+        </p:blipFill>
+        <p:spPr>
+          <a:xfrm>
+            <a:off x="1743959" y="2359117"/>
+            <a:ext cx="5656082" cy="4224245"/>
+          </a:xfrm>
+          <a:prstGeom prst="rect">
+            <a:avLst/>
+          </a:prstGeom>
+        </p:spPr>
+      </p:pic>
     </p:spTree>
     <p:extLst>
       <p:ext uri="{BB962C8B-B14F-4D97-AF65-F5344CB8AC3E}">
-        <p14:creationId xmlns:p14="http://schemas.microsoft.com/office/powerpoint/2010/main" val="53954524"/>
+        <p14:creationId xmlns:p14="http://schemas.microsoft.com/office/powerpoint/2010/main" val="28091418"/>
       </p:ext>
     </p:extLst>
   </p:cSld>
   <p:clrMapOvr>
     <a:masterClrMapping/>
   </p:clrMapOvr>
-  <p:timing>
-    <p:tnLst>
-      <p:par>
-        <p:cTn id="1" dur="indefinite" restart="never" nodeType="tmRoot"/>
-      </p:par>
-    </p:tnLst>
-  </p:timing>
 </p:sld>
 </file>
 
@@ -4801,10 +4768,15 @@
         </p:nvSpPr>
         <p:spPr/>
         <p:txBody>
-          <a:bodyPr/>
-          <a:lstStyle/>
-          <a:p>
-            <a:endParaRPr lang="en-US"/>
+          <a:bodyPr>
+            <a:normAutofit fontScale="90000"/>
+          </a:bodyPr>
+          <a:lstStyle/>
+          <a:p>
+            <a:r>
+              <a:rPr lang="en-US" dirty="0"/>
+              <a:t>Versions, Dependencies, and Dependency Graph</a:t>
+            </a:r>
           </a:p>
         </p:txBody>
       </p:sp>
@@ -4823,7 +4795,216 @@
           <a:bodyPr/>
           <a:lstStyle/>
           <a:p>
-            <a:endParaRPr lang="en-US"/>
+            <a:r>
+              <a:rPr lang="en-US" i="1" dirty="0"/>
+              <a:t>T1</a:t>
+            </a:r>
+            <a:r>
+              <a:rPr lang="en-US" dirty="0"/>
+              <a:t> depends on </a:t>
+            </a:r>
+            <a:r>
+              <a:rPr lang="en-US" i="1" dirty="0"/>
+              <a:t>T2</a:t>
+            </a:r>
+          </a:p>
+          <a:p>
+            <a:pPr lvl="1"/>
+            <a:r>
+              <a:rPr lang="en-US" dirty="0"/>
+              <a:t>If </a:t>
+            </a:r>
+            <a:r>
+              <a:rPr lang="en-US" i="1" dirty="0"/>
+              <a:t>T1</a:t>
+            </a:r>
+            <a:r>
+              <a:rPr lang="en-US" dirty="0"/>
+              <a:t> reads or writes data previously written by </a:t>
+            </a:r>
+            <a:r>
+              <a:rPr lang="en-US" i="1" dirty="0"/>
+              <a:t>T2</a:t>
+            </a:r>
+            <a:r>
+              <a:rPr lang="en-US" dirty="0"/>
+              <a:t> in the history</a:t>
+            </a:r>
+          </a:p>
+          <a:p>
+            <a:pPr lvl="1"/>
+            <a:r>
+              <a:rPr lang="en-US" dirty="0"/>
+              <a:t>or </a:t>
+            </a:r>
+            <a:r>
+              <a:rPr lang="en-US" i="1" dirty="0"/>
+              <a:t>T1</a:t>
+            </a:r>
+            <a:r>
+              <a:rPr lang="en-US" dirty="0"/>
+              <a:t> writes an object previously read by </a:t>
+            </a:r>
+            <a:r>
+              <a:rPr lang="en-US" i="1" dirty="0"/>
+              <a:t>T2</a:t>
+            </a:r>
+          </a:p>
+          <a:p>
+            <a:r>
+              <a:rPr lang="en-US" dirty="0"/>
+              <a:t>Two history have the same dependencies </a:t>
+            </a:r>
+            <a:r>
+              <a:rPr lang="en-US" dirty="0">
+                <a:sym typeface="Wingdings" pitchFamily="2" charset="2"/>
+              </a:rPr>
+              <a:t> Equivalent</a:t>
+            </a:r>
+          </a:p>
+          <a:p>
+            <a:r>
+              <a:rPr lang="en-US" dirty="0">
+                <a:sym typeface="Wingdings" pitchFamily="2" charset="2"/>
+              </a:rPr>
+              <a:t>Dependency Graph</a:t>
+            </a:r>
+            <a:endParaRPr lang="en-US" dirty="0"/>
+          </a:p>
+          <a:p>
+            <a:endParaRPr lang="en-US" dirty="0"/>
+          </a:p>
+        </p:txBody>
+      </p:sp>
+      <p:pic>
+        <p:nvPicPr>
+          <p:cNvPr id="4" name="그림 3">
+            <a:extLst>
+              <a:ext uri="{FF2B5EF4-FFF2-40B4-BE49-F238E27FC236}">
+                <a16:creationId xmlns:a16="http://schemas.microsoft.com/office/drawing/2014/main" id="{2C6DC3AC-C258-3747-93CF-9F02416AB651}"/>
+              </a:ext>
+            </a:extLst>
+          </p:cNvPr>
+          <p:cNvPicPr>
+            <a:picLocks noChangeAspect="1"/>
+          </p:cNvPicPr>
+          <p:nvPr/>
+        </p:nvPicPr>
+        <p:blipFill>
+          <a:blip r:embed="rId2"/>
+          <a:stretch>
+            <a:fillRect/>
+          </a:stretch>
+        </p:blipFill>
+        <p:spPr>
+          <a:xfrm>
+            <a:off x="1240115" y="3847745"/>
+            <a:ext cx="6679805" cy="2735617"/>
+          </a:xfrm>
+          <a:prstGeom prst="rect">
+            <a:avLst/>
+          </a:prstGeom>
+        </p:spPr>
+      </p:pic>
+    </p:spTree>
+    <p:extLst>
+      <p:ext uri="{BB962C8B-B14F-4D97-AF65-F5344CB8AC3E}">
+        <p14:creationId xmlns:p14="http://schemas.microsoft.com/office/powerpoint/2010/main" val="53954524"/>
+      </p:ext>
+    </p:extLst>
+  </p:cSld>
+  <p:clrMapOvr>
+    <a:masterClrMapping/>
+  </p:clrMapOvr>
+</p:sld>
+</file>
+
+<file path=ppt/slides/slide18.xml><?xml version="1.0" encoding="utf-8"?>
+<p:sld xmlns:a="http://schemas.openxmlformats.org/drawingml/2006/main" xmlns:r="http://schemas.openxmlformats.org/officeDocument/2006/relationships" xmlns:p="http://schemas.openxmlformats.org/presentationml/2006/main">
+  <p:cSld>
+    <p:spTree>
+      <p:nvGrpSpPr>
+        <p:cNvPr id="1" name=""/>
+        <p:cNvGrpSpPr/>
+        <p:nvPr/>
+      </p:nvGrpSpPr>
+      <p:grpSpPr>
+        <a:xfrm>
+          <a:off x="0" y="0"/>
+          <a:ext cx="0" cy="0"/>
+          <a:chOff x="0" y="0"/>
+          <a:chExt cx="0" cy="0"/>
+        </a:xfrm>
+      </p:grpSpPr>
+      <p:sp>
+        <p:nvSpPr>
+          <p:cNvPr id="2" name="제목 1"/>
+          <p:cNvSpPr>
+            <a:spLocks noGrp="1"/>
+          </p:cNvSpPr>
+          <p:nvPr>
+            <p:ph type="title"/>
+          </p:nvPr>
+        </p:nvSpPr>
+        <p:spPr/>
+        <p:txBody>
+          <a:bodyPr/>
+          <a:lstStyle/>
+          <a:p>
+            <a:r>
+              <a:rPr lang="en-US" dirty="0"/>
+              <a:t>Equivalent and Isolated Histories</a:t>
+            </a:r>
+          </a:p>
+        </p:txBody>
+      </p:sp>
+      <p:sp>
+        <p:nvSpPr>
+          <p:cNvPr id="3" name="내용 개체 틀 2"/>
+          <p:cNvSpPr>
+            <a:spLocks noGrp="1"/>
+          </p:cNvSpPr>
+          <p:nvPr>
+            <p:ph idx="1"/>
+          </p:nvPr>
+        </p:nvSpPr>
+        <p:spPr/>
+        <p:txBody>
+          <a:bodyPr/>
+          <a:lstStyle/>
+          <a:p>
+            <a:r>
+              <a:rPr lang="en-US" dirty="0"/>
+              <a:t>Equivalent Histories</a:t>
+            </a:r>
+          </a:p>
+          <a:p>
+            <a:pPr lvl="1"/>
+            <a:r>
+              <a:rPr lang="en-US" dirty="0"/>
+              <a:t>Two TXs have the same dependency relation ( </a:t>
+            </a:r>
+            <a:r>
+              <a:rPr lang="en" altLang="ko-Kore-KR" dirty="0"/>
+              <a:t>DEP(H) = DEP(H’) )</a:t>
+            </a:r>
+          </a:p>
+          <a:p>
+            <a:pPr lvl="1"/>
+            <a:endParaRPr lang="en-US" dirty="0"/>
+          </a:p>
+          <a:p>
+            <a:r>
+              <a:rPr lang="en-US" dirty="0"/>
+              <a:t>Isolated History</a:t>
+            </a:r>
+          </a:p>
+          <a:p>
+            <a:pPr lvl="1"/>
+            <a:r>
+              <a:rPr lang="en-US" dirty="0"/>
+              <a:t>A history is equivalent to a serial history</a:t>
+            </a:r>
           </a:p>
         </p:txBody>
       </p:sp>
@@ -4837,13 +5018,184 @@
   <p:clrMapOvr>
     <a:masterClrMapping/>
   </p:clrMapOvr>
-  <p:timing>
-    <p:tnLst>
-      <p:par>
-        <p:cTn id="1" dur="indefinite" restart="never" nodeType="tmRoot"/>
-      </p:par>
-    </p:tnLst>
-  </p:timing>
+</p:sld>
+</file>
+
+<file path=ppt/slides/slide19.xml><?xml version="1.0" encoding="utf-8"?>
+<p:sld xmlns:a="http://schemas.openxmlformats.org/drawingml/2006/main" xmlns:r="http://schemas.openxmlformats.org/officeDocument/2006/relationships" xmlns:p="http://schemas.openxmlformats.org/presentationml/2006/main">
+  <p:cSld>
+    <p:spTree>
+      <p:nvGrpSpPr>
+        <p:cNvPr id="1" name=""/>
+        <p:cNvGrpSpPr/>
+        <p:nvPr/>
+      </p:nvGrpSpPr>
+      <p:grpSpPr>
+        <a:xfrm>
+          <a:off x="0" y="0"/>
+          <a:ext cx="0" cy="0"/>
+          <a:chOff x="0" y="0"/>
+          <a:chExt cx="0" cy="0"/>
+        </a:xfrm>
+      </p:grpSpPr>
+      <p:sp>
+        <p:nvSpPr>
+          <p:cNvPr id="2" name="제목 1">
+            <a:extLst>
+              <a:ext uri="{FF2B5EF4-FFF2-40B4-BE49-F238E27FC236}">
+                <a16:creationId xmlns:a16="http://schemas.microsoft.com/office/drawing/2014/main" id="{C98A01A8-62C6-AA42-B443-4F380221B182}"/>
+              </a:ext>
+            </a:extLst>
+          </p:cNvPr>
+          <p:cNvSpPr>
+            <a:spLocks noGrp="1"/>
+          </p:cNvSpPr>
+          <p:nvPr>
+            <p:ph type="title"/>
+          </p:nvPr>
+        </p:nvSpPr>
+        <p:spPr/>
+        <p:txBody>
+          <a:bodyPr/>
+          <a:lstStyle/>
+          <a:p>
+            <a:r>
+              <a:rPr kumimoji="1" lang="en-US" altLang="ko-Kore-KR" dirty="0"/>
+              <a:t>Wormholes</a:t>
+            </a:r>
+            <a:endParaRPr kumimoji="1" lang="ko-Kore-KR" altLang="en-US" dirty="0"/>
+          </a:p>
+        </p:txBody>
+      </p:sp>
+      <p:sp>
+        <p:nvSpPr>
+          <p:cNvPr id="3" name="내용 개체 틀 2">
+            <a:extLst>
+              <a:ext uri="{FF2B5EF4-FFF2-40B4-BE49-F238E27FC236}">
+                <a16:creationId xmlns:a16="http://schemas.microsoft.com/office/drawing/2014/main" id="{4BB0CEFE-242F-E741-94F6-A13A0341F7A6}"/>
+              </a:ext>
+            </a:extLst>
+          </p:cNvPr>
+          <p:cNvSpPr>
+            <a:spLocks noGrp="1"/>
+          </p:cNvSpPr>
+          <p:nvPr>
+            <p:ph idx="1"/>
+          </p:nvPr>
+        </p:nvSpPr>
+        <p:spPr/>
+        <p:txBody>
+          <a:bodyPr/>
+          <a:lstStyle/>
+          <a:p>
+            <a:r>
+              <a:rPr lang="en-US" altLang="ko-Kore-KR" dirty="0"/>
+              <a:t>Wormhole transaction</a:t>
+            </a:r>
+          </a:p>
+          <a:p>
+            <a:pPr lvl="1"/>
+            <a:r>
+              <a:rPr lang="en" altLang="ko-Kore-KR" dirty="0"/>
+              <a:t>BEFORE(T) : a set of TXs that run before T</a:t>
+            </a:r>
+          </a:p>
+          <a:p>
+            <a:pPr lvl="1"/>
+            <a:r>
+              <a:rPr lang="en" altLang="ko-Kore-KR" dirty="0"/>
+              <a:t>AFTER(T) : a set of TXs that run after T</a:t>
+            </a:r>
+          </a:p>
+          <a:p>
+            <a:pPr lvl="1"/>
+            <a:r>
+              <a:rPr lang="en" altLang="ko-Kore-KR" dirty="0"/>
+              <a:t>T’ </a:t>
+            </a:r>
+            <a:r>
+              <a:rPr lang="ko-Kore-KR" altLang="en-US" dirty="0"/>
+              <a:t>∈</a:t>
+            </a:r>
+            <a:r>
+              <a:rPr lang="ko-KR" altLang="en-US" dirty="0"/>
+              <a:t> </a:t>
+            </a:r>
+            <a:r>
+              <a:rPr lang="en" altLang="ko-Kore-KR" dirty="0"/>
+              <a:t>BEFORE(T</a:t>
+            </a:r>
+            <a:r>
+              <a:rPr lang="en-US" altLang="ko-KR" dirty="0"/>
+              <a:t>)</a:t>
+            </a:r>
+            <a:r>
+              <a:rPr lang="ko-KR" altLang="en-US" dirty="0"/>
+              <a:t> </a:t>
+            </a:r>
+            <a:r>
+              <a:rPr lang="ko-Kore-KR" altLang="en-US" dirty="0"/>
+              <a:t>∩</a:t>
+            </a:r>
+            <a:r>
+              <a:rPr lang="en" altLang="ko-Kore-KR" dirty="0"/>
+              <a:t> AFTER(</a:t>
+            </a:r>
+            <a:r>
+              <a:rPr lang="en-US" altLang="ko-KR" dirty="0"/>
+              <a:t>T)</a:t>
+            </a:r>
+            <a:r>
+              <a:rPr lang="en" altLang="ko-Kore-KR" dirty="0"/>
+              <a:t> </a:t>
+            </a:r>
+          </a:p>
+          <a:p>
+            <a:r>
+              <a:rPr lang="en-US" altLang="ko-Kore-KR" b="1" dirty="0"/>
+              <a:t>Wormholes are not Isolated</a:t>
+            </a:r>
+          </a:p>
+          <a:p>
+            <a:pPr lvl="1"/>
+            <a:r>
+              <a:rPr lang="en" altLang="ko-Kore-KR" dirty="0"/>
+              <a:t>Serial histories don't have wormholes </a:t>
+            </a:r>
+          </a:p>
+          <a:p>
+            <a:pPr lvl="1"/>
+            <a:r>
+              <a:rPr lang="en" altLang="ko-Kore-KR" dirty="0">
+                <a:sym typeface="Wingdings" pitchFamily="2" charset="2"/>
+              </a:rPr>
+              <a:t>That is, i</a:t>
+            </a:r>
+            <a:r>
+              <a:rPr lang="en" altLang="ko-Kore-KR" dirty="0"/>
+              <a:t>solated histories have no wormholes </a:t>
+            </a:r>
+          </a:p>
+          <a:p>
+            <a:pPr lvl="1"/>
+            <a:endParaRPr lang="en" altLang="ko-Kore-KR" b="1" dirty="0"/>
+          </a:p>
+          <a:p>
+            <a:pPr lvl="1"/>
+            <a:endParaRPr kumimoji="1" lang="ko-Kore-KR" altLang="en-US" dirty="0"/>
+          </a:p>
+        </p:txBody>
+      </p:sp>
+    </p:spTree>
+    <p:extLst>
+      <p:ext uri="{BB962C8B-B14F-4D97-AF65-F5344CB8AC3E}">
+        <p14:creationId xmlns:p14="http://schemas.microsoft.com/office/powerpoint/2010/main" val="2918740415"/>
+      </p:ext>
+    </p:extLst>
+  </p:cSld>
+  <p:clrMapOvr>
+    <a:masterClrMapping/>
+  </p:clrMapOvr>
 </p:sld>
 </file>
 
@@ -4880,10 +5232,9 @@
           <a:lstStyle/>
           <a:p>
             <a:r>
-              <a:rPr lang="en-US" dirty="0" smtClean="0"/>
+              <a:rPr lang="en-US" dirty="0"/>
               <a:t>Overview</a:t>
             </a:r>
-            <a:endParaRPr lang="en-US" dirty="0"/>
           </a:p>
         </p:txBody>
       </p:sp>
@@ -4899,10 +5250,63 @@
         </p:nvSpPr>
         <p:spPr/>
         <p:txBody>
-          <a:bodyPr/>
-          <a:lstStyle/>
-          <a:p>
-            <a:endParaRPr lang="en-US" dirty="0"/>
+          <a:bodyPr>
+            <a:normAutofit fontScale="92500" lnSpcReduction="20000"/>
+          </a:bodyPr>
+          <a:lstStyle/>
+          <a:p>
+            <a:r>
+              <a:rPr lang="en-US" dirty="0"/>
+              <a:t>Introduction of Isolation</a:t>
+            </a:r>
+          </a:p>
+          <a:p>
+            <a:r>
+              <a:rPr lang="en-US" dirty="0"/>
+              <a:t>The Dependency Model of Isolation</a:t>
+            </a:r>
+          </a:p>
+          <a:p>
+            <a:r>
+              <a:rPr lang="en-US" dirty="0"/>
+              <a:t>Isolation Theorems</a:t>
+            </a:r>
+          </a:p>
+          <a:p>
+            <a:r>
+              <a:rPr lang="en-US" dirty="0"/>
+              <a:t>Degrees of Isolation</a:t>
+            </a:r>
+          </a:p>
+          <a:p>
+            <a:r>
+              <a:rPr lang="en-US" dirty="0"/>
+              <a:t>Phantoms and Predicate Locks</a:t>
+            </a:r>
+          </a:p>
+          <a:p>
+            <a:r>
+              <a:rPr lang="en-US" dirty="0"/>
+              <a:t>Granular Locks</a:t>
+            </a:r>
+          </a:p>
+          <a:p>
+            <a:r>
+              <a:rPr lang="en-US" dirty="0"/>
+              <a:t>Locking Heuristics</a:t>
+            </a:r>
+          </a:p>
+          <a:p>
+            <a:r>
+              <a:rPr lang="en-US" dirty="0"/>
+              <a:t>Scheduling and Deadlock</a:t>
+            </a:r>
+          </a:p>
+          <a:p>
+            <a:r>
+              <a:rPr lang="en-US" dirty="0"/>
+              <a:t>Exotics</a:t>
+            </a:r>
           </a:p>
         </p:txBody>
       </p:sp>
@@ -4916,13 +5320,1523 @@
   <p:clrMapOvr>
     <a:masterClrMapping/>
   </p:clrMapOvr>
-  <p:timing>
-    <p:tnLst>
-      <p:par>
-        <p:cTn id="1" dur="indefinite" restart="never" nodeType="tmRoot"/>
-      </p:par>
-    </p:tnLst>
-  </p:timing>
+</p:sld>
+</file>
+
+<file path=ppt/slides/slide20.xml><?xml version="1.0" encoding="utf-8"?>
+<p:sld xmlns:a="http://schemas.openxmlformats.org/drawingml/2006/main" xmlns:r="http://schemas.openxmlformats.org/officeDocument/2006/relationships" xmlns:p="http://schemas.openxmlformats.org/presentationml/2006/main">
+  <p:cSld>
+    <p:spTree>
+      <p:nvGrpSpPr>
+        <p:cNvPr id="1" name=""/>
+        <p:cNvGrpSpPr/>
+        <p:nvPr/>
+      </p:nvGrpSpPr>
+      <p:grpSpPr>
+        <a:xfrm>
+          <a:off x="0" y="0"/>
+          <a:ext cx="0" cy="0"/>
+          <a:chOff x="0" y="0"/>
+          <a:chExt cx="0" cy="0"/>
+        </a:xfrm>
+      </p:grpSpPr>
+      <p:sp>
+        <p:nvSpPr>
+          <p:cNvPr id="2" name="제목 1">
+            <a:extLst>
+              <a:ext uri="{FF2B5EF4-FFF2-40B4-BE49-F238E27FC236}">
+                <a16:creationId xmlns:a16="http://schemas.microsoft.com/office/drawing/2014/main" id="{63D2EB4C-953C-C345-94F4-7360DADFAC17}"/>
+              </a:ext>
+            </a:extLst>
+          </p:cNvPr>
+          <p:cNvSpPr>
+            <a:spLocks noGrp="1"/>
+          </p:cNvSpPr>
+          <p:nvPr>
+            <p:ph type="title"/>
+          </p:nvPr>
+        </p:nvSpPr>
+        <p:spPr/>
+        <p:txBody>
+          <a:bodyPr/>
+          <a:lstStyle/>
+          <a:p>
+            <a:r>
+              <a:rPr lang="en-US" altLang="ko-Kore-KR" dirty="0"/>
+              <a:t>Proof</a:t>
+            </a:r>
+            <a:endParaRPr kumimoji="1" lang="ko-Kore-KR" altLang="en-US" dirty="0"/>
+          </a:p>
+        </p:txBody>
+      </p:sp>
+      <p:sp>
+        <p:nvSpPr>
+          <p:cNvPr id="3" name="내용 개체 틀 2">
+            <a:extLst>
+              <a:ext uri="{FF2B5EF4-FFF2-40B4-BE49-F238E27FC236}">
+                <a16:creationId xmlns:a16="http://schemas.microsoft.com/office/drawing/2014/main" id="{1F314CE1-F42E-6348-8875-86B400A79A30}"/>
+              </a:ext>
+            </a:extLst>
+          </p:cNvPr>
+          <p:cNvSpPr>
+            <a:spLocks noGrp="1"/>
+          </p:cNvSpPr>
+          <p:nvPr>
+            <p:ph idx="1"/>
+          </p:nvPr>
+        </p:nvSpPr>
+        <p:spPr/>
+        <p:txBody>
+          <a:bodyPr/>
+          <a:lstStyle/>
+          <a:p>
+            <a:r>
+              <a:rPr lang="en-US" altLang="ko-Kore-KR" dirty="0"/>
+              <a:t>Skip …</a:t>
+            </a:r>
+            <a:endParaRPr kumimoji="1" lang="ko-Kore-KR" altLang="en-US" dirty="0"/>
+          </a:p>
+        </p:txBody>
+      </p:sp>
+    </p:spTree>
+    <p:extLst>
+      <p:ext uri="{BB962C8B-B14F-4D97-AF65-F5344CB8AC3E}">
+        <p14:creationId xmlns:p14="http://schemas.microsoft.com/office/powerpoint/2010/main" val="570763868"/>
+      </p:ext>
+    </p:extLst>
+  </p:cSld>
+  <p:clrMapOvr>
+    <a:masterClrMapping/>
+  </p:clrMapOvr>
+</p:sld>
+</file>
+
+<file path=ppt/slides/slide21.xml><?xml version="1.0" encoding="utf-8"?>
+<p:sld xmlns:a="http://schemas.openxmlformats.org/drawingml/2006/main" xmlns:r="http://schemas.openxmlformats.org/officeDocument/2006/relationships" xmlns:p="http://schemas.openxmlformats.org/presentationml/2006/main">
+  <p:cSld>
+    <p:spTree>
+      <p:nvGrpSpPr>
+        <p:cNvPr id="1" name=""/>
+        <p:cNvGrpSpPr/>
+        <p:nvPr/>
+      </p:nvGrpSpPr>
+      <p:grpSpPr>
+        <a:xfrm>
+          <a:off x="0" y="0"/>
+          <a:ext cx="0" cy="0"/>
+          <a:chOff x="0" y="0"/>
+          <a:chExt cx="0" cy="0"/>
+        </a:xfrm>
+      </p:grpSpPr>
+      <p:sp>
+        <p:nvSpPr>
+          <p:cNvPr id="2" name="제목 1">
+            <a:extLst>
+              <a:ext uri="{FF2B5EF4-FFF2-40B4-BE49-F238E27FC236}">
+                <a16:creationId xmlns:a16="http://schemas.microsoft.com/office/drawing/2014/main" id="{E0BC8212-4A4D-D441-817D-9A7E06C12F5C}"/>
+              </a:ext>
+            </a:extLst>
+          </p:cNvPr>
+          <p:cNvSpPr>
+            <a:spLocks noGrp="1"/>
+          </p:cNvSpPr>
+          <p:nvPr>
+            <p:ph type="title"/>
+          </p:nvPr>
+        </p:nvSpPr>
+        <p:spPr/>
+        <p:txBody>
+          <a:bodyPr/>
+          <a:lstStyle/>
+          <a:p>
+            <a:r>
+              <a:rPr kumimoji="1" lang="en-US" altLang="ko-Kore-KR" dirty="0"/>
+              <a:t>Degree of Isolation</a:t>
+            </a:r>
+            <a:endParaRPr kumimoji="1" lang="ko-Kore-KR" altLang="en-US" dirty="0"/>
+          </a:p>
+        </p:txBody>
+      </p:sp>
+      <p:sp>
+        <p:nvSpPr>
+          <p:cNvPr id="3" name="내용 개체 틀 2">
+            <a:extLst>
+              <a:ext uri="{FF2B5EF4-FFF2-40B4-BE49-F238E27FC236}">
+                <a16:creationId xmlns:a16="http://schemas.microsoft.com/office/drawing/2014/main" id="{FAFCFFE6-5516-9540-A6D3-54BA5901BACB}"/>
+              </a:ext>
+            </a:extLst>
+          </p:cNvPr>
+          <p:cNvSpPr>
+            <a:spLocks noGrp="1"/>
+          </p:cNvSpPr>
+          <p:nvPr>
+            <p:ph idx="1"/>
+          </p:nvPr>
+        </p:nvSpPr>
+        <p:spPr/>
+        <p:txBody>
+          <a:bodyPr/>
+          <a:lstStyle/>
+          <a:p>
+            <a:r>
+              <a:rPr kumimoji="1" lang="en-US" altLang="ko-Kore-KR" dirty="0"/>
+              <a:t>Degree of Isolation</a:t>
+            </a:r>
+          </a:p>
+          <a:p>
+            <a:pPr lvl="1"/>
+            <a:r>
+              <a:rPr lang="en-US" altLang="ko-Kore-KR" b="1" dirty="0"/>
+              <a:t>Degree 0 (anarchy) </a:t>
+            </a:r>
+          </a:p>
+          <a:p>
+            <a:pPr lvl="2"/>
+            <a:r>
+              <a:rPr lang="en-US" altLang="ko-Kore-KR" dirty="0"/>
+              <a:t>No overwrite another TX’s dirty data</a:t>
+            </a:r>
+          </a:p>
+          <a:p>
+            <a:pPr lvl="2"/>
+            <a:r>
+              <a:rPr lang="en-US" altLang="ko-Kore-KR" dirty="0"/>
+              <a:t>Well-formed writes</a:t>
+            </a:r>
+          </a:p>
+          <a:p>
+            <a:pPr lvl="1"/>
+            <a:r>
+              <a:rPr lang="en-US" altLang="ko-Kore-KR" b="1" dirty="0"/>
+              <a:t>Degree 1 (browse)</a:t>
+            </a:r>
+          </a:p>
+          <a:p>
+            <a:pPr lvl="2"/>
+            <a:r>
+              <a:rPr lang="en-US" altLang="ko-Kore-KR" dirty="0"/>
+              <a:t>No lost updates</a:t>
+            </a:r>
+          </a:p>
+          <a:p>
+            <a:pPr lvl="2"/>
+            <a:r>
+              <a:rPr lang="en-US" altLang="ko-Kore-KR" dirty="0"/>
+              <a:t>Two-phase exclusive locks, Well-formed writes</a:t>
+            </a:r>
+          </a:p>
+          <a:p>
+            <a:pPr lvl="1"/>
+            <a:r>
+              <a:rPr lang="en-US" altLang="ko-Kore-KR" b="1" dirty="0"/>
+              <a:t>Degree 2 (cursor stability)</a:t>
+            </a:r>
+          </a:p>
+          <a:p>
+            <a:pPr lvl="2"/>
+            <a:r>
+              <a:rPr lang="en-US" altLang="ko-Kore-KR" dirty="0"/>
+              <a:t>No lost updates &amp; No dirty reads</a:t>
+            </a:r>
+          </a:p>
+          <a:p>
+            <a:pPr lvl="2"/>
+            <a:r>
+              <a:rPr kumimoji="1" lang="en-US" altLang="ko-Kore-KR" dirty="0"/>
+              <a:t>Two-phase exclusive locks, Well-formed</a:t>
+            </a:r>
+          </a:p>
+          <a:p>
+            <a:pPr lvl="1"/>
+            <a:r>
+              <a:rPr lang="en-US" altLang="ko-Kore-KR" b="1" dirty="0"/>
+              <a:t>Degree 3 (isolated, serializable, or repeatable reads)</a:t>
+            </a:r>
+          </a:p>
+          <a:p>
+            <a:pPr lvl="2"/>
+            <a:r>
+              <a:rPr lang="en-US" altLang="ko-Kore-KR" dirty="0"/>
+              <a:t>No lost updates and repeatable reads</a:t>
+            </a:r>
+          </a:p>
+          <a:p>
+            <a:pPr lvl="2"/>
+            <a:r>
+              <a:rPr lang="en-US" altLang="ko-Kore-KR" dirty="0"/>
+              <a:t>Two-phase, Well-formed</a:t>
+            </a:r>
+          </a:p>
+          <a:p>
+            <a:pPr lvl="1"/>
+            <a:endParaRPr lang="en-US" altLang="ko-Kore-KR" dirty="0"/>
+          </a:p>
+          <a:p>
+            <a:pPr lvl="1"/>
+            <a:endParaRPr kumimoji="1" lang="ko-Kore-KR" altLang="en-US" dirty="0"/>
+          </a:p>
+        </p:txBody>
+      </p:sp>
+    </p:spTree>
+    <p:extLst>
+      <p:ext uri="{BB962C8B-B14F-4D97-AF65-F5344CB8AC3E}">
+        <p14:creationId xmlns:p14="http://schemas.microsoft.com/office/powerpoint/2010/main" val="2085676706"/>
+      </p:ext>
+    </p:extLst>
+  </p:cSld>
+  <p:clrMapOvr>
+    <a:masterClrMapping/>
+  </p:clrMapOvr>
+</p:sld>
+</file>
+
+<file path=ppt/slides/slide22.xml><?xml version="1.0" encoding="utf-8"?>
+<p:sld xmlns:a="http://schemas.openxmlformats.org/drawingml/2006/main" xmlns:r="http://schemas.openxmlformats.org/officeDocument/2006/relationships" xmlns:p="http://schemas.openxmlformats.org/presentationml/2006/main">
+  <p:cSld>
+    <p:spTree>
+      <p:nvGrpSpPr>
+        <p:cNvPr id="1" name=""/>
+        <p:cNvGrpSpPr/>
+        <p:nvPr/>
+      </p:nvGrpSpPr>
+      <p:grpSpPr>
+        <a:xfrm>
+          <a:off x="0" y="0"/>
+          <a:ext cx="0" cy="0"/>
+          <a:chOff x="0" y="0"/>
+          <a:chExt cx="0" cy="0"/>
+        </a:xfrm>
+      </p:grpSpPr>
+      <p:sp>
+        <p:nvSpPr>
+          <p:cNvPr id="2" name="제목 1">
+            <a:extLst>
+              <a:ext uri="{FF2B5EF4-FFF2-40B4-BE49-F238E27FC236}">
+                <a16:creationId xmlns:a16="http://schemas.microsoft.com/office/drawing/2014/main" id="{ED0EC03B-923F-774C-817C-43CA1D838403}"/>
+              </a:ext>
+            </a:extLst>
+          </p:cNvPr>
+          <p:cNvSpPr>
+            <a:spLocks noGrp="1"/>
+          </p:cNvSpPr>
+          <p:nvPr>
+            <p:ph type="title"/>
+          </p:nvPr>
+        </p:nvSpPr>
+        <p:spPr/>
+        <p:txBody>
+          <a:bodyPr/>
+          <a:lstStyle/>
+          <a:p>
+            <a:r>
+              <a:rPr kumimoji="1" lang="en-US" altLang="ko-Kore-KR" dirty="0"/>
+              <a:t>SQL and Degrees of Isolation</a:t>
+            </a:r>
+            <a:endParaRPr kumimoji="1" lang="ko-Kore-KR" altLang="en-US" dirty="0"/>
+          </a:p>
+        </p:txBody>
+      </p:sp>
+      <p:sp>
+        <p:nvSpPr>
+          <p:cNvPr id="3" name="내용 개체 틀 2">
+            <a:extLst>
+              <a:ext uri="{FF2B5EF4-FFF2-40B4-BE49-F238E27FC236}">
+                <a16:creationId xmlns:a16="http://schemas.microsoft.com/office/drawing/2014/main" id="{D7398F34-298E-A142-A916-1D67FB700D6C}"/>
+              </a:ext>
+            </a:extLst>
+          </p:cNvPr>
+          <p:cNvSpPr>
+            <a:spLocks noGrp="1"/>
+          </p:cNvSpPr>
+          <p:nvPr>
+            <p:ph idx="1"/>
+          </p:nvPr>
+        </p:nvSpPr>
+        <p:spPr/>
+        <p:txBody>
+          <a:bodyPr/>
+          <a:lstStyle/>
+          <a:p>
+            <a:r>
+              <a:rPr lang="en-US" altLang="ko-Kore-KR" dirty="0"/>
+              <a:t>Four isolation levels</a:t>
+            </a:r>
+          </a:p>
+          <a:p>
+            <a:pPr lvl="1"/>
+            <a:r>
+              <a:rPr lang="en" altLang="ko-Kore-KR" dirty="0"/>
+              <a:t>READ UNCOMMITTED</a:t>
+            </a:r>
+          </a:p>
+          <a:p>
+            <a:pPr lvl="1"/>
+            <a:r>
+              <a:rPr lang="en" altLang="ko-Kore-KR" dirty="0"/>
+              <a:t>R</a:t>
+            </a:r>
+            <a:r>
+              <a:rPr lang="en-US" altLang="ko-Kore-KR" dirty="0"/>
+              <a:t>EAD COMMITTED</a:t>
+            </a:r>
+          </a:p>
+          <a:p>
+            <a:pPr lvl="1"/>
+            <a:r>
+              <a:rPr lang="en-US" altLang="ko-Kore-KR" dirty="0"/>
+              <a:t>REPEATABLE READ</a:t>
+            </a:r>
+          </a:p>
+          <a:p>
+            <a:pPr lvl="1"/>
+            <a:r>
+              <a:rPr lang="en-US" altLang="ko-Kore-KR" dirty="0"/>
+              <a:t>SERIALIZABLE</a:t>
+            </a:r>
+            <a:endParaRPr lang="en" altLang="ko-Kore-KR" dirty="0"/>
+          </a:p>
+          <a:p>
+            <a:pPr lvl="1"/>
+            <a:endParaRPr kumimoji="1" lang="ko-Kore-KR" altLang="en-US" dirty="0"/>
+          </a:p>
+        </p:txBody>
+      </p:sp>
+      <p:pic>
+        <p:nvPicPr>
+          <p:cNvPr id="1026" name="Picture 2" descr="Image for post">
+            <a:extLst>
+              <a:ext uri="{FF2B5EF4-FFF2-40B4-BE49-F238E27FC236}">
+                <a16:creationId xmlns:a16="http://schemas.microsoft.com/office/drawing/2014/main" id="{FDD0DE77-6175-6148-9EF6-0BF5573D5ED6}"/>
+              </a:ext>
+            </a:extLst>
+          </p:cNvPr>
+          <p:cNvPicPr>
+            <a:picLocks noChangeAspect="1" noChangeArrowheads="1"/>
+          </p:cNvPicPr>
+          <p:nvPr/>
+        </p:nvPicPr>
+        <p:blipFill>
+          <a:blip r:embed="rId2">
+            <a:extLst>
+              <a:ext uri="{28A0092B-C50C-407E-A947-70E740481C1C}">
+                <a14:useLocalDpi xmlns:a14="http://schemas.microsoft.com/office/drawing/2010/main" val="0"/>
+              </a:ext>
+            </a:extLst>
+          </a:blip>
+          <a:srcRect/>
+          <a:stretch>
+            <a:fillRect/>
+          </a:stretch>
+        </p:blipFill>
+        <p:spPr bwMode="auto">
+          <a:xfrm>
+            <a:off x="996286" y="3730122"/>
+            <a:ext cx="7664412" cy="2005255"/>
+          </a:xfrm>
+          <a:prstGeom prst="rect">
+            <a:avLst/>
+          </a:prstGeom>
+          <a:noFill/>
+          <a:extLst>
+            <a:ext uri="{909E8E84-426E-40DD-AFC4-6F175D3DCCD1}">
+              <a14:hiddenFill xmlns:a14="http://schemas.microsoft.com/office/drawing/2010/main">
+                <a:solidFill>
+                  <a:srgbClr val="FFFFFF"/>
+                </a:solidFill>
+              </a14:hiddenFill>
+            </a:ext>
+          </a:extLst>
+        </p:spPr>
+      </p:pic>
+    </p:spTree>
+    <p:extLst>
+      <p:ext uri="{BB962C8B-B14F-4D97-AF65-F5344CB8AC3E}">
+        <p14:creationId xmlns:p14="http://schemas.microsoft.com/office/powerpoint/2010/main" val="1401571966"/>
+      </p:ext>
+    </p:extLst>
+  </p:cSld>
+  <p:clrMapOvr>
+    <a:masterClrMapping/>
+  </p:clrMapOvr>
+</p:sld>
+</file>
+
+<file path=ppt/slides/slide23.xml><?xml version="1.0" encoding="utf-8"?>
+<p:sld xmlns:a="http://schemas.openxmlformats.org/drawingml/2006/main" xmlns:r="http://schemas.openxmlformats.org/officeDocument/2006/relationships" xmlns:p="http://schemas.openxmlformats.org/presentationml/2006/main">
+  <p:cSld>
+    <p:spTree>
+      <p:nvGrpSpPr>
+        <p:cNvPr id="1" name=""/>
+        <p:cNvGrpSpPr/>
+        <p:nvPr/>
+      </p:nvGrpSpPr>
+      <p:grpSpPr>
+        <a:xfrm>
+          <a:off x="0" y="0"/>
+          <a:ext cx="0" cy="0"/>
+          <a:chOff x="0" y="0"/>
+          <a:chExt cx="0" cy="0"/>
+        </a:xfrm>
+      </p:grpSpPr>
+      <p:sp>
+        <p:nvSpPr>
+          <p:cNvPr id="2" name="제목 1">
+            <a:extLst>
+              <a:ext uri="{FF2B5EF4-FFF2-40B4-BE49-F238E27FC236}">
+                <a16:creationId xmlns:a16="http://schemas.microsoft.com/office/drawing/2014/main" id="{6C0C1766-B5CF-D846-9D21-312D7AA4AC40}"/>
+              </a:ext>
+            </a:extLst>
+          </p:cNvPr>
+          <p:cNvSpPr>
+            <a:spLocks noGrp="1"/>
+          </p:cNvSpPr>
+          <p:nvPr>
+            <p:ph type="title"/>
+          </p:nvPr>
+        </p:nvSpPr>
+        <p:spPr/>
+        <p:txBody>
+          <a:bodyPr/>
+          <a:lstStyle/>
+          <a:p>
+            <a:endParaRPr kumimoji="1" lang="ko-Kore-KR" altLang="en-US" dirty="0"/>
+          </a:p>
+        </p:txBody>
+      </p:sp>
+      <p:sp>
+        <p:nvSpPr>
+          <p:cNvPr id="3" name="내용 개체 틀 2">
+            <a:extLst>
+              <a:ext uri="{FF2B5EF4-FFF2-40B4-BE49-F238E27FC236}">
+                <a16:creationId xmlns:a16="http://schemas.microsoft.com/office/drawing/2014/main" id="{05BD0B76-175B-9241-8BDD-EC3A4A6249C1}"/>
+              </a:ext>
+            </a:extLst>
+          </p:cNvPr>
+          <p:cNvSpPr>
+            <a:spLocks noGrp="1"/>
+          </p:cNvSpPr>
+          <p:nvPr>
+            <p:ph idx="1"/>
+          </p:nvPr>
+        </p:nvSpPr>
+        <p:spPr/>
+        <p:txBody>
+          <a:bodyPr/>
+          <a:lstStyle/>
+          <a:p>
+            <a:r>
+              <a:rPr kumimoji="1" lang="en-US" altLang="ko-Kore-KR" dirty="0"/>
+              <a:t>Read through, read past, notify</a:t>
+            </a:r>
+            <a:endParaRPr kumimoji="1" lang="ko-Kore-KR" altLang="en-US" dirty="0"/>
+          </a:p>
+        </p:txBody>
+      </p:sp>
+    </p:spTree>
+    <p:extLst>
+      <p:ext uri="{BB962C8B-B14F-4D97-AF65-F5344CB8AC3E}">
+        <p14:creationId xmlns:p14="http://schemas.microsoft.com/office/powerpoint/2010/main" val="2912484017"/>
+      </p:ext>
+    </p:extLst>
+  </p:cSld>
+  <p:clrMapOvr>
+    <a:masterClrMapping/>
+  </p:clrMapOvr>
+</p:sld>
+</file>
+
+<file path=ppt/slides/slide24.xml><?xml version="1.0" encoding="utf-8"?>
+<p:sld xmlns:a="http://schemas.openxmlformats.org/drawingml/2006/main" xmlns:r="http://schemas.openxmlformats.org/officeDocument/2006/relationships" xmlns:p="http://schemas.openxmlformats.org/presentationml/2006/main">
+  <p:cSld>
+    <p:spTree>
+      <p:nvGrpSpPr>
+        <p:cNvPr id="1" name=""/>
+        <p:cNvGrpSpPr/>
+        <p:nvPr/>
+      </p:nvGrpSpPr>
+      <p:grpSpPr>
+        <a:xfrm>
+          <a:off x="0" y="0"/>
+          <a:ext cx="0" cy="0"/>
+          <a:chOff x="0" y="0"/>
+          <a:chExt cx="0" cy="0"/>
+        </a:xfrm>
+      </p:grpSpPr>
+      <p:sp>
+        <p:nvSpPr>
+          <p:cNvPr id="2" name="제목 1">
+            <a:extLst>
+              <a:ext uri="{FF2B5EF4-FFF2-40B4-BE49-F238E27FC236}">
+                <a16:creationId xmlns:a16="http://schemas.microsoft.com/office/drawing/2014/main" id="{1A6489E2-F209-DF46-9C51-9FBE0F2ACF13}"/>
+              </a:ext>
+            </a:extLst>
+          </p:cNvPr>
+          <p:cNvSpPr>
+            <a:spLocks noGrp="1"/>
+          </p:cNvSpPr>
+          <p:nvPr>
+            <p:ph type="title"/>
+          </p:nvPr>
+        </p:nvSpPr>
+        <p:spPr/>
+        <p:txBody>
+          <a:bodyPr/>
+          <a:lstStyle/>
+          <a:p>
+            <a:r>
+              <a:rPr kumimoji="1" lang="en-US" altLang="ko-Kore-KR" dirty="0"/>
+              <a:t>Phantoms and Predicate Locks</a:t>
+            </a:r>
+            <a:endParaRPr kumimoji="1" lang="ko-Kore-KR" altLang="en-US" dirty="0"/>
+          </a:p>
+        </p:txBody>
+      </p:sp>
+      <p:sp>
+        <p:nvSpPr>
+          <p:cNvPr id="3" name="내용 개체 틀 2">
+            <a:extLst>
+              <a:ext uri="{FF2B5EF4-FFF2-40B4-BE49-F238E27FC236}">
+                <a16:creationId xmlns:a16="http://schemas.microsoft.com/office/drawing/2014/main" id="{FBBA1A04-2542-5C46-9D91-7C80886814A7}"/>
+              </a:ext>
+            </a:extLst>
+          </p:cNvPr>
+          <p:cNvSpPr>
+            <a:spLocks noGrp="1"/>
+          </p:cNvSpPr>
+          <p:nvPr>
+            <p:ph idx="1"/>
+          </p:nvPr>
+        </p:nvSpPr>
+        <p:spPr/>
+        <p:txBody>
+          <a:bodyPr/>
+          <a:lstStyle/>
+          <a:p>
+            <a:r>
+              <a:rPr kumimoji="1" lang="en-US" altLang="ko-Kore-KR" b="1" dirty="0"/>
+              <a:t>Phantom records</a:t>
+            </a:r>
+          </a:p>
+          <a:p>
+            <a:pPr lvl="1"/>
+            <a:r>
+              <a:rPr kumimoji="1" lang="en-US" altLang="ko-Kore-KR" dirty="0"/>
+              <a:t>Records that either appear or disappear from sets</a:t>
+            </a:r>
+          </a:p>
+          <a:p>
+            <a:pPr lvl="1"/>
+            <a:r>
+              <a:rPr lang="en-US" altLang="ko-Kore-KR" dirty="0"/>
+              <a:t>No pure record-locking solution for phantoms</a:t>
+            </a:r>
+          </a:p>
+          <a:p>
+            <a:r>
+              <a:rPr kumimoji="1" lang="en-US" altLang="ko-Kore-KR" b="1" dirty="0"/>
+              <a:t>Predicate Locks</a:t>
+            </a:r>
+          </a:p>
+          <a:p>
+            <a:pPr lvl="1"/>
+            <a:r>
+              <a:rPr lang="en-US" altLang="ko-Kore-KR" dirty="0"/>
+              <a:t>Solution for phantoms</a:t>
+            </a:r>
+          </a:p>
+          <a:p>
+            <a:pPr lvl="1"/>
+            <a:r>
+              <a:rPr kumimoji="1" lang="en-US" altLang="ko-Kore-KR" dirty="0"/>
+              <a:t>Lock request </a:t>
+            </a:r>
+            <a:r>
+              <a:rPr lang="en-US" altLang="ko-Kore-KR" dirty="0"/>
+              <a:t>specify a subset of the database</a:t>
+            </a:r>
+          </a:p>
+          <a:p>
+            <a:pPr lvl="1"/>
+            <a:r>
+              <a:rPr lang="en" altLang="ko-Kore-KR" dirty="0"/>
+              <a:t>Format : &lt; t, [</a:t>
+            </a:r>
+            <a:r>
+              <a:rPr lang="en" altLang="ko-Kore-KR" dirty="0" err="1"/>
+              <a:t>slock</a:t>
+            </a:r>
+            <a:r>
+              <a:rPr lang="en" altLang="ko-Kore-KR" dirty="0"/>
+              <a:t> | </a:t>
+            </a:r>
+            <a:r>
+              <a:rPr lang="en" altLang="ko-Kore-KR" dirty="0" err="1"/>
+              <a:t>xlock</a:t>
+            </a:r>
+            <a:r>
+              <a:rPr lang="en" altLang="ko-Kore-KR" dirty="0"/>
+              <a:t>], predicate &gt;</a:t>
+            </a:r>
+            <a:br>
+              <a:rPr lang="en" altLang="ko-Kore-KR" dirty="0"/>
+            </a:br>
+            <a:endParaRPr lang="en" altLang="ko-Kore-KR" dirty="0"/>
+          </a:p>
+          <a:p>
+            <a:pPr lvl="1"/>
+            <a:endParaRPr kumimoji="1" lang="ko-Kore-KR" altLang="en-US" dirty="0"/>
+          </a:p>
+        </p:txBody>
+      </p:sp>
+    </p:spTree>
+    <p:extLst>
+      <p:ext uri="{BB962C8B-B14F-4D97-AF65-F5344CB8AC3E}">
+        <p14:creationId xmlns:p14="http://schemas.microsoft.com/office/powerpoint/2010/main" val="1923308179"/>
+      </p:ext>
+    </p:extLst>
+  </p:cSld>
+  <p:clrMapOvr>
+    <a:masterClrMapping/>
+  </p:clrMapOvr>
+</p:sld>
+</file>
+
+<file path=ppt/slides/slide25.xml><?xml version="1.0" encoding="utf-8"?>
+<p:sld xmlns:a="http://schemas.openxmlformats.org/drawingml/2006/main" xmlns:r="http://schemas.openxmlformats.org/officeDocument/2006/relationships" xmlns:p="http://schemas.openxmlformats.org/presentationml/2006/main">
+  <p:cSld>
+    <p:spTree>
+      <p:nvGrpSpPr>
+        <p:cNvPr id="1" name=""/>
+        <p:cNvGrpSpPr/>
+        <p:nvPr/>
+      </p:nvGrpSpPr>
+      <p:grpSpPr>
+        <a:xfrm>
+          <a:off x="0" y="0"/>
+          <a:ext cx="0" cy="0"/>
+          <a:chOff x="0" y="0"/>
+          <a:chExt cx="0" cy="0"/>
+        </a:xfrm>
+      </p:grpSpPr>
+      <p:sp>
+        <p:nvSpPr>
+          <p:cNvPr id="2" name="제목 1">
+            <a:extLst>
+              <a:ext uri="{FF2B5EF4-FFF2-40B4-BE49-F238E27FC236}">
+                <a16:creationId xmlns:a16="http://schemas.microsoft.com/office/drawing/2014/main" id="{3B8AD26C-8A55-924A-9648-3F9E9429E4B9}"/>
+              </a:ext>
+            </a:extLst>
+          </p:cNvPr>
+          <p:cNvSpPr>
+            <a:spLocks noGrp="1"/>
+          </p:cNvSpPr>
+          <p:nvPr>
+            <p:ph type="title"/>
+          </p:nvPr>
+        </p:nvSpPr>
+        <p:spPr/>
+        <p:txBody>
+          <a:bodyPr/>
+          <a:lstStyle/>
+          <a:p>
+            <a:r>
+              <a:rPr lang="en-US" altLang="ko-Kore-KR" dirty="0"/>
+              <a:t>Phantoms and Predicate Locks</a:t>
+            </a:r>
+            <a:endParaRPr kumimoji="1" lang="ko-Kore-KR" altLang="en-US" dirty="0"/>
+          </a:p>
+        </p:txBody>
+      </p:sp>
+      <p:sp>
+        <p:nvSpPr>
+          <p:cNvPr id="3" name="내용 개체 틀 2">
+            <a:extLst>
+              <a:ext uri="{FF2B5EF4-FFF2-40B4-BE49-F238E27FC236}">
+                <a16:creationId xmlns:a16="http://schemas.microsoft.com/office/drawing/2014/main" id="{4DC7C986-E092-2D45-B13D-D6F31D0ADD29}"/>
+              </a:ext>
+            </a:extLst>
+          </p:cNvPr>
+          <p:cNvSpPr>
+            <a:spLocks noGrp="1"/>
+          </p:cNvSpPr>
+          <p:nvPr>
+            <p:ph idx="1"/>
+          </p:nvPr>
+        </p:nvSpPr>
+        <p:spPr/>
+        <p:txBody>
+          <a:bodyPr/>
+          <a:lstStyle/>
+          <a:p>
+            <a:r>
+              <a:rPr kumimoji="1" lang="en-US" altLang="ko-Kore-KR" dirty="0"/>
+              <a:t>Two Predicate Locks are Compatible if:</a:t>
+            </a:r>
+          </a:p>
+          <a:p>
+            <a:pPr lvl="1"/>
+            <a:r>
+              <a:rPr lang="en-US" altLang="ko-Kore-KR" dirty="0"/>
+              <a:t>T = T` , or</a:t>
+            </a:r>
+          </a:p>
+          <a:p>
+            <a:pPr lvl="1"/>
+            <a:r>
+              <a:rPr kumimoji="1" lang="en-US" altLang="ko-Kore-KR" dirty="0"/>
+              <a:t>Both modes are SHARE</a:t>
+            </a:r>
+            <a:r>
+              <a:rPr lang="en-US" altLang="ko-Kore-KR" dirty="0"/>
+              <a:t>, or</a:t>
+            </a:r>
+          </a:p>
+          <a:p>
+            <a:pPr lvl="1"/>
+            <a:r>
+              <a:rPr lang="en-US" altLang="ko-Kore-KR" dirty="0"/>
+              <a:t>The predicate (P AND P`) is FALSE</a:t>
+            </a:r>
+          </a:p>
+          <a:p>
+            <a:r>
+              <a:rPr kumimoji="1" lang="en-US" altLang="ko-Kore-KR" dirty="0"/>
+              <a:t>Example</a:t>
+            </a:r>
+          </a:p>
+          <a:p>
+            <a:pPr marL="457200" lvl="1" indent="0">
+              <a:buNone/>
+            </a:pPr>
+            <a:r>
+              <a:rPr lang="en" altLang="ko-Kore-KR" dirty="0"/>
+              <a:t>&lt; t, </a:t>
+            </a:r>
+            <a:r>
+              <a:rPr lang="en" altLang="ko-Kore-KR" dirty="0" err="1"/>
+              <a:t>slock</a:t>
+            </a:r>
+            <a:r>
+              <a:rPr lang="en" altLang="ko-Kore-KR" dirty="0"/>
+              <a:t>, </a:t>
+            </a:r>
+            <a:r>
+              <a:rPr lang="en" altLang="ko-Kore-KR" dirty="0" err="1"/>
+              <a:t>emp.eyes</a:t>
+            </a:r>
+            <a:r>
+              <a:rPr lang="en" altLang="ko-Kore-KR" dirty="0"/>
+              <a:t> = "blue" and </a:t>
+            </a:r>
+            <a:r>
+              <a:rPr lang="en" altLang="ko-Kore-KR" dirty="0" err="1"/>
+              <a:t>emp.hair</a:t>
+            </a:r>
+            <a:r>
+              <a:rPr lang="en" altLang="ko-Kore-KR" dirty="0"/>
+              <a:t> = "red” &gt;</a:t>
+            </a:r>
+          </a:p>
+          <a:p>
+            <a:pPr lvl="1"/>
+            <a:r>
+              <a:rPr lang="en" altLang="ko-Kore-KR" dirty="0"/>
+              <a:t>&lt; t , </a:t>
+            </a:r>
+            <a:r>
+              <a:rPr lang="en" altLang="ko-Kore-KR" dirty="0" err="1"/>
+              <a:t>xlock</a:t>
+            </a:r>
+            <a:r>
+              <a:rPr lang="en" altLang="ko-Kore-KR" dirty="0"/>
+              <a:t>, </a:t>
+            </a:r>
+            <a:r>
+              <a:rPr lang="en" altLang="ko-Kore-KR" dirty="0" err="1"/>
+              <a:t>emp.eyes</a:t>
+            </a:r>
+            <a:r>
+              <a:rPr lang="en" altLang="ko-Kore-KR" dirty="0"/>
+              <a:t> = "blue" &gt; : Compatible</a:t>
+            </a:r>
+          </a:p>
+          <a:p>
+            <a:pPr lvl="1"/>
+            <a:r>
+              <a:rPr lang="en" altLang="ko-Kore-KR" dirty="0"/>
+              <a:t>&lt; t', </a:t>
+            </a:r>
+            <a:r>
+              <a:rPr lang="en" altLang="ko-Kore-KR" dirty="0" err="1"/>
+              <a:t>slock</a:t>
+            </a:r>
+            <a:r>
+              <a:rPr lang="en" altLang="ko-Kore-KR" dirty="0"/>
+              <a:t>, </a:t>
+            </a:r>
+            <a:r>
+              <a:rPr lang="en" altLang="ko-Kore-KR" dirty="0" err="1"/>
+              <a:t>emp.eyes</a:t>
+            </a:r>
+            <a:r>
+              <a:rPr lang="en" altLang="ko-Kore-KR" dirty="0"/>
+              <a:t> = "blue" &gt; : Compatible</a:t>
+            </a:r>
+          </a:p>
+          <a:p>
+            <a:pPr lvl="1"/>
+            <a:r>
+              <a:rPr lang="en" altLang="ko-Kore-KR" dirty="0"/>
+              <a:t>&lt; t’, </a:t>
+            </a:r>
+            <a:r>
+              <a:rPr lang="en" altLang="ko-Kore-KR" dirty="0" err="1"/>
+              <a:t>xlock</a:t>
+            </a:r>
+            <a:r>
+              <a:rPr lang="en" altLang="ko-Kore-KR" dirty="0"/>
+              <a:t>, </a:t>
+            </a:r>
+            <a:r>
+              <a:rPr lang="en" altLang="ko-Kore-KR" dirty="0" err="1"/>
+              <a:t>emp.eyes</a:t>
+            </a:r>
+            <a:r>
+              <a:rPr lang="en" altLang="ko-Kore-KR" dirty="0"/>
+              <a:t> = "blue" &gt; : Incompatible</a:t>
+            </a:r>
+          </a:p>
+          <a:p>
+            <a:r>
+              <a:rPr lang="en-US" altLang="ko-Kore-KR" dirty="0"/>
+              <a:t>System always compares the lock request with the other granted and waiting locks</a:t>
+            </a:r>
+            <a:endParaRPr lang="en" altLang="ko-Kore-KR" dirty="0"/>
+          </a:p>
+          <a:p>
+            <a:pPr lvl="1"/>
+            <a:endParaRPr lang="en" altLang="ko-Kore-KR" dirty="0"/>
+          </a:p>
+          <a:p>
+            <a:pPr lvl="1"/>
+            <a:endParaRPr lang="en" altLang="ko-Kore-KR" dirty="0"/>
+          </a:p>
+          <a:p>
+            <a:pPr lvl="1"/>
+            <a:endParaRPr kumimoji="1" lang="ko-Kore-KR" altLang="en-US" dirty="0"/>
+          </a:p>
+        </p:txBody>
+      </p:sp>
+    </p:spTree>
+    <p:extLst>
+      <p:ext uri="{BB962C8B-B14F-4D97-AF65-F5344CB8AC3E}">
+        <p14:creationId xmlns:p14="http://schemas.microsoft.com/office/powerpoint/2010/main" val="1679244168"/>
+      </p:ext>
+    </p:extLst>
+  </p:cSld>
+  <p:clrMapOvr>
+    <a:masterClrMapping/>
+  </p:clrMapOvr>
+</p:sld>
+</file>
+
+<file path=ppt/slides/slide26.xml><?xml version="1.0" encoding="utf-8"?>
+<p:sld xmlns:a="http://schemas.openxmlformats.org/drawingml/2006/main" xmlns:r="http://schemas.openxmlformats.org/officeDocument/2006/relationships" xmlns:p="http://schemas.openxmlformats.org/presentationml/2006/main">
+  <p:cSld>
+    <p:spTree>
+      <p:nvGrpSpPr>
+        <p:cNvPr id="1" name=""/>
+        <p:cNvGrpSpPr/>
+        <p:nvPr/>
+      </p:nvGrpSpPr>
+      <p:grpSpPr>
+        <a:xfrm>
+          <a:off x="0" y="0"/>
+          <a:ext cx="0" cy="0"/>
+          <a:chOff x="0" y="0"/>
+          <a:chExt cx="0" cy="0"/>
+        </a:xfrm>
+      </p:grpSpPr>
+      <p:sp>
+        <p:nvSpPr>
+          <p:cNvPr id="2" name="제목 1">
+            <a:extLst>
+              <a:ext uri="{FF2B5EF4-FFF2-40B4-BE49-F238E27FC236}">
+                <a16:creationId xmlns:a16="http://schemas.microsoft.com/office/drawing/2014/main" id="{7EB0BE09-0542-D345-8E17-07CB9C2DDB3B}"/>
+              </a:ext>
+            </a:extLst>
+          </p:cNvPr>
+          <p:cNvSpPr>
+            <a:spLocks noGrp="1"/>
+          </p:cNvSpPr>
+          <p:nvPr>
+            <p:ph type="title"/>
+          </p:nvPr>
+        </p:nvSpPr>
+        <p:spPr/>
+        <p:txBody>
+          <a:bodyPr/>
+          <a:lstStyle/>
+          <a:p>
+            <a:r>
+              <a:rPr kumimoji="1" lang="en-US" altLang="ko-Kore-KR" dirty="0"/>
+              <a:t>Granular Locks</a:t>
+            </a:r>
+            <a:endParaRPr kumimoji="1" lang="ko-Kore-KR" altLang="en-US" dirty="0"/>
+          </a:p>
+        </p:txBody>
+      </p:sp>
+      <p:sp>
+        <p:nvSpPr>
+          <p:cNvPr id="3" name="내용 개체 틀 2">
+            <a:extLst>
+              <a:ext uri="{FF2B5EF4-FFF2-40B4-BE49-F238E27FC236}">
+                <a16:creationId xmlns:a16="http://schemas.microsoft.com/office/drawing/2014/main" id="{CD66FD62-E2C0-6143-B0EB-46815A3EDAFA}"/>
+              </a:ext>
+            </a:extLst>
+          </p:cNvPr>
+          <p:cNvSpPr>
+            <a:spLocks noGrp="1"/>
+          </p:cNvSpPr>
+          <p:nvPr>
+            <p:ph idx="1"/>
+          </p:nvPr>
+        </p:nvSpPr>
+        <p:spPr/>
+        <p:txBody>
+          <a:bodyPr/>
+          <a:lstStyle/>
+          <a:p>
+            <a:r>
+              <a:rPr kumimoji="1" lang="en-US" altLang="ko-Kore-KR" dirty="0"/>
+              <a:t>Granular Locks</a:t>
+            </a:r>
+          </a:p>
+          <a:p>
+            <a:pPr lvl="1"/>
+            <a:r>
+              <a:rPr kumimoji="1" lang="en-US" altLang="ko-Kore-KR" dirty="0"/>
+              <a:t>Pick a fixed set of predicates (precompute the predicate locks)</a:t>
+            </a:r>
+          </a:p>
+          <a:p>
+            <a:pPr lvl="1"/>
+            <a:r>
+              <a:rPr lang="en" altLang="ko-Kore-KR" dirty="0"/>
+              <a:t>Ex)</a:t>
+            </a:r>
+          </a:p>
+          <a:p>
+            <a:pPr lvl="2"/>
+            <a:r>
+              <a:rPr lang="en" altLang="ko-Kore-KR" dirty="0"/>
+              <a:t>SITE = "RIPA" AND FILE ="PHONE" AND RECORD ="GIOVANNA" </a:t>
+            </a:r>
+          </a:p>
+          <a:p>
+            <a:pPr lvl="2"/>
+            <a:r>
+              <a:rPr lang="en" altLang="ko-Kore-KR" dirty="0"/>
+              <a:t>SITE = "RIPA"</a:t>
+            </a:r>
+            <a:endParaRPr kumimoji="1" lang="ko-Kore-KR" altLang="en-US" dirty="0"/>
+          </a:p>
+        </p:txBody>
+      </p:sp>
+      <p:pic>
+        <p:nvPicPr>
+          <p:cNvPr id="4" name="그림 3">
+            <a:extLst>
+              <a:ext uri="{FF2B5EF4-FFF2-40B4-BE49-F238E27FC236}">
+                <a16:creationId xmlns:a16="http://schemas.microsoft.com/office/drawing/2014/main" id="{9D97CAF3-F5D4-B741-ACCE-E2CD92EEBE58}"/>
+              </a:ext>
+            </a:extLst>
+          </p:cNvPr>
+          <p:cNvPicPr>
+            <a:picLocks noChangeAspect="1"/>
+          </p:cNvPicPr>
+          <p:nvPr/>
+        </p:nvPicPr>
+        <p:blipFill>
+          <a:blip r:embed="rId2"/>
+          <a:stretch>
+            <a:fillRect/>
+          </a:stretch>
+        </p:blipFill>
+        <p:spPr>
+          <a:xfrm>
+            <a:off x="1170964" y="3429000"/>
+            <a:ext cx="5991367" cy="3246841"/>
+          </a:xfrm>
+          <a:prstGeom prst="rect">
+            <a:avLst/>
+          </a:prstGeom>
+        </p:spPr>
+      </p:pic>
+    </p:spTree>
+    <p:extLst>
+      <p:ext uri="{BB962C8B-B14F-4D97-AF65-F5344CB8AC3E}">
+        <p14:creationId xmlns:p14="http://schemas.microsoft.com/office/powerpoint/2010/main" val="937946367"/>
+      </p:ext>
+    </p:extLst>
+  </p:cSld>
+  <p:clrMapOvr>
+    <a:masterClrMapping/>
+  </p:clrMapOvr>
+</p:sld>
+</file>
+
+<file path=ppt/slides/slide27.xml><?xml version="1.0" encoding="utf-8"?>
+<p:sld xmlns:a="http://schemas.openxmlformats.org/drawingml/2006/main" xmlns:r="http://schemas.openxmlformats.org/officeDocument/2006/relationships" xmlns:p="http://schemas.openxmlformats.org/presentationml/2006/main">
+  <p:cSld>
+    <p:spTree>
+      <p:nvGrpSpPr>
+        <p:cNvPr id="1" name=""/>
+        <p:cNvGrpSpPr/>
+        <p:nvPr/>
+      </p:nvGrpSpPr>
+      <p:grpSpPr>
+        <a:xfrm>
+          <a:off x="0" y="0"/>
+          <a:ext cx="0" cy="0"/>
+          <a:chOff x="0" y="0"/>
+          <a:chExt cx="0" cy="0"/>
+        </a:xfrm>
+      </p:grpSpPr>
+      <p:sp>
+        <p:nvSpPr>
+          <p:cNvPr id="2" name="제목 1">
+            <a:extLst>
+              <a:ext uri="{FF2B5EF4-FFF2-40B4-BE49-F238E27FC236}">
+                <a16:creationId xmlns:a16="http://schemas.microsoft.com/office/drawing/2014/main" id="{8590685F-B76C-C24D-B5EB-84C80E45A5A6}"/>
+              </a:ext>
+            </a:extLst>
+          </p:cNvPr>
+          <p:cNvSpPr>
+            <a:spLocks noGrp="1"/>
+          </p:cNvSpPr>
+          <p:nvPr>
+            <p:ph type="title"/>
+          </p:nvPr>
+        </p:nvSpPr>
+        <p:spPr/>
+        <p:txBody>
+          <a:bodyPr/>
+          <a:lstStyle/>
+          <a:p>
+            <a:r>
+              <a:rPr kumimoji="1" lang="en-US" altLang="ko-Kore-KR" dirty="0"/>
+              <a:t>Tree Locking and Intent Lock Modes</a:t>
+            </a:r>
+            <a:endParaRPr kumimoji="1" lang="ko-Kore-KR" altLang="en-US" dirty="0"/>
+          </a:p>
+        </p:txBody>
+      </p:sp>
+      <p:sp>
+        <p:nvSpPr>
+          <p:cNvPr id="3" name="내용 개체 틀 2">
+            <a:extLst>
+              <a:ext uri="{FF2B5EF4-FFF2-40B4-BE49-F238E27FC236}">
+                <a16:creationId xmlns:a16="http://schemas.microsoft.com/office/drawing/2014/main" id="{2D369ED0-CCC9-B348-9165-826942FE2233}"/>
+              </a:ext>
+            </a:extLst>
+          </p:cNvPr>
+          <p:cNvSpPr>
+            <a:spLocks noGrp="1"/>
+          </p:cNvSpPr>
+          <p:nvPr>
+            <p:ph idx="1"/>
+          </p:nvPr>
+        </p:nvSpPr>
+        <p:spPr/>
+        <p:txBody>
+          <a:bodyPr>
+            <a:normAutofit/>
+          </a:bodyPr>
+          <a:lstStyle/>
+          <a:p>
+            <a:r>
+              <a:rPr kumimoji="1" lang="en-US" altLang="ko-Kore-KR" dirty="0"/>
+              <a:t>Locking a node implicitly locks child nodes with same mode</a:t>
+            </a:r>
+          </a:p>
+          <a:p>
+            <a:r>
+              <a:rPr lang="en-US" altLang="ko-Kore-KR" dirty="0"/>
+              <a:t>Intent lock mode</a:t>
+            </a:r>
+          </a:p>
+          <a:p>
+            <a:pPr lvl="1"/>
+            <a:r>
+              <a:rPr kumimoji="1" lang="en-US" altLang="ko-Kore-KR" dirty="0"/>
+              <a:t>Prevent other TXs from set</a:t>
+            </a:r>
+            <a:r>
+              <a:rPr lang="en-US" altLang="ko-Kore-KR" dirty="0"/>
+              <a:t>ting coarse granularity on that node</a:t>
+            </a:r>
+          </a:p>
+          <a:p>
+            <a:r>
+              <a:rPr lang="en" altLang="ko-Kore-KR" dirty="0"/>
+              <a:t>Example</a:t>
+            </a:r>
+          </a:p>
+          <a:p>
+            <a:pPr lvl="1"/>
+            <a:r>
+              <a:rPr lang="en" altLang="ko-Kore-KR" dirty="0"/>
+              <a:t>LOCK 		"IN DATABASE"  			IN INTENT MODE </a:t>
+            </a:r>
+          </a:p>
+          <a:p>
+            <a:pPr lvl="1"/>
+            <a:r>
+              <a:rPr lang="en" altLang="ko-Kore-KR" dirty="0"/>
+              <a:t>LOCK 		NODE="RIPA" 			IN INTENT MODE </a:t>
+            </a:r>
+          </a:p>
+          <a:p>
+            <a:pPr lvl="1"/>
+            <a:r>
+              <a:rPr lang="en" altLang="ko-Kore-KR" dirty="0"/>
+              <a:t>LOCK 		FILE= "PHONE" 			IN INTENT MODE </a:t>
+            </a:r>
+          </a:p>
+          <a:p>
+            <a:pPr lvl="1"/>
+            <a:r>
+              <a:rPr lang="en" altLang="ko-Kore-KR" dirty="0"/>
+              <a:t>LOCK 		NAME = "GIOVANNA" 	IN SHARED MODE. </a:t>
+            </a:r>
+          </a:p>
+        </p:txBody>
+      </p:sp>
+    </p:spTree>
+    <p:extLst>
+      <p:ext uri="{BB962C8B-B14F-4D97-AF65-F5344CB8AC3E}">
+        <p14:creationId xmlns:p14="http://schemas.microsoft.com/office/powerpoint/2010/main" val="2141954488"/>
+      </p:ext>
+    </p:extLst>
+  </p:cSld>
+  <p:clrMapOvr>
+    <a:masterClrMapping/>
+  </p:clrMapOvr>
+</p:sld>
+</file>
+
+<file path=ppt/slides/slide28.xml><?xml version="1.0" encoding="utf-8"?>
+<p:sld xmlns:a="http://schemas.openxmlformats.org/drawingml/2006/main" xmlns:r="http://schemas.openxmlformats.org/officeDocument/2006/relationships" xmlns:p="http://schemas.openxmlformats.org/presentationml/2006/main">
+  <p:cSld>
+    <p:spTree>
+      <p:nvGrpSpPr>
+        <p:cNvPr id="1" name=""/>
+        <p:cNvGrpSpPr/>
+        <p:nvPr/>
+      </p:nvGrpSpPr>
+      <p:grpSpPr>
+        <a:xfrm>
+          <a:off x="0" y="0"/>
+          <a:ext cx="0" cy="0"/>
+          <a:chOff x="0" y="0"/>
+          <a:chExt cx="0" cy="0"/>
+        </a:xfrm>
+      </p:grpSpPr>
+      <p:sp>
+        <p:nvSpPr>
+          <p:cNvPr id="2" name="제목 1">
+            <a:extLst>
+              <a:ext uri="{FF2B5EF4-FFF2-40B4-BE49-F238E27FC236}">
+                <a16:creationId xmlns:a16="http://schemas.microsoft.com/office/drawing/2014/main" id="{65338B74-4822-A248-B904-C9F4DBD16B84}"/>
+              </a:ext>
+            </a:extLst>
+          </p:cNvPr>
+          <p:cNvSpPr>
+            <a:spLocks noGrp="1"/>
+          </p:cNvSpPr>
+          <p:nvPr>
+            <p:ph type="title"/>
+          </p:nvPr>
+        </p:nvSpPr>
+        <p:spPr/>
+        <p:txBody>
+          <a:bodyPr>
+            <a:normAutofit/>
+          </a:bodyPr>
+          <a:lstStyle/>
+          <a:p>
+            <a:r>
+              <a:rPr lang="en" altLang="ko-Kore-KR" dirty="0"/>
+              <a:t>Tree Locking and Intent Lock Modes </a:t>
+            </a:r>
+            <a:endParaRPr kumimoji="1" lang="ko-Kore-KR" altLang="en-US" dirty="0"/>
+          </a:p>
+        </p:txBody>
+      </p:sp>
+      <p:sp>
+        <p:nvSpPr>
+          <p:cNvPr id="3" name="내용 개체 틀 2">
+            <a:extLst>
+              <a:ext uri="{FF2B5EF4-FFF2-40B4-BE49-F238E27FC236}">
+                <a16:creationId xmlns:a16="http://schemas.microsoft.com/office/drawing/2014/main" id="{BD84BBE7-6D0D-B04C-AFA5-2A8618D60B3C}"/>
+              </a:ext>
+            </a:extLst>
+          </p:cNvPr>
+          <p:cNvSpPr>
+            <a:spLocks noGrp="1"/>
+          </p:cNvSpPr>
+          <p:nvPr>
+            <p:ph idx="1"/>
+          </p:nvPr>
+        </p:nvSpPr>
+        <p:spPr/>
+        <p:txBody>
+          <a:bodyPr/>
+          <a:lstStyle/>
+          <a:p>
+            <a:r>
+              <a:rPr kumimoji="1" lang="en-US" altLang="ko-Kore-KR" dirty="0"/>
+              <a:t>Refined intent mode locks</a:t>
+            </a:r>
+          </a:p>
+          <a:p>
+            <a:pPr lvl="1"/>
+            <a:r>
+              <a:rPr lang="en-US" altLang="ko-Kore-KR" b="1" dirty="0"/>
+              <a:t>IX</a:t>
+            </a:r>
+            <a:r>
+              <a:rPr lang="en-US" altLang="ko-Kore-KR" dirty="0"/>
+              <a:t> : </a:t>
+            </a:r>
+            <a:r>
+              <a:rPr lang="en" altLang="ko-Kore-KR" dirty="0"/>
+              <a:t>Intent to set shared or exclusive locks at finer granularity.</a:t>
+            </a:r>
+            <a:endParaRPr lang="en-US" altLang="ko-Kore-KR" dirty="0"/>
+          </a:p>
+          <a:p>
+            <a:pPr lvl="1"/>
+            <a:r>
+              <a:rPr kumimoji="1" lang="en-US" altLang="ko-Kore-KR" b="1" dirty="0"/>
+              <a:t>IS </a:t>
+            </a:r>
+            <a:r>
+              <a:rPr kumimoji="1" lang="en-US" altLang="ko-Kore-KR" dirty="0"/>
+              <a:t>: </a:t>
+            </a:r>
+            <a:r>
+              <a:rPr lang="en" altLang="ko-Kore-KR" dirty="0"/>
+              <a:t>Intent to set shared locks at finer granularity.</a:t>
+            </a:r>
+            <a:endParaRPr kumimoji="1" lang="en-US" altLang="ko-Kore-KR" dirty="0"/>
+          </a:p>
+          <a:p>
+            <a:pPr lvl="1"/>
+            <a:r>
+              <a:rPr lang="en-US" altLang="ko-Kore-KR" b="1" dirty="0"/>
+              <a:t>SIX</a:t>
+            </a:r>
+            <a:r>
+              <a:rPr lang="en-US" altLang="ko-Kore-KR" dirty="0"/>
+              <a:t> : </a:t>
+            </a:r>
+            <a:r>
+              <a:rPr lang="en" altLang="ko-Kore-KR" dirty="0"/>
+              <a:t>A coarse-granularity shared lock with intent to set finer-granularity exclusive locks -- essentially the union of S and IX. </a:t>
+            </a:r>
+          </a:p>
+          <a:p>
+            <a:pPr lvl="1"/>
+            <a:endParaRPr kumimoji="1" lang="ko-Kore-KR" altLang="en-US" dirty="0"/>
+          </a:p>
+        </p:txBody>
+      </p:sp>
+      <p:pic>
+        <p:nvPicPr>
+          <p:cNvPr id="4" name="그림 3">
+            <a:extLst>
+              <a:ext uri="{FF2B5EF4-FFF2-40B4-BE49-F238E27FC236}">
+                <a16:creationId xmlns:a16="http://schemas.microsoft.com/office/drawing/2014/main" id="{3E8FB0D8-AB1D-534C-BFE7-F098F639A7B9}"/>
+              </a:ext>
+            </a:extLst>
+          </p:cNvPr>
+          <p:cNvPicPr>
+            <a:picLocks noChangeAspect="1"/>
+          </p:cNvPicPr>
+          <p:nvPr/>
+        </p:nvPicPr>
+        <p:blipFill>
+          <a:blip r:embed="rId2"/>
+          <a:stretch>
+            <a:fillRect/>
+          </a:stretch>
+        </p:blipFill>
+        <p:spPr>
+          <a:xfrm>
+            <a:off x="1075403" y="3730122"/>
+            <a:ext cx="6993194" cy="2396042"/>
+          </a:xfrm>
+          <a:prstGeom prst="rect">
+            <a:avLst/>
+          </a:prstGeom>
+        </p:spPr>
+      </p:pic>
+    </p:spTree>
+    <p:extLst>
+      <p:ext uri="{BB962C8B-B14F-4D97-AF65-F5344CB8AC3E}">
+        <p14:creationId xmlns:p14="http://schemas.microsoft.com/office/powerpoint/2010/main" val="1483517842"/>
+      </p:ext>
+    </p:extLst>
+  </p:cSld>
+  <p:clrMapOvr>
+    <a:masterClrMapping/>
+  </p:clrMapOvr>
+</p:sld>
+</file>
+
+<file path=ppt/slides/slide29.xml><?xml version="1.0" encoding="utf-8"?>
+<p:sld xmlns:a="http://schemas.openxmlformats.org/drawingml/2006/main" xmlns:r="http://schemas.openxmlformats.org/officeDocument/2006/relationships" xmlns:p="http://schemas.openxmlformats.org/presentationml/2006/main">
+  <p:cSld>
+    <p:spTree>
+      <p:nvGrpSpPr>
+        <p:cNvPr id="1" name=""/>
+        <p:cNvGrpSpPr/>
+        <p:nvPr/>
+      </p:nvGrpSpPr>
+      <p:grpSpPr>
+        <a:xfrm>
+          <a:off x="0" y="0"/>
+          <a:ext cx="0" cy="0"/>
+          <a:chOff x="0" y="0"/>
+          <a:chExt cx="0" cy="0"/>
+        </a:xfrm>
+      </p:grpSpPr>
+      <p:sp>
+        <p:nvSpPr>
+          <p:cNvPr id="2" name="제목 1">
+            <a:extLst>
+              <a:ext uri="{FF2B5EF4-FFF2-40B4-BE49-F238E27FC236}">
+                <a16:creationId xmlns:a16="http://schemas.microsoft.com/office/drawing/2014/main" id="{1AE6617C-03BF-3146-AE0C-47C563C58342}"/>
+              </a:ext>
+            </a:extLst>
+          </p:cNvPr>
+          <p:cNvSpPr>
+            <a:spLocks noGrp="1"/>
+          </p:cNvSpPr>
+          <p:nvPr>
+            <p:ph type="title"/>
+          </p:nvPr>
+        </p:nvSpPr>
+        <p:spPr/>
+        <p:txBody>
+          <a:bodyPr/>
+          <a:lstStyle/>
+          <a:p>
+            <a:r>
+              <a:rPr lang="en-US" altLang="ko-Kore-KR" dirty="0"/>
+              <a:t>Key-Range Locking</a:t>
+            </a:r>
+            <a:endParaRPr kumimoji="1" lang="ko-Kore-KR" altLang="en-US" dirty="0"/>
+          </a:p>
+        </p:txBody>
+      </p:sp>
+      <p:sp>
+        <p:nvSpPr>
+          <p:cNvPr id="3" name="내용 개체 틀 2">
+            <a:extLst>
+              <a:ext uri="{FF2B5EF4-FFF2-40B4-BE49-F238E27FC236}">
+                <a16:creationId xmlns:a16="http://schemas.microsoft.com/office/drawing/2014/main" id="{276A9F17-4005-CE4E-ACA3-CC9E51659204}"/>
+              </a:ext>
+            </a:extLst>
+          </p:cNvPr>
+          <p:cNvSpPr>
+            <a:spLocks noGrp="1"/>
+          </p:cNvSpPr>
+          <p:nvPr>
+            <p:ph idx="1"/>
+          </p:nvPr>
+        </p:nvSpPr>
+        <p:spPr/>
+        <p:txBody>
+          <a:bodyPr/>
+          <a:lstStyle/>
+          <a:p>
+            <a:r>
+              <a:rPr kumimoji="1" lang="en-US" altLang="ko-Kore-KR" dirty="0"/>
+              <a:t>Key-range lock</a:t>
+            </a:r>
+          </a:p>
+          <a:p>
+            <a:pPr lvl="1"/>
+            <a:r>
+              <a:rPr lang="en-US" altLang="ko-Kore-KR" dirty="0"/>
+              <a:t>A lock on the key range ( locking set is logical )</a:t>
+            </a:r>
+          </a:p>
+          <a:p>
+            <a:r>
+              <a:rPr kumimoji="1" lang="en-US" altLang="ko-Kore-KR" dirty="0"/>
+              <a:t>Key-Range Locks Need DAG Locking</a:t>
+            </a:r>
+          </a:p>
+          <a:p>
+            <a:pPr lvl="1"/>
+            <a:r>
+              <a:rPr kumimoji="1" lang="en-US" altLang="ko-Kore-KR" dirty="0"/>
+              <a:t>Locking on a Tree </a:t>
+            </a:r>
+            <a:r>
+              <a:rPr kumimoji="1" lang="en-US" altLang="ko-Kore-KR" dirty="0">
+                <a:sym typeface="Wingdings" pitchFamily="2" charset="2"/>
+              </a:rPr>
+              <a:t> Locking on a Directed acyclic graph</a:t>
+            </a:r>
+            <a:endParaRPr kumimoji="1" lang="ko-Kore-KR" altLang="en-US" dirty="0"/>
+          </a:p>
+        </p:txBody>
+      </p:sp>
+      <p:pic>
+        <p:nvPicPr>
+          <p:cNvPr id="4" name="그림 3">
+            <a:extLst>
+              <a:ext uri="{FF2B5EF4-FFF2-40B4-BE49-F238E27FC236}">
+                <a16:creationId xmlns:a16="http://schemas.microsoft.com/office/drawing/2014/main" id="{7BB00015-1B06-5341-8AC3-008DEF75496A}"/>
+              </a:ext>
+            </a:extLst>
+          </p:cNvPr>
+          <p:cNvPicPr>
+            <a:picLocks noChangeAspect="1"/>
+          </p:cNvPicPr>
+          <p:nvPr/>
+        </p:nvPicPr>
+        <p:blipFill>
+          <a:blip r:embed="rId2"/>
+          <a:stretch>
+            <a:fillRect/>
+          </a:stretch>
+        </p:blipFill>
+        <p:spPr>
+          <a:xfrm>
+            <a:off x="1578989" y="3429000"/>
+            <a:ext cx="5986021" cy="2497236"/>
+          </a:xfrm>
+          <a:prstGeom prst="rect">
+            <a:avLst/>
+          </a:prstGeom>
+        </p:spPr>
+      </p:pic>
+    </p:spTree>
+    <p:extLst>
+      <p:ext uri="{BB962C8B-B14F-4D97-AF65-F5344CB8AC3E}">
+        <p14:creationId xmlns:p14="http://schemas.microsoft.com/office/powerpoint/2010/main" val="1486744483"/>
+      </p:ext>
+    </p:extLst>
+  </p:cSld>
+  <p:clrMapOvr>
+    <a:masterClrMapping/>
+  </p:clrMapOvr>
 </p:sld>
 </file>
 
@@ -4959,10 +6873,9 @@
           <a:lstStyle/>
           <a:p>
             <a:r>
-              <a:rPr lang="en-US" dirty="0" smtClean="0"/>
+              <a:rPr lang="en-US" dirty="0"/>
               <a:t>Introduction of Isolation</a:t>
             </a:r>
-            <a:endParaRPr lang="en-US" dirty="0"/>
           </a:p>
         </p:txBody>
       </p:sp>
@@ -4982,41 +6895,29 @@
           <a:lstStyle/>
           <a:p>
             <a:r>
-              <a:rPr lang="en-US" b="1" dirty="0" smtClean="0"/>
+              <a:rPr lang="en-US" b="1" dirty="0"/>
               <a:t>Invariants</a:t>
             </a:r>
           </a:p>
           <a:p>
             <a:pPr lvl="1"/>
             <a:r>
-              <a:rPr lang="en-US" dirty="0" smtClean="0"/>
+              <a:rPr lang="en-US" dirty="0"/>
               <a:t>The system state consists of objects related in certain ways</a:t>
             </a:r>
           </a:p>
           <a:p>
             <a:pPr lvl="1"/>
             <a:r>
-              <a:rPr lang="en-US" dirty="0" smtClean="0"/>
-              <a:t>ex) </a:t>
-            </a:r>
-            <a:r>
               <a:rPr lang="en-US" dirty="0"/>
-              <a:t>''The checksum field of each page, P, must be CHECKSUM(P</a:t>
-            </a:r>
-            <a:r>
-              <a:rPr lang="en-US" dirty="0" smtClean="0"/>
-              <a:t>).“</a:t>
-            </a:r>
-          </a:p>
-          <a:p>
-            <a:pPr lvl="1"/>
-            <a:r>
-              <a:rPr lang="en-US" dirty="0" smtClean="0"/>
-              <a:t>"</a:t>
-            </a:r>
+              <a:t>ex) ''The checksum field of each page, P, must be CHECKSUM(P).“</a:t>
+            </a:r>
+          </a:p>
+          <a:p>
+            <a:pPr lvl="1"/>
             <a:r>
               <a:rPr lang="en-US" dirty="0"/>
-              <a:t>For each element, x, </a:t>
+              <a:t>"For each element, x, </a:t>
             </a:r>
             <a:r>
               <a:rPr lang="en-US" sz="2400" dirty="0"/>
@@ -5027,27 +6928,19 @@
               <a:t>a doubly linked ring, </a:t>
             </a:r>
             <a:r>
-              <a:rPr lang="en-US" dirty="0" err="1" smtClean="0"/>
+              <a:rPr lang="en-US" dirty="0" err="1"/>
               <a:t>prev</a:t>
             </a:r>
             <a:r>
-              <a:rPr lang="en-US" dirty="0" smtClean="0"/>
+              <a:rPr lang="en-US" dirty="0"/>
               <a:t>(next(x))= x“</a:t>
             </a:r>
           </a:p>
           <a:p>
             <a:pPr lvl="1"/>
             <a:r>
-              <a:rPr lang="en-US" dirty="0" smtClean="0"/>
-              <a:t>"</a:t>
-            </a:r>
-            <a:r>
               <a:rPr lang="en-US" dirty="0"/>
-              <a:t>Account balances must be positive</a:t>
-            </a:r>
-            <a:r>
-              <a:rPr lang="en-US" dirty="0" smtClean="0"/>
-              <a:t>.“</a:t>
+              <a:t>"Account balances must be positive.“</a:t>
             </a:r>
           </a:p>
           <a:p>
@@ -5056,7 +6949,7 @@
           </a:p>
           <a:p>
             <a:r>
-              <a:rPr lang="en-US" b="1" dirty="0" smtClean="0"/>
+              <a:rPr lang="en-US" b="1" dirty="0"/>
               <a:t>Consistency</a:t>
             </a:r>
           </a:p>
@@ -5067,18 +6960,17 @@
               <a:t>The system state is </a:t>
             </a:r>
             <a:r>
-              <a:rPr lang="en-US" b="1" i="1" dirty="0" smtClean="0"/>
+              <a:rPr lang="en-US" b="1" i="1" dirty="0"/>
               <a:t>consistent</a:t>
             </a:r>
             <a:r>
-              <a:rPr lang="en-US" i="1" dirty="0" smtClean="0"/>
+              <a:rPr lang="en-US" i="1" dirty="0"/>
               <a:t> </a:t>
             </a:r>
             <a:r>
               <a:rPr lang="en-US" dirty="0"/>
               <a:t>if it satisfies all these invariants</a:t>
             </a:r>
-            <a:endParaRPr lang="en-US" dirty="0"/>
           </a:p>
         </p:txBody>
       </p:sp>
@@ -5092,13 +6984,986 @@
   <p:clrMapOvr>
     <a:masterClrMapping/>
   </p:clrMapOvr>
-  <p:timing>
-    <p:tnLst>
-      <p:par>
-        <p:cTn id="1" dur="indefinite" restart="never" nodeType="tmRoot"/>
-      </p:par>
-    </p:tnLst>
-  </p:timing>
+</p:sld>
+</file>
+
+<file path=ppt/slides/slide30.xml><?xml version="1.0" encoding="utf-8"?>
+<p:sld xmlns:a="http://schemas.openxmlformats.org/drawingml/2006/main" xmlns:r="http://schemas.openxmlformats.org/officeDocument/2006/relationships" xmlns:p="http://schemas.openxmlformats.org/presentationml/2006/main">
+  <p:cSld>
+    <p:spTree>
+      <p:nvGrpSpPr>
+        <p:cNvPr id="1" name=""/>
+        <p:cNvGrpSpPr/>
+        <p:nvPr/>
+      </p:nvGrpSpPr>
+      <p:grpSpPr>
+        <a:xfrm>
+          <a:off x="0" y="0"/>
+          <a:ext cx="0" cy="0"/>
+          <a:chOff x="0" y="0"/>
+          <a:chExt cx="0" cy="0"/>
+        </a:xfrm>
+      </p:grpSpPr>
+      <p:sp>
+        <p:nvSpPr>
+          <p:cNvPr id="2" name="제목 1">
+            <a:extLst>
+              <a:ext uri="{FF2B5EF4-FFF2-40B4-BE49-F238E27FC236}">
+                <a16:creationId xmlns:a16="http://schemas.microsoft.com/office/drawing/2014/main" id="{C5FBF355-3632-7D45-BD00-03A75F84796C}"/>
+              </a:ext>
+            </a:extLst>
+          </p:cNvPr>
+          <p:cNvSpPr>
+            <a:spLocks noGrp="1"/>
+          </p:cNvSpPr>
+          <p:nvPr>
+            <p:ph type="title"/>
+          </p:nvPr>
+        </p:nvSpPr>
+        <p:spPr/>
+        <p:txBody>
+          <a:bodyPr/>
+          <a:lstStyle/>
+          <a:p>
+            <a:r>
+              <a:rPr kumimoji="1" lang="en-US" altLang="ko-Kore-KR" dirty="0"/>
+              <a:t>Locking Heuristics</a:t>
+            </a:r>
+            <a:endParaRPr kumimoji="1" lang="ko-Kore-KR" altLang="en-US" dirty="0"/>
+          </a:p>
+        </p:txBody>
+      </p:sp>
+      <p:sp>
+        <p:nvSpPr>
+          <p:cNvPr id="3" name="내용 개체 틀 2">
+            <a:extLst>
+              <a:ext uri="{FF2B5EF4-FFF2-40B4-BE49-F238E27FC236}">
+                <a16:creationId xmlns:a16="http://schemas.microsoft.com/office/drawing/2014/main" id="{8902987D-F35C-5744-8D69-BCE0FE84F10D}"/>
+              </a:ext>
+            </a:extLst>
+          </p:cNvPr>
+          <p:cNvSpPr>
+            <a:spLocks noGrp="1"/>
+          </p:cNvSpPr>
+          <p:nvPr>
+            <p:ph idx="1"/>
+          </p:nvPr>
+        </p:nvSpPr>
+        <p:spPr/>
+        <p:txBody>
+          <a:bodyPr/>
+          <a:lstStyle/>
+          <a:p>
+            <a:r>
+              <a:rPr lang="en-US" altLang="ko-Kore-KR" dirty="0"/>
+              <a:t>Lock Conversion</a:t>
+            </a:r>
+          </a:p>
+          <a:p>
+            <a:endParaRPr lang="en-US" altLang="ko-Kore-KR" dirty="0"/>
+          </a:p>
+          <a:p>
+            <a:endParaRPr kumimoji="1" lang="en-US" altLang="ko-Kore-KR" dirty="0"/>
+          </a:p>
+          <a:p>
+            <a:endParaRPr lang="en-US" altLang="ko-Kore-KR" dirty="0"/>
+          </a:p>
+          <a:p>
+            <a:endParaRPr kumimoji="1" lang="en-US" altLang="ko-Kore-KR" dirty="0"/>
+          </a:p>
+          <a:p>
+            <a:r>
+              <a:rPr kumimoji="1" lang="en-US" altLang="ko-Kore-KR" dirty="0"/>
+              <a:t>Lock Escalation</a:t>
+            </a:r>
+          </a:p>
+          <a:p>
+            <a:pPr lvl="1"/>
+            <a:r>
+              <a:rPr lang="en" altLang="ko-Kore-KR" dirty="0"/>
+              <a:t>Convert fine-granularity locks to coarse locks</a:t>
+            </a:r>
+            <a:endParaRPr lang="en" altLang="ko-Kore-KR" sz="1600" dirty="0"/>
+          </a:p>
+          <a:p>
+            <a:endParaRPr kumimoji="1" lang="ko-Kore-KR" altLang="en-US" dirty="0"/>
+          </a:p>
+        </p:txBody>
+      </p:sp>
+      <p:pic>
+        <p:nvPicPr>
+          <p:cNvPr id="4" name="그림 3">
+            <a:extLst>
+              <a:ext uri="{FF2B5EF4-FFF2-40B4-BE49-F238E27FC236}">
+                <a16:creationId xmlns:a16="http://schemas.microsoft.com/office/drawing/2014/main" id="{3D1F5F44-A89F-6149-8D80-4BE57F197A88}"/>
+              </a:ext>
+            </a:extLst>
+          </p:cNvPr>
+          <p:cNvPicPr>
+            <a:picLocks noChangeAspect="1"/>
+          </p:cNvPicPr>
+          <p:nvPr/>
+        </p:nvPicPr>
+        <p:blipFill>
+          <a:blip r:embed="rId2"/>
+          <a:stretch>
+            <a:fillRect/>
+          </a:stretch>
+        </p:blipFill>
+        <p:spPr>
+          <a:xfrm>
+            <a:off x="3654766" y="1917650"/>
+            <a:ext cx="1850504" cy="2166671"/>
+          </a:xfrm>
+          <a:prstGeom prst="rect">
+            <a:avLst/>
+          </a:prstGeom>
+        </p:spPr>
+      </p:pic>
+    </p:spTree>
+    <p:extLst>
+      <p:ext uri="{BB962C8B-B14F-4D97-AF65-F5344CB8AC3E}">
+        <p14:creationId xmlns:p14="http://schemas.microsoft.com/office/powerpoint/2010/main" val="3007708170"/>
+      </p:ext>
+    </p:extLst>
+  </p:cSld>
+  <p:clrMapOvr>
+    <a:masterClrMapping/>
+  </p:clrMapOvr>
+</p:sld>
+</file>
+
+<file path=ppt/slides/slide31.xml><?xml version="1.0" encoding="utf-8"?>
+<p:sld xmlns:a="http://schemas.openxmlformats.org/drawingml/2006/main" xmlns:r="http://schemas.openxmlformats.org/officeDocument/2006/relationships" xmlns:p="http://schemas.openxmlformats.org/presentationml/2006/main">
+  <p:cSld>
+    <p:spTree>
+      <p:nvGrpSpPr>
+        <p:cNvPr id="1" name=""/>
+        <p:cNvGrpSpPr/>
+        <p:nvPr/>
+      </p:nvGrpSpPr>
+      <p:grpSpPr>
+        <a:xfrm>
+          <a:off x="0" y="0"/>
+          <a:ext cx="0" cy="0"/>
+          <a:chOff x="0" y="0"/>
+          <a:chExt cx="0" cy="0"/>
+        </a:xfrm>
+      </p:grpSpPr>
+      <p:sp>
+        <p:nvSpPr>
+          <p:cNvPr id="2" name="제목 1">
+            <a:extLst>
+              <a:ext uri="{FF2B5EF4-FFF2-40B4-BE49-F238E27FC236}">
+                <a16:creationId xmlns:a16="http://schemas.microsoft.com/office/drawing/2014/main" id="{DEA18FCF-0862-3546-BBF4-64124EC1C7AE}"/>
+              </a:ext>
+            </a:extLst>
+          </p:cNvPr>
+          <p:cNvSpPr>
+            <a:spLocks noGrp="1"/>
+          </p:cNvSpPr>
+          <p:nvPr>
+            <p:ph type="title"/>
+          </p:nvPr>
+        </p:nvSpPr>
+        <p:spPr/>
+        <p:txBody>
+          <a:bodyPr/>
+          <a:lstStyle/>
+          <a:p>
+            <a:r>
+              <a:rPr kumimoji="1" lang="en-US" altLang="ko-Kore-KR" dirty="0"/>
+              <a:t>Scheduling and Deadlock</a:t>
+            </a:r>
+            <a:endParaRPr kumimoji="1" lang="ko-Kore-KR" altLang="en-US" dirty="0"/>
+          </a:p>
+        </p:txBody>
+      </p:sp>
+      <p:sp>
+        <p:nvSpPr>
+          <p:cNvPr id="3" name="내용 개체 틀 2">
+            <a:extLst>
+              <a:ext uri="{FF2B5EF4-FFF2-40B4-BE49-F238E27FC236}">
+                <a16:creationId xmlns:a16="http://schemas.microsoft.com/office/drawing/2014/main" id="{4C74D120-F23C-FC4D-B70A-34C513B1BF55}"/>
+              </a:ext>
+            </a:extLst>
+          </p:cNvPr>
+          <p:cNvSpPr>
+            <a:spLocks noGrp="1"/>
+          </p:cNvSpPr>
+          <p:nvPr>
+            <p:ph idx="1"/>
+          </p:nvPr>
+        </p:nvSpPr>
+        <p:spPr/>
+        <p:txBody>
+          <a:bodyPr/>
+          <a:lstStyle/>
+          <a:p>
+            <a:r>
+              <a:rPr kumimoji="1" lang="en-US" altLang="ko-Kore-KR" dirty="0"/>
+              <a:t>Scheduli</a:t>
+            </a:r>
+            <a:r>
+              <a:rPr lang="en-US" altLang="ko-Kore-KR" dirty="0"/>
+              <a:t>ng</a:t>
+            </a:r>
+          </a:p>
+          <a:p>
+            <a:pPr lvl="1"/>
+            <a:r>
+              <a:rPr kumimoji="1" lang="en-US" altLang="ko-Kore-KR" dirty="0"/>
+              <a:t>Problem of Convoy</a:t>
+            </a:r>
+          </a:p>
+          <a:p>
+            <a:pPr lvl="1"/>
+            <a:endParaRPr lang="en-US" altLang="ko-Kore-KR" dirty="0"/>
+          </a:p>
+          <a:p>
+            <a:pPr lvl="1"/>
+            <a:endParaRPr lang="en-US" altLang="ko-Kore-KR" dirty="0"/>
+          </a:p>
+          <a:p>
+            <a:pPr lvl="1"/>
+            <a:endParaRPr lang="en-US" altLang="ko-Kore-KR" dirty="0"/>
+          </a:p>
+          <a:p>
+            <a:pPr lvl="1"/>
+            <a:endParaRPr lang="en-US" altLang="ko-Kore-KR" dirty="0"/>
+          </a:p>
+          <a:p>
+            <a:r>
+              <a:rPr lang="en-US" altLang="ko-Kore-KR" dirty="0"/>
+              <a:t>Solution</a:t>
+            </a:r>
+          </a:p>
+          <a:p>
+            <a:pPr marL="914400" lvl="1" indent="-457200">
+              <a:buFont typeface="+mj-lt"/>
+              <a:buAutoNum type="arabicPeriod"/>
+            </a:pPr>
+            <a:r>
+              <a:rPr lang="en" altLang="ko-Kore-KR" dirty="0"/>
+              <a:t>Do not schedule hotspot locks on a FIFO basis </a:t>
+            </a:r>
+          </a:p>
+          <a:p>
+            <a:pPr marL="914400" lvl="1" indent="-457200">
+              <a:buFont typeface="+mj-lt"/>
+              <a:buAutoNum type="arabicPeriod"/>
+            </a:pPr>
+            <a:r>
+              <a:rPr lang="en" altLang="ko-Kore-KR" dirty="0"/>
+              <a:t>Spin (busy wait) on a lock for a few hundred instructions</a:t>
+            </a:r>
+            <a:endParaRPr lang="en-US" altLang="ko-Kore-KR" dirty="0"/>
+          </a:p>
+          <a:p>
+            <a:pPr marL="914400" lvl="1" indent="-457200">
+              <a:buFont typeface="+mj-lt"/>
+              <a:buAutoNum type="arabicPeriod"/>
+            </a:pPr>
+            <a:r>
+              <a:rPr lang="en" altLang="ko-Kore-KR" dirty="0"/>
+              <a:t>Do not allow processes holding hotspot locks to be preempted </a:t>
+            </a:r>
+          </a:p>
+          <a:p>
+            <a:pPr marL="914400" lvl="1" indent="-457200">
+              <a:buFont typeface="+mj-lt"/>
+              <a:buAutoNum type="arabicPeriod"/>
+            </a:pPr>
+            <a:endParaRPr lang="en-US" altLang="ko-Kore-KR" dirty="0"/>
+          </a:p>
+          <a:p>
+            <a:endParaRPr kumimoji="1" lang="en-US" altLang="ko-Kore-KR" dirty="0"/>
+          </a:p>
+        </p:txBody>
+      </p:sp>
+      <p:pic>
+        <p:nvPicPr>
+          <p:cNvPr id="4" name="그림 3">
+            <a:extLst>
+              <a:ext uri="{FF2B5EF4-FFF2-40B4-BE49-F238E27FC236}">
+                <a16:creationId xmlns:a16="http://schemas.microsoft.com/office/drawing/2014/main" id="{7EF27792-8F1E-FB4F-A91B-1A3CC017EDD6}"/>
+              </a:ext>
+            </a:extLst>
+          </p:cNvPr>
+          <p:cNvPicPr>
+            <a:picLocks noChangeAspect="1"/>
+          </p:cNvPicPr>
+          <p:nvPr/>
+        </p:nvPicPr>
+        <p:blipFill>
+          <a:blip r:embed="rId2"/>
+          <a:stretch>
+            <a:fillRect/>
+          </a:stretch>
+        </p:blipFill>
+        <p:spPr>
+          <a:xfrm>
+            <a:off x="2366126" y="2255166"/>
+            <a:ext cx="3815041" cy="1328289"/>
+          </a:xfrm>
+          <a:prstGeom prst="rect">
+            <a:avLst/>
+          </a:prstGeom>
+        </p:spPr>
+      </p:pic>
+    </p:spTree>
+    <p:extLst>
+      <p:ext uri="{BB962C8B-B14F-4D97-AF65-F5344CB8AC3E}">
+        <p14:creationId xmlns:p14="http://schemas.microsoft.com/office/powerpoint/2010/main" val="1888247876"/>
+      </p:ext>
+    </p:extLst>
+  </p:cSld>
+  <p:clrMapOvr>
+    <a:masterClrMapping/>
+  </p:clrMapOvr>
+</p:sld>
+</file>
+
+<file path=ppt/slides/slide32.xml><?xml version="1.0" encoding="utf-8"?>
+<p:sld xmlns:a="http://schemas.openxmlformats.org/drawingml/2006/main" xmlns:r="http://schemas.openxmlformats.org/officeDocument/2006/relationships" xmlns:p="http://schemas.openxmlformats.org/presentationml/2006/main">
+  <p:cSld>
+    <p:spTree>
+      <p:nvGrpSpPr>
+        <p:cNvPr id="1" name=""/>
+        <p:cNvGrpSpPr/>
+        <p:nvPr/>
+      </p:nvGrpSpPr>
+      <p:grpSpPr>
+        <a:xfrm>
+          <a:off x="0" y="0"/>
+          <a:ext cx="0" cy="0"/>
+          <a:chOff x="0" y="0"/>
+          <a:chExt cx="0" cy="0"/>
+        </a:xfrm>
+      </p:grpSpPr>
+      <p:sp>
+        <p:nvSpPr>
+          <p:cNvPr id="2" name="제목 1">
+            <a:extLst>
+              <a:ext uri="{FF2B5EF4-FFF2-40B4-BE49-F238E27FC236}">
+                <a16:creationId xmlns:a16="http://schemas.microsoft.com/office/drawing/2014/main" id="{7C4C75CF-2301-4A4A-95C5-3B4BEF61E560}"/>
+              </a:ext>
+            </a:extLst>
+          </p:cNvPr>
+          <p:cNvSpPr>
+            <a:spLocks noGrp="1"/>
+          </p:cNvSpPr>
+          <p:nvPr>
+            <p:ph type="title"/>
+          </p:nvPr>
+        </p:nvSpPr>
+        <p:spPr/>
+        <p:txBody>
+          <a:bodyPr/>
+          <a:lstStyle/>
+          <a:p>
+            <a:r>
+              <a:rPr kumimoji="1" lang="en-US" altLang="ko-Kore-KR" dirty="0"/>
+              <a:t>Deadlock</a:t>
+            </a:r>
+            <a:endParaRPr kumimoji="1" lang="ko-Kore-KR" altLang="en-US" dirty="0"/>
+          </a:p>
+        </p:txBody>
+      </p:sp>
+      <p:sp>
+        <p:nvSpPr>
+          <p:cNvPr id="3" name="내용 개체 틀 2">
+            <a:extLst>
+              <a:ext uri="{FF2B5EF4-FFF2-40B4-BE49-F238E27FC236}">
+                <a16:creationId xmlns:a16="http://schemas.microsoft.com/office/drawing/2014/main" id="{F76CD138-8CB2-1D40-8ECD-8E8773D4E440}"/>
+              </a:ext>
+            </a:extLst>
+          </p:cNvPr>
+          <p:cNvSpPr>
+            <a:spLocks noGrp="1"/>
+          </p:cNvSpPr>
+          <p:nvPr>
+            <p:ph idx="1"/>
+          </p:nvPr>
+        </p:nvSpPr>
+        <p:spPr/>
+        <p:txBody>
+          <a:bodyPr/>
+          <a:lstStyle/>
+          <a:p>
+            <a:r>
+              <a:rPr kumimoji="1" lang="en-US" altLang="ko-Kore-KR" dirty="0"/>
+              <a:t>Deadlock Avoidance</a:t>
+            </a:r>
+          </a:p>
+          <a:p>
+            <a:pPr lvl="1"/>
+            <a:r>
+              <a:rPr lang="en-US" altLang="ko-Kore-KR" dirty="0"/>
+              <a:t>Linearly order the resources and acquire them only in that order</a:t>
+            </a:r>
+            <a:br>
+              <a:rPr lang="en-US" altLang="ko-Kore-KR" dirty="0"/>
+            </a:br>
+            <a:r>
+              <a:rPr lang="en-US" altLang="ko-Kore-KR" dirty="0"/>
+              <a:t>(deadlock requires a waits-for cycle)</a:t>
+            </a:r>
+          </a:p>
+          <a:p>
+            <a:endParaRPr lang="en-US" altLang="ko-Kore-KR" dirty="0"/>
+          </a:p>
+          <a:p>
+            <a:r>
+              <a:rPr lang="en-US" altLang="ko-Kore-KR" dirty="0"/>
+              <a:t>Deadlock Detect</a:t>
+            </a:r>
+          </a:p>
+          <a:p>
+            <a:pPr lvl="1"/>
+            <a:r>
+              <a:rPr lang="en-US" altLang="ko-Kore-KR" dirty="0"/>
+              <a:t>Timeout</a:t>
+            </a:r>
+          </a:p>
+        </p:txBody>
+      </p:sp>
+    </p:spTree>
+    <p:extLst>
+      <p:ext uri="{BB962C8B-B14F-4D97-AF65-F5344CB8AC3E}">
+        <p14:creationId xmlns:p14="http://schemas.microsoft.com/office/powerpoint/2010/main" val="3683963458"/>
+      </p:ext>
+    </p:extLst>
+  </p:cSld>
+  <p:clrMapOvr>
+    <a:masterClrMapping/>
+  </p:clrMapOvr>
+</p:sld>
+</file>
+
+<file path=ppt/slides/slide33.xml><?xml version="1.0" encoding="utf-8"?>
+<p:sld xmlns:a="http://schemas.openxmlformats.org/drawingml/2006/main" xmlns:r="http://schemas.openxmlformats.org/officeDocument/2006/relationships" xmlns:p="http://schemas.openxmlformats.org/presentationml/2006/main">
+  <p:cSld>
+    <p:spTree>
+      <p:nvGrpSpPr>
+        <p:cNvPr id="1" name=""/>
+        <p:cNvGrpSpPr/>
+        <p:nvPr/>
+      </p:nvGrpSpPr>
+      <p:grpSpPr>
+        <a:xfrm>
+          <a:off x="0" y="0"/>
+          <a:ext cx="0" cy="0"/>
+          <a:chOff x="0" y="0"/>
+          <a:chExt cx="0" cy="0"/>
+        </a:xfrm>
+      </p:grpSpPr>
+      <p:sp>
+        <p:nvSpPr>
+          <p:cNvPr id="2" name="제목 1">
+            <a:extLst>
+              <a:ext uri="{FF2B5EF4-FFF2-40B4-BE49-F238E27FC236}">
+                <a16:creationId xmlns:a16="http://schemas.microsoft.com/office/drawing/2014/main" id="{888E012C-0D0A-5244-B372-3B78AB0F1769}"/>
+              </a:ext>
+            </a:extLst>
+          </p:cNvPr>
+          <p:cNvSpPr>
+            <a:spLocks noGrp="1"/>
+          </p:cNvSpPr>
+          <p:nvPr>
+            <p:ph type="title"/>
+          </p:nvPr>
+        </p:nvSpPr>
+        <p:spPr/>
+        <p:txBody>
+          <a:bodyPr/>
+          <a:lstStyle/>
+          <a:p>
+            <a:r>
+              <a:rPr kumimoji="1" lang="en-US" altLang="ko-Kore-KR" dirty="0"/>
+              <a:t>Wait-for Graph and Deadlock Detector</a:t>
+            </a:r>
+            <a:endParaRPr kumimoji="1" lang="ko-Kore-KR" altLang="en-US" dirty="0"/>
+          </a:p>
+        </p:txBody>
+      </p:sp>
+      <p:sp>
+        <p:nvSpPr>
+          <p:cNvPr id="3" name="내용 개체 틀 2">
+            <a:extLst>
+              <a:ext uri="{FF2B5EF4-FFF2-40B4-BE49-F238E27FC236}">
+                <a16:creationId xmlns:a16="http://schemas.microsoft.com/office/drawing/2014/main" id="{70AF07B6-E555-9946-A8CD-F8C49B5BC52D}"/>
+              </a:ext>
+            </a:extLst>
+          </p:cNvPr>
+          <p:cNvSpPr>
+            <a:spLocks noGrp="1"/>
+          </p:cNvSpPr>
+          <p:nvPr>
+            <p:ph idx="1"/>
+          </p:nvPr>
+        </p:nvSpPr>
+        <p:spPr/>
+        <p:txBody>
+          <a:bodyPr/>
+          <a:lstStyle/>
+          <a:p>
+            <a:r>
+              <a:rPr kumimoji="1" lang="en-US" altLang="ko-Kore-KR" dirty="0"/>
+              <a:t>Wait-for graph</a:t>
+            </a:r>
+          </a:p>
+          <a:p>
+            <a:pPr lvl="1"/>
+            <a:r>
+              <a:rPr lang="en-US" altLang="ko-Kore-KR" dirty="0"/>
+              <a:t>T is waiting for a resource held by T`, or</a:t>
+            </a:r>
+          </a:p>
+          <a:p>
+            <a:pPr lvl="1"/>
+            <a:r>
+              <a:rPr kumimoji="1" lang="en-US" altLang="ko-Kore-KR" dirty="0"/>
+              <a:t>T will ev</a:t>
+            </a:r>
+            <a:r>
+              <a:rPr lang="en-US" altLang="ko-Kore-KR" dirty="0"/>
+              <a:t>entually wait for a resource to be granted to T`</a:t>
+            </a:r>
+          </a:p>
+          <a:p>
+            <a:r>
+              <a:rPr lang="en-US" altLang="ko-Kore-KR" dirty="0"/>
+              <a:t>A cycle in the wait-for graph is </a:t>
+            </a:r>
+            <a:r>
+              <a:rPr lang="en-US" altLang="ko-Kore-KR" i="1" dirty="0"/>
+              <a:t>deadlock</a:t>
+            </a:r>
+          </a:p>
+          <a:p>
+            <a:r>
+              <a:rPr lang="en-US" altLang="ko-Kore-KR" dirty="0"/>
+              <a:t>Waiting list and Granted list are used to build wait-for graph</a:t>
+            </a:r>
+          </a:p>
+          <a:p>
+            <a:pPr lvl="1"/>
+            <a:r>
+              <a:rPr lang="en" altLang="ko-Kore-KR" i="1" dirty="0"/>
+              <a:t>T' </a:t>
+            </a:r>
+            <a:r>
+              <a:rPr lang="en" altLang="ko-Kore-KR" dirty="0"/>
+              <a:t>is in the granted list or is ahead of </a:t>
+            </a:r>
+            <a:r>
+              <a:rPr lang="en" altLang="ko-Kore-KR" i="1" dirty="0"/>
+              <a:t>T </a:t>
+            </a:r>
+            <a:r>
+              <a:rPr lang="en" altLang="ko-Kore-KR" dirty="0"/>
+              <a:t>in the wait list, and </a:t>
+            </a:r>
+          </a:p>
+          <a:p>
+            <a:pPr lvl="1"/>
+            <a:r>
+              <a:rPr lang="en" altLang="ko-Kore-KR" dirty="0"/>
+              <a:t>modes </a:t>
+            </a:r>
+            <a:r>
+              <a:rPr lang="en" altLang="ko-Kore-KR" i="1" dirty="0"/>
+              <a:t>m </a:t>
+            </a:r>
+            <a:r>
+              <a:rPr lang="en" altLang="ko-Kore-KR" dirty="0"/>
+              <a:t>and </a:t>
+            </a:r>
+            <a:r>
+              <a:rPr lang="en" altLang="ko-Kore-KR" i="1" dirty="0"/>
+              <a:t>m' </a:t>
+            </a:r>
+            <a:r>
+              <a:rPr lang="en" altLang="ko-Kore-KR" dirty="0"/>
+              <a:t>are incompatible </a:t>
+            </a:r>
+          </a:p>
+          <a:p>
+            <a:pPr lvl="1"/>
+            <a:endParaRPr kumimoji="1" lang="ko-Kore-KR" altLang="en-US" dirty="0"/>
+          </a:p>
+        </p:txBody>
+      </p:sp>
+    </p:spTree>
+    <p:extLst>
+      <p:ext uri="{BB962C8B-B14F-4D97-AF65-F5344CB8AC3E}">
+        <p14:creationId xmlns:p14="http://schemas.microsoft.com/office/powerpoint/2010/main" val="627928081"/>
+      </p:ext>
+    </p:extLst>
+  </p:cSld>
+  <p:clrMapOvr>
+    <a:masterClrMapping/>
+  </p:clrMapOvr>
+</p:sld>
+</file>
+
+<file path=ppt/slides/slide34.xml><?xml version="1.0" encoding="utf-8"?>
+<p:sld xmlns:a="http://schemas.openxmlformats.org/drawingml/2006/main" xmlns:r="http://schemas.openxmlformats.org/officeDocument/2006/relationships" xmlns:p="http://schemas.openxmlformats.org/presentationml/2006/main">
+  <p:cSld>
+    <p:spTree>
+      <p:nvGrpSpPr>
+        <p:cNvPr id="1" name=""/>
+        <p:cNvGrpSpPr/>
+        <p:nvPr/>
+      </p:nvGrpSpPr>
+      <p:grpSpPr>
+        <a:xfrm>
+          <a:off x="0" y="0"/>
+          <a:ext cx="0" cy="0"/>
+          <a:chOff x="0" y="0"/>
+          <a:chExt cx="0" cy="0"/>
+        </a:xfrm>
+      </p:grpSpPr>
+      <p:sp>
+        <p:nvSpPr>
+          <p:cNvPr id="2" name="제목 1">
+            <a:extLst>
+              <a:ext uri="{FF2B5EF4-FFF2-40B4-BE49-F238E27FC236}">
+                <a16:creationId xmlns:a16="http://schemas.microsoft.com/office/drawing/2014/main" id="{BB66FD8A-2548-D148-A82F-242654C8CDDD}"/>
+              </a:ext>
+            </a:extLst>
+          </p:cNvPr>
+          <p:cNvSpPr>
+            <a:spLocks noGrp="1"/>
+          </p:cNvSpPr>
+          <p:nvPr>
+            <p:ph type="title"/>
+          </p:nvPr>
+        </p:nvSpPr>
+        <p:spPr/>
+        <p:txBody>
+          <a:bodyPr/>
+          <a:lstStyle/>
+          <a:p>
+            <a:r>
+              <a:rPr lang="en-US" altLang="ko-Kore-KR" dirty="0"/>
+              <a:t>Exotics</a:t>
+            </a:r>
+            <a:endParaRPr kumimoji="1" lang="ko-Kore-KR" altLang="en-US" dirty="0"/>
+          </a:p>
+        </p:txBody>
+      </p:sp>
+      <p:sp>
+        <p:nvSpPr>
+          <p:cNvPr id="3" name="내용 개체 틀 2">
+            <a:extLst>
+              <a:ext uri="{FF2B5EF4-FFF2-40B4-BE49-F238E27FC236}">
+                <a16:creationId xmlns:a16="http://schemas.microsoft.com/office/drawing/2014/main" id="{90680BDD-97ED-A14A-8228-F740216C105A}"/>
+              </a:ext>
+            </a:extLst>
+          </p:cNvPr>
+          <p:cNvSpPr>
+            <a:spLocks noGrp="1"/>
+          </p:cNvSpPr>
+          <p:nvPr>
+            <p:ph idx="1"/>
+          </p:nvPr>
+        </p:nvSpPr>
+        <p:spPr>
+          <a:xfrm>
+            <a:off x="615801" y="1334080"/>
+            <a:ext cx="8085139" cy="4792084"/>
+          </a:xfrm>
+        </p:spPr>
+        <p:txBody>
+          <a:bodyPr>
+            <a:normAutofit lnSpcReduction="10000"/>
+          </a:bodyPr>
+          <a:lstStyle/>
+          <a:p>
+            <a:r>
+              <a:rPr kumimoji="1" lang="en-US" altLang="ko-Kore-KR" dirty="0"/>
+              <a:t>Field Call</a:t>
+            </a:r>
+          </a:p>
+          <a:p>
+            <a:pPr lvl="1"/>
+            <a:r>
+              <a:rPr kumimoji="1" lang="en-US" altLang="ko-Kore-KR" dirty="0"/>
+              <a:t>A</a:t>
+            </a:r>
+            <a:r>
+              <a:rPr lang="en-US" altLang="ko-Kore-KR" dirty="0"/>
+              <a:t> field call consists of two parts:</a:t>
+            </a:r>
+          </a:p>
+          <a:p>
+            <a:pPr lvl="2"/>
+            <a:r>
+              <a:rPr lang="en" altLang="ko-Kore-KR" dirty="0"/>
+              <a:t>A </a:t>
+            </a:r>
+            <a:r>
+              <a:rPr lang="en" altLang="ko-Kore-KR" i="1" dirty="0"/>
+              <a:t>predicate; </a:t>
+            </a:r>
+            <a:r>
+              <a:rPr lang="en" altLang="ko-Kore-KR" dirty="0"/>
+              <a:t>for example, </a:t>
+            </a:r>
+            <a:r>
+              <a:rPr lang="en" altLang="ko-Kore-KR" dirty="0" err="1"/>
+              <a:t>quantity_on_hand</a:t>
+            </a:r>
+            <a:r>
+              <a:rPr lang="en" altLang="ko-Kore-KR" dirty="0"/>
+              <a:t>&gt; 100 and</a:t>
+            </a:r>
+          </a:p>
+          <a:p>
+            <a:pPr lvl="2"/>
+            <a:r>
+              <a:rPr lang="en" altLang="ko-Kore-KR" dirty="0"/>
+              <a:t>A </a:t>
+            </a:r>
+            <a:r>
+              <a:rPr lang="en" altLang="ko-Kore-KR" i="1" dirty="0"/>
+              <a:t>transform; </a:t>
+            </a:r>
+            <a:r>
+              <a:rPr lang="en" altLang="ko-Kore-KR" dirty="0"/>
+              <a:t>for example, </a:t>
+            </a:r>
+            <a:r>
+              <a:rPr lang="en" altLang="ko-Kore-KR" dirty="0" err="1"/>
+              <a:t>quantity_on_hand</a:t>
+            </a:r>
+            <a:r>
+              <a:rPr lang="en" altLang="ko-Kore-KR" dirty="0"/>
+              <a:t> = </a:t>
+            </a:r>
+            <a:r>
+              <a:rPr lang="en" altLang="ko-Kore-KR" dirty="0" err="1"/>
+              <a:t>quantity_on_hand</a:t>
+            </a:r>
+            <a:r>
+              <a:rPr lang="en" altLang="ko-Kore-KR" dirty="0"/>
+              <a:t> -100</a:t>
+            </a:r>
+          </a:p>
+          <a:p>
+            <a:pPr lvl="2"/>
+            <a:endParaRPr lang="en" altLang="ko-Kore-KR" dirty="0"/>
+          </a:p>
+          <a:p>
+            <a:pPr marL="914400" lvl="1" indent="-457200">
+              <a:buFont typeface="+mj-lt"/>
+              <a:buAutoNum type="arabicPeriod"/>
+            </a:pPr>
+            <a:r>
+              <a:rPr lang="en" altLang="ko-Kore-KR" dirty="0"/>
+              <a:t>If the predicate is true, the predicate and the transform required are recorded in the redo log. Otherwise, the field call aborts.</a:t>
+            </a:r>
+          </a:p>
+          <a:p>
+            <a:pPr marL="914400" lvl="1" indent="-457200">
+              <a:buFont typeface="+mj-lt"/>
+              <a:buAutoNum type="arabicPeriod"/>
+            </a:pPr>
+            <a:r>
+              <a:rPr lang="en" altLang="ko-Kore-KR" dirty="0"/>
+              <a:t>The record locked in the shared mode is immediately unlocked;</a:t>
+            </a:r>
+          </a:p>
+          <a:p>
+            <a:pPr marL="914400" lvl="1" indent="-457200">
+              <a:buFont typeface="+mj-lt"/>
+              <a:buAutoNum type="arabicPeriod"/>
+            </a:pPr>
+            <a:r>
+              <a:rPr lang="en" altLang="ko-Kore-KR" dirty="0"/>
+              <a:t>At commit phase 1, the redo log is examined and the predicate of the transaction is again tested</a:t>
+            </a:r>
+          </a:p>
+          <a:p>
+            <a:pPr marL="1314450" lvl="2" indent="-457200"/>
+            <a:r>
+              <a:rPr lang="en" altLang="ko-Kore-KR" dirty="0"/>
+              <a:t>If the result is false, TX is aborted</a:t>
+            </a:r>
+          </a:p>
+          <a:p>
+            <a:pPr marL="1314450" lvl="2" indent="-457200"/>
+            <a:r>
+              <a:rPr lang="en" altLang="ko-Kore-KR" dirty="0"/>
+              <a:t>Else, shared lock on the predicate record, exclusive lock on the records</a:t>
+            </a:r>
+          </a:p>
+          <a:p>
+            <a:pPr marL="914400" lvl="1" indent="-457200">
+              <a:buFont typeface="+mj-lt"/>
+              <a:buAutoNum type="arabicPeriod"/>
+            </a:pPr>
+            <a:r>
+              <a:rPr lang="en" altLang="ko-Kore-KR" dirty="0"/>
+              <a:t>After all the transforms are performed, all the locks are immediately released </a:t>
+            </a:r>
+          </a:p>
+          <a:p>
+            <a:pPr lvl="2"/>
+            <a:endParaRPr lang="en-US" altLang="ko-Kore-KR" dirty="0"/>
+          </a:p>
+          <a:p>
+            <a:pPr lvl="2"/>
+            <a:endParaRPr kumimoji="1" lang="ko-Kore-KR" altLang="en-US" dirty="0"/>
+          </a:p>
+        </p:txBody>
+      </p:sp>
+    </p:spTree>
+    <p:extLst>
+      <p:ext uri="{BB962C8B-B14F-4D97-AF65-F5344CB8AC3E}">
+        <p14:creationId xmlns:p14="http://schemas.microsoft.com/office/powerpoint/2010/main" val="2452253456"/>
+      </p:ext>
+    </p:extLst>
+  </p:cSld>
+  <p:clrMapOvr>
+    <a:masterClrMapping/>
+  </p:clrMapOvr>
+</p:sld>
+</file>
+
+<file path=ppt/slides/slide35.xml><?xml version="1.0" encoding="utf-8"?>
+<p:sld xmlns:a="http://schemas.openxmlformats.org/drawingml/2006/main" xmlns:r="http://schemas.openxmlformats.org/officeDocument/2006/relationships" xmlns:p="http://schemas.openxmlformats.org/presentationml/2006/main">
+  <p:cSld>
+    <p:spTree>
+      <p:nvGrpSpPr>
+        <p:cNvPr id="1" name=""/>
+        <p:cNvGrpSpPr/>
+        <p:nvPr/>
+      </p:nvGrpSpPr>
+      <p:grpSpPr>
+        <a:xfrm>
+          <a:off x="0" y="0"/>
+          <a:ext cx="0" cy="0"/>
+          <a:chOff x="0" y="0"/>
+          <a:chExt cx="0" cy="0"/>
+        </a:xfrm>
+      </p:grpSpPr>
+      <p:sp>
+        <p:nvSpPr>
+          <p:cNvPr id="2" name="제목 1">
+            <a:extLst>
+              <a:ext uri="{FF2B5EF4-FFF2-40B4-BE49-F238E27FC236}">
+                <a16:creationId xmlns:a16="http://schemas.microsoft.com/office/drawing/2014/main" id="{9C730A23-75E1-D14C-A0A0-8A6085A68F87}"/>
+              </a:ext>
+            </a:extLst>
+          </p:cNvPr>
+          <p:cNvSpPr>
+            <a:spLocks noGrp="1"/>
+          </p:cNvSpPr>
+          <p:nvPr>
+            <p:ph type="title"/>
+          </p:nvPr>
+        </p:nvSpPr>
+        <p:spPr/>
+        <p:txBody>
+          <a:bodyPr/>
+          <a:lstStyle/>
+          <a:p>
+            <a:r>
+              <a:rPr kumimoji="1" lang="en-US" altLang="ko-Kore-KR" dirty="0"/>
+              <a:t>Optimistic and Timestamp Locking</a:t>
+            </a:r>
+            <a:endParaRPr kumimoji="1" lang="ko-Kore-KR" altLang="en-US" dirty="0"/>
+          </a:p>
+        </p:txBody>
+      </p:sp>
+      <p:sp>
+        <p:nvSpPr>
+          <p:cNvPr id="3" name="내용 개체 틀 2">
+            <a:extLst>
+              <a:ext uri="{FF2B5EF4-FFF2-40B4-BE49-F238E27FC236}">
+                <a16:creationId xmlns:a16="http://schemas.microsoft.com/office/drawing/2014/main" id="{9A744654-8D35-4343-A99E-D4C96C6DB857}"/>
+              </a:ext>
+            </a:extLst>
+          </p:cNvPr>
+          <p:cNvSpPr>
+            <a:spLocks noGrp="1"/>
+          </p:cNvSpPr>
+          <p:nvPr>
+            <p:ph idx="1"/>
+          </p:nvPr>
+        </p:nvSpPr>
+        <p:spPr/>
+        <p:txBody>
+          <a:bodyPr/>
+          <a:lstStyle/>
+          <a:p>
+            <a:r>
+              <a:rPr lang="en" altLang="ko-Kore-KR" dirty="0"/>
+              <a:t>Optimistic Locking</a:t>
+            </a:r>
+          </a:p>
+          <a:p>
+            <a:pPr lvl="1"/>
+            <a:r>
+              <a:rPr lang="en" altLang="ko-Kore-KR" dirty="0"/>
+              <a:t>The </a:t>
+            </a:r>
+            <a:r>
+              <a:rPr lang="en" altLang="ko-Kore-KR" i="1" dirty="0"/>
+              <a:t>predicate </a:t>
+            </a:r>
+            <a:r>
+              <a:rPr lang="en" altLang="ko-Kore-KR" dirty="0"/>
+              <a:t>is {field = old-value}.</a:t>
+            </a:r>
+          </a:p>
+          <a:p>
+            <a:pPr lvl="1"/>
+            <a:r>
+              <a:rPr lang="en" altLang="ko-Kore-KR" dirty="0"/>
+              <a:t>The </a:t>
+            </a:r>
+            <a:r>
+              <a:rPr lang="en" altLang="ko-Kore-KR" i="1" dirty="0"/>
+              <a:t>transform </a:t>
+            </a:r>
+            <a:r>
+              <a:rPr lang="en" altLang="ko-Kore-KR" dirty="0"/>
+              <a:t>is {field =new-value}. </a:t>
+            </a:r>
+          </a:p>
+          <a:p>
+            <a:endParaRPr kumimoji="1" lang="en-US" altLang="ko-Kore-KR" dirty="0"/>
+          </a:p>
+          <a:p>
+            <a:r>
+              <a:rPr lang="en-US" altLang="ko-Kore-KR" dirty="0"/>
+              <a:t>Timestamp Locking</a:t>
+            </a:r>
+          </a:p>
+          <a:p>
+            <a:pPr lvl="1"/>
+            <a:r>
+              <a:rPr kumimoji="1" lang="en-US" altLang="ko-Kore-KR" dirty="0"/>
+              <a:t>Add timestamp field that is read as part of the predicate check</a:t>
+            </a:r>
+            <a:endParaRPr kumimoji="1" lang="ko-Kore-KR" altLang="en-US" dirty="0"/>
+          </a:p>
+        </p:txBody>
+      </p:sp>
+    </p:spTree>
+    <p:extLst>
+      <p:ext uri="{BB962C8B-B14F-4D97-AF65-F5344CB8AC3E}">
+        <p14:creationId xmlns:p14="http://schemas.microsoft.com/office/powerpoint/2010/main" val="3481283010"/>
+      </p:ext>
+    </p:extLst>
+  </p:cSld>
+  <p:clrMapOvr>
+    <a:masterClrMapping/>
+  </p:clrMapOvr>
 </p:sld>
 </file>
 
@@ -5154,7 +8019,7 @@
         <p:spPr/>
         <p:txBody>
           <a:bodyPr>
-            <a:normAutofit fontScale="85000" lnSpcReduction="10000"/>
+            <a:normAutofit fontScale="70000" lnSpcReduction="20000"/>
           </a:bodyPr>
           <a:lstStyle/>
           <a:p>
@@ -5162,12 +8027,8 @@
               <a:buNone/>
             </a:pPr>
             <a:r>
-              <a:rPr lang="en-US" b="1" dirty="0"/>
-              <a:t>First Law of Concurrency </a:t>
-            </a:r>
-            <a:r>
-              <a:rPr lang="en-US" b="1" dirty="0" smtClean="0"/>
-              <a:t>Control</a:t>
+              <a:rPr lang="en-US" sz="3200" b="1" dirty="0"/>
+              <a:t>First Law of Concurrency Control</a:t>
             </a:r>
           </a:p>
           <a:p>
@@ -5176,16 +8037,8 @@
               <a:buChar char="•"/>
             </a:pPr>
             <a:r>
-              <a:rPr lang="en-US" dirty="0" smtClean="0"/>
-              <a:t>Concurrent </a:t>
-            </a:r>
-            <a:r>
-              <a:rPr lang="en-US" dirty="0"/>
-              <a:t>execution should not cause application programs to malfunction</a:t>
-            </a:r>
-            <a:r>
-              <a:rPr lang="en-US" dirty="0" smtClean="0"/>
-              <a:t>.</a:t>
+              <a:rPr lang="en-US" sz="2600" dirty="0"/>
+              <a:t>Concurrent execution should not cause application programs to malfunction.</a:t>
             </a:r>
           </a:p>
           <a:p>
@@ -5194,61 +8047,55 @@
               <a:buChar char="•"/>
             </a:pPr>
             <a:r>
-              <a:rPr lang="en-US" dirty="0" smtClean="0"/>
+              <a:rPr lang="en-US" sz="2600" dirty="0"/>
               <a:t>Each TX looks like running in isolation</a:t>
             </a:r>
           </a:p>
           <a:p>
             <a:pPr>
-              <a:buFontTx/>
-              <a:buChar char="-"/>
+              <a:buFont typeface="Arial" panose="020B0604020202020204" pitchFamily="34" charset="0"/>
+              <a:buChar char="•"/>
             </a:pPr>
-            <a:endParaRPr lang="en-US" b="1" dirty="0" smtClean="0"/>
+            <a:endParaRPr lang="en-US" sz="600" dirty="0"/>
           </a:p>
           <a:p>
             <a:pPr marL="0" indent="0">
               <a:buNone/>
             </a:pPr>
             <a:r>
-              <a:rPr lang="en-US" b="1" dirty="0"/>
-              <a:t>Second Law of Concurrency </a:t>
-            </a:r>
-            <a:r>
-              <a:rPr lang="en-US" b="1" dirty="0" smtClean="0"/>
-              <a:t>Control</a:t>
-            </a:r>
-            <a:endParaRPr lang="en-US" b="1" dirty="0"/>
+              <a:rPr lang="en-US" sz="3200" b="1" dirty="0"/>
+              <a:t>Second Law of Concurrency Control</a:t>
+            </a:r>
+          </a:p>
+          <a:p>
+            <a:r>
+              <a:rPr lang="en-US" sz="2600" dirty="0"/>
+              <a:t>Concurrent execution should not have lower throughput or much higher response times than serial execution.</a:t>
+            </a:r>
+          </a:p>
+          <a:p>
+            <a:r>
+              <a:rPr lang="en-US" sz="2600" dirty="0"/>
+              <a:t>The second law favors simple algorithm</a:t>
+            </a:r>
+          </a:p>
+          <a:p>
+            <a:endParaRPr lang="en-US" sz="600" dirty="0"/>
+          </a:p>
+          <a:p>
+            <a:pPr marL="0" indent="0">
+              <a:buNone/>
+            </a:pPr>
+            <a:r>
+              <a:rPr lang="en-US" sz="3200" b="1" dirty="0"/>
+              <a:t>Contribution of Transaction systems </a:t>
+            </a:r>
           </a:p>
           <a:p>
             <a:r>
               <a:rPr lang="en-US" dirty="0"/>
-              <a:t>Concurrent execution should not have lower throughput or much higher </a:t>
-            </a:r>
-            <a:r>
-              <a:rPr lang="en-US" dirty="0" smtClean="0"/>
-              <a:t>response times </a:t>
-            </a:r>
-            <a:r>
-              <a:rPr lang="en-US" dirty="0"/>
-              <a:t>than serial execution</a:t>
-            </a:r>
-            <a:r>
-              <a:rPr lang="en-US" dirty="0" smtClean="0"/>
-              <a:t>.</a:t>
-            </a:r>
-          </a:p>
-          <a:p>
-            <a:r>
-              <a:rPr lang="en-US" dirty="0" smtClean="0"/>
-              <a:t>The second law favors simple algorithm</a:t>
-            </a:r>
-          </a:p>
-          <a:p>
-            <a:r>
-              <a:rPr lang="en-US" dirty="0" smtClean="0"/>
-              <a:t>Transaction systems provide automatic locking and locking algorithm</a:t>
-            </a:r>
-            <a:endParaRPr lang="en-US" dirty="0"/>
+              <a:t>Automatic locking and locking algorithm with undo/redo</a:t>
+            </a:r>
           </a:p>
         </p:txBody>
       </p:sp>
@@ -5262,13 +8109,6 @@
   <p:clrMapOvr>
     <a:masterClrMapping/>
   </p:clrMapOvr>
-  <p:timing>
-    <p:tnLst>
-      <p:par>
-        <p:cTn id="1" dur="indefinite" restart="never" nodeType="tmRoot"/>
-      </p:par>
-    </p:tnLst>
-  </p:timing>
 </p:sld>
 </file>
 
@@ -5305,62 +8145,53 @@
           <a:lstStyle/>
           <a:p>
             <a:r>
-              <a:rPr lang="en-US" dirty="0" smtClean="0"/>
+              <a:rPr lang="en-US" dirty="0"/>
               <a:t>The Dependency Model of Isolation</a:t>
             </a:r>
+          </a:p>
+        </p:txBody>
+      </p:sp>
+      <p:sp>
+        <p:nvSpPr>
+          <p:cNvPr id="3" name="내용 개체 틀 2"/>
+          <p:cNvSpPr>
+            <a:spLocks noGrp="1"/>
+          </p:cNvSpPr>
+          <p:nvPr>
+            <p:ph idx="1"/>
+          </p:nvPr>
+        </p:nvSpPr>
+        <p:spPr/>
+        <p:txBody>
+          <a:bodyPr/>
+          <a:lstStyle/>
+          <a:p>
+            <a:r>
+              <a:rPr lang="en-US" dirty="0"/>
+              <a:t>The simplest way to understand isolation results</a:t>
+            </a:r>
+          </a:p>
+          <a:p>
+            <a:pPr lvl="1"/>
+            <a:r>
+              <a:rPr lang="en-US" dirty="0"/>
+              <a:t>A transaction is a sequence of read and write actions on objects</a:t>
+            </a:r>
+          </a:p>
+          <a:p>
+            <a:r>
+              <a:rPr lang="en-US" dirty="0"/>
+              <a:t>Only write-related interactions between two concurrent transactions can create inconsistency</a:t>
+            </a:r>
+          </a:p>
+          <a:p>
+            <a:r>
+              <a:rPr lang="en-US" dirty="0"/>
+              <a:t>No concurrency anomalies when</a:t>
+            </a:r>
+          </a:p>
+          <a:p>
             <a:endParaRPr lang="en-US" dirty="0"/>
-          </a:p>
-        </p:txBody>
-      </p:sp>
-      <p:sp>
-        <p:nvSpPr>
-          <p:cNvPr id="3" name="내용 개체 틀 2"/>
-          <p:cNvSpPr>
-            <a:spLocks noGrp="1"/>
-          </p:cNvSpPr>
-          <p:nvPr>
-            <p:ph idx="1"/>
-          </p:nvPr>
-        </p:nvSpPr>
-        <p:spPr/>
-        <p:txBody>
-          <a:bodyPr/>
-          <a:lstStyle/>
-          <a:p>
-            <a:r>
-              <a:rPr lang="en-US" dirty="0" smtClean="0"/>
-              <a:t>The simplest way to understand isolation results</a:t>
-            </a:r>
-          </a:p>
-          <a:p>
-            <a:pPr lvl="1"/>
-            <a:r>
-              <a:rPr lang="en-US" dirty="0" smtClean="0"/>
-              <a:t>A transaction is a sequence of read and write actions on objects</a:t>
-            </a:r>
-          </a:p>
-          <a:p>
-            <a:r>
-              <a:rPr lang="en-US" dirty="0" smtClean="0"/>
-              <a:t>Only write-related </a:t>
-            </a:r>
-            <a:r>
-              <a:rPr lang="en-US" dirty="0"/>
-              <a:t>interactions between two concurrent transactions can create </a:t>
-            </a:r>
-            <a:r>
-              <a:rPr lang="en-US" dirty="0" smtClean="0"/>
-              <a:t>inconsistency</a:t>
-            </a:r>
-          </a:p>
-          <a:p>
-            <a:r>
-              <a:rPr lang="en-US" dirty="0" smtClean="0"/>
-              <a:t>No concurrency anomalies when</a:t>
-            </a:r>
-          </a:p>
-          <a:p>
-            <a:endParaRPr lang="en-US" dirty="0" smtClean="0"/>
           </a:p>
           <a:p>
             <a:pPr marL="0" indent="0">
@@ -5368,44 +8199,34 @@
             </a:pPr>
             <a:r>
               <a:rPr lang="en-US" sz="1800" dirty="0"/>
-              <a:t>	</a:t>
-            </a:r>
-            <a:r>
-              <a:rPr lang="en-US" sz="1800" dirty="0" smtClean="0"/>
-              <a:t>		( </a:t>
-            </a:r>
-            <a:r>
-              <a:rPr lang="en-US" sz="1800" dirty="0" smtClean="0">
+              <a:t>			( </a:t>
+            </a:r>
+            <a:r>
+              <a:rPr lang="en-US" sz="1800" dirty="0">
                 <a:latin typeface="Consolas" panose="020B0609020204030204" pitchFamily="49" charset="0"/>
               </a:rPr>
               <a:t>O</a:t>
             </a:r>
             <a:r>
-              <a:rPr lang="en-US" sz="1800" baseline="-25000" dirty="0" smtClean="0">
+              <a:rPr lang="en-US" sz="1800" baseline="-25000" dirty="0">
                 <a:latin typeface="Consolas" panose="020B0609020204030204" pitchFamily="49" charset="0"/>
               </a:rPr>
               <a:t>i</a:t>
             </a:r>
             <a:r>
-              <a:rPr lang="en-US" sz="1800" dirty="0" smtClean="0">
-                <a:latin typeface="Consolas" panose="020B0609020204030204" pitchFamily="49" charset="0"/>
-              </a:rPr>
-              <a:t> </a:t>
-            </a:r>
-            <a:r>
               <a:rPr lang="en-US" sz="1800" dirty="0">
                 <a:latin typeface="Consolas" panose="020B0609020204030204" pitchFamily="49" charset="0"/>
               </a:rPr>
-              <a:t>: a set of objects written by </a:t>
-            </a:r>
-            <a:r>
-              <a:rPr lang="en-US" sz="1800" dirty="0" err="1" smtClean="0">
+              <a:t> : a set of objects written by </a:t>
+            </a:r>
+            <a:r>
+              <a:rPr lang="en-US" sz="1800" dirty="0" err="1">
                 <a:latin typeface="Consolas" panose="020B0609020204030204" pitchFamily="49" charset="0"/>
               </a:rPr>
               <a:t>T</a:t>
             </a:r>
             <a:r>
-              <a:rPr lang="en-US" sz="1800" baseline="-25000" dirty="0" err="1" smtClean="0">
+              <a:rPr lang="en-US" sz="1800" baseline="-25000" dirty="0" err="1">
                 <a:latin typeface="Consolas" panose="020B0609020204030204" pitchFamily="49" charset="0"/>
               </a:rPr>
               <a:t>i</a:t>
@@ -5419,50 +8240,41 @@
               <a:buNone/>
             </a:pPr>
             <a:r>
-              <a:rPr lang="en-US" sz="1800" dirty="0" smtClean="0">
+              <a:rPr lang="en-US" sz="1800" dirty="0">
                 <a:latin typeface="Consolas" panose="020B0609020204030204" pitchFamily="49" charset="0"/>
               </a:rPr>
               <a:t>	 	 	 I</a:t>
             </a:r>
             <a:r>
-              <a:rPr lang="en-US" sz="1800" baseline="-25000" dirty="0" smtClean="0">
+              <a:rPr lang="en-US" sz="1800" baseline="-25000" dirty="0">
                 <a:latin typeface="Consolas" panose="020B0609020204030204" pitchFamily="49" charset="0"/>
               </a:rPr>
               <a:t>i</a:t>
             </a:r>
             <a:r>
-              <a:rPr lang="en-US" sz="1800" dirty="0" smtClean="0">
-                <a:latin typeface="Consolas" panose="020B0609020204030204" pitchFamily="49" charset="0"/>
-              </a:rPr>
-              <a:t> </a:t>
-            </a:r>
-            <a:r>
               <a:rPr lang="en-US" sz="1800" dirty="0">
                 <a:latin typeface="Consolas" panose="020B0609020204030204" pitchFamily="49" charset="0"/>
               </a:rPr>
-              <a:t>: a set of objects read by </a:t>
-            </a:r>
-            <a:r>
-              <a:rPr lang="en-US" sz="1800" dirty="0" err="1" smtClean="0">
+              <a:t> : a set of objects read by </a:t>
+            </a:r>
+            <a:r>
+              <a:rPr lang="en-US" sz="1800" dirty="0" err="1">
                 <a:latin typeface="Consolas" panose="020B0609020204030204" pitchFamily="49" charset="0"/>
               </a:rPr>
               <a:t>T</a:t>
             </a:r>
             <a:r>
-              <a:rPr lang="en-US" sz="1800" baseline="-25000" dirty="0" err="1" smtClean="0">
+              <a:rPr lang="en-US" sz="1800" baseline="-25000" dirty="0" err="1">
                 <a:latin typeface="Consolas" panose="020B0609020204030204" pitchFamily="49" charset="0"/>
               </a:rPr>
               <a:t>i</a:t>
             </a:r>
             <a:r>
-              <a:rPr lang="en-US" sz="1800" dirty="0" smtClean="0">
+              <a:rPr lang="en-US" sz="1800" dirty="0">
                 <a:latin typeface="Consolas" panose="020B0609020204030204" pitchFamily="49" charset="0"/>
               </a:rPr>
               <a:t>)</a:t>
             </a:r>
-            <a:endParaRPr lang="en-US" sz="1800" dirty="0">
-              <a:latin typeface="Consolas" panose="020B0609020204030204" pitchFamily="49" charset="0"/>
-            </a:endParaRPr>
           </a:p>
           <a:p>
             <a:pPr marL="0" indent="0">
@@ -5506,13 +8318,6 @@
   <p:clrMapOvr>
     <a:masterClrMapping/>
   </p:clrMapOvr>
-  <p:timing>
-    <p:tnLst>
-      <p:par>
-        <p:cTn id="1" dur="indefinite" restart="never" nodeType="tmRoot"/>
-      </p:par>
-    </p:tnLst>
-  </p:timing>
 </p:sld>
 </file>
 
@@ -5550,82 +8355,80 @@
           <a:p>
             <a:r>
               <a:rPr lang="en-US" dirty="0"/>
-              <a:t>Static </a:t>
-            </a:r>
-            <a:r>
-              <a:rPr lang="en-US" dirty="0" smtClean="0"/>
-              <a:t>vs. </a:t>
-            </a:r>
+              <a:t>Static vs. Dynamic Allocation</a:t>
+            </a:r>
+          </a:p>
+        </p:txBody>
+      </p:sp>
+      <p:sp>
+        <p:nvSpPr>
+          <p:cNvPr id="3" name="내용 개체 틀 2"/>
+          <p:cNvSpPr>
+            <a:spLocks noGrp="1"/>
+          </p:cNvSpPr>
+          <p:nvPr>
+            <p:ph idx="1"/>
+          </p:nvPr>
+        </p:nvSpPr>
+        <p:spPr/>
+        <p:txBody>
+          <a:bodyPr/>
+          <a:lstStyle/>
+          <a:p>
+            <a:r>
+              <a:rPr lang="en-US" b="1" dirty="0"/>
+              <a:t>Static allocation</a:t>
+            </a:r>
+          </a:p>
+          <a:p>
+            <a:pPr lvl="1"/>
             <a:r>
               <a:rPr lang="en-US" dirty="0"/>
-              <a:t>Dynamic Allocation</a:t>
-            </a:r>
+              <a:t>Each TX declare its </a:t>
+            </a:r>
+            <a:r>
+              <a:rPr lang="en-US" b="1" dirty="0"/>
+              <a:t>Input-Output set</a:t>
+            </a:r>
+          </a:p>
+          <a:p>
+            <a:pPr lvl="1"/>
+            <a:r>
+              <a:rPr lang="en-US" dirty="0"/>
+              <a:t>TX scheduler do computation to find conflicts</a:t>
+            </a:r>
+          </a:p>
+          <a:p>
+            <a:pPr lvl="1"/>
+            <a:r>
+              <a:rPr lang="en-US" dirty="0"/>
+              <a:t>However, it is difficult to compute the inputs and outputs of a TX before it runs</a:t>
+            </a:r>
+          </a:p>
+          <a:p>
             <a:endParaRPr lang="en-US" dirty="0"/>
           </a:p>
-        </p:txBody>
-      </p:sp>
-      <p:sp>
-        <p:nvSpPr>
-          <p:cNvPr id="3" name="내용 개체 틀 2"/>
-          <p:cNvSpPr>
-            <a:spLocks noGrp="1"/>
-          </p:cNvSpPr>
-          <p:nvPr>
-            <p:ph idx="1"/>
-          </p:nvPr>
-        </p:nvSpPr>
-        <p:spPr/>
-        <p:txBody>
-          <a:bodyPr/>
-          <a:lstStyle/>
-          <a:p>
-            <a:r>
-              <a:rPr lang="en-US" b="1" dirty="0" smtClean="0"/>
-              <a:t>Static allocation</a:t>
-            </a:r>
-          </a:p>
-          <a:p>
-            <a:pPr lvl="1"/>
-            <a:r>
-              <a:rPr lang="en-US" dirty="0" smtClean="0"/>
-              <a:t>Each TX declare its Input-Output set</a:t>
-            </a:r>
-            <a:endParaRPr lang="en-US" dirty="0"/>
-          </a:p>
-          <a:p>
-            <a:pPr lvl="1"/>
-            <a:r>
-              <a:rPr lang="en-US" dirty="0" smtClean="0"/>
-              <a:t>TX scheduler do computation to find conflicts</a:t>
-            </a:r>
-          </a:p>
-          <a:p>
-            <a:pPr lvl="1"/>
-            <a:r>
-              <a:rPr lang="en-US" dirty="0" smtClean="0"/>
-              <a:t>However, it is difficult to compute the inputs and outputs of a TX before it runs</a:t>
-            </a:r>
-          </a:p>
-          <a:p>
-            <a:endParaRPr lang="en-US" dirty="0" smtClean="0"/>
-          </a:p>
-          <a:p>
-            <a:r>
-              <a:rPr lang="en-US" b="1" dirty="0" smtClean="0"/>
+          <a:p>
+            <a:r>
+              <a:rPr lang="en-US" b="1" dirty="0"/>
               <a:t>Dynamic allocation</a:t>
             </a:r>
           </a:p>
           <a:p>
             <a:pPr lvl="1"/>
             <a:r>
-              <a:rPr lang="en-US" dirty="0" smtClean="0"/>
-              <a:t>Each TX is viewed as a sequence of actions</a:t>
-            </a:r>
-          </a:p>
-          <a:p>
-            <a:pPr lvl="1"/>
-            <a:r>
-              <a:rPr lang="en-US" dirty="0" smtClean="0"/>
+              <a:rPr lang="en-US" dirty="0"/>
+              <a:t>Each TX is viewed as a </a:t>
+            </a:r>
+            <a:r>
+              <a:rPr lang="en-US" b="1" dirty="0"/>
+              <a:t>sequence of actions</a:t>
+            </a:r>
+          </a:p>
+          <a:p>
+            <a:pPr lvl="1"/>
+            <a:r>
+              <a:rPr lang="en-US" dirty="0"/>
               <a:t>Objects are dynamically allocated to the TX</a:t>
             </a:r>
           </a:p>
@@ -5641,13 +8444,6 @@
   <p:clrMapOvr>
     <a:masterClrMapping/>
   </p:clrMapOvr>
-  <p:timing>
-    <p:tnLst>
-      <p:par>
-        <p:cTn id="1" dur="indefinite" restart="never" nodeType="tmRoot"/>
-      </p:par>
-    </p:tnLst>
-  </p:timing>
 </p:sld>
 </file>
 
@@ -5684,10 +8480,9 @@
           <a:lstStyle/>
           <a:p>
             <a:r>
-              <a:rPr lang="en-US" dirty="0" smtClean="0"/>
+              <a:rPr lang="en-US" dirty="0"/>
               <a:t>Transaction Dependencies</a:t>
             </a:r>
-            <a:endParaRPr lang="en-US" dirty="0"/>
           </a:p>
         </p:txBody>
       </p:sp>
@@ -5709,48 +8504,48 @@
           <a:lstStyle/>
           <a:p>
             <a:r>
-              <a:rPr lang="en-US" sz="2000" dirty="0" smtClean="0"/>
+              <a:rPr lang="en-US" sz="2000" dirty="0"/>
               <a:t>In dynamic allocation model, TXs are sequences of actions</a:t>
             </a:r>
           </a:p>
           <a:p>
             <a:pPr lvl="1"/>
             <a:r>
-              <a:rPr lang="en-US" sz="1800" dirty="0" smtClean="0"/>
+              <a:rPr lang="en-US" sz="1800" dirty="0"/>
               <a:t>Read action</a:t>
             </a:r>
           </a:p>
           <a:p>
             <a:pPr lvl="1"/>
             <a:r>
-              <a:rPr lang="en-US" sz="1800" dirty="0" smtClean="0"/>
+              <a:rPr lang="en-US" sz="1800" dirty="0"/>
               <a:t>Write action</a:t>
             </a:r>
           </a:p>
           <a:p>
             <a:r>
-              <a:rPr lang="en-US" sz="2000" dirty="0" smtClean="0"/>
+              <a:rPr lang="en-US" sz="2000" dirty="0"/>
               <a:t>Objects go through a sequence of </a:t>
             </a:r>
             <a:r>
-              <a:rPr lang="en-US" sz="2000" b="1" i="1" dirty="0" smtClean="0"/>
+              <a:rPr lang="en-US" sz="2000" b="1" i="1" dirty="0"/>
               <a:t>versions</a:t>
             </a:r>
           </a:p>
           <a:p>
             <a:pPr lvl="1"/>
             <a:r>
-              <a:rPr lang="en-US" sz="1800" dirty="0" smtClean="0"/>
+              <a:rPr lang="en-US" sz="1800" dirty="0"/>
               <a:t>Each time an object is written, it gets a new </a:t>
             </a:r>
             <a:r>
-              <a:rPr lang="en-US" sz="1800" i="1" dirty="0" smtClean="0"/>
+              <a:rPr lang="en-US" sz="1800" i="1" dirty="0"/>
               <a:t>version</a:t>
             </a:r>
           </a:p>
           <a:p>
             <a:r>
-              <a:rPr lang="en-US" sz="2200" b="1" dirty="0" smtClean="0"/>
+              <a:rPr lang="en-US" sz="2200" b="1" dirty="0"/>
               <a:t>Three possible execution sequences by two TXs</a:t>
             </a:r>
           </a:p>
@@ -5790,13 +8585,6 @@
   <p:clrMapOvr>
     <a:masterClrMapping/>
   </p:clrMapOvr>
-  <p:timing>
-    <p:tnLst>
-      <p:par>
-        <p:cTn id="1" dur="indefinite" restart="never" nodeType="tmRoot"/>
-      </p:par>
-    </p:tnLst>
-  </p:timing>
 </p:sld>
 </file>
 
@@ -5833,10 +8621,9 @@
           <a:lstStyle/>
           <a:p>
             <a:r>
-              <a:rPr lang="en-US" dirty="0" smtClean="0"/>
+              <a:rPr lang="en-US" dirty="0"/>
               <a:t>Three Bad Dependencies</a:t>
             </a:r>
-            <a:endParaRPr lang="en-US" dirty="0"/>
           </a:p>
         </p:txBody>
       </p:sp>
@@ -5858,28 +8645,28 @@
           <a:lstStyle/>
           <a:p>
             <a:r>
-              <a:rPr lang="en-US" sz="2000" b="1" dirty="0" smtClean="0"/>
+              <a:rPr lang="en-US" sz="2000" b="1" dirty="0"/>
               <a:t>Lost Update</a:t>
             </a:r>
           </a:p>
           <a:p>
             <a:pPr lvl="1"/>
             <a:r>
-              <a:rPr lang="en-US" sz="1800" dirty="0" smtClean="0"/>
+              <a:rPr lang="en-US" sz="1800" dirty="0"/>
               <a:t>READ </a:t>
             </a:r>
             <a:r>
-              <a:rPr lang="en-US" sz="1800" dirty="0" smtClean="0">
+              <a:rPr lang="en-US" sz="1800" dirty="0">
                 <a:sym typeface="Wingdings" panose="05000000000000000000" pitchFamily="2" charset="2"/>
               </a:rPr>
               <a:t></a:t>
             </a:r>
             <a:r>
-              <a:rPr lang="en-US" sz="1800" dirty="0" smtClean="0"/>
+              <a:rPr lang="en-US" sz="1800" dirty="0"/>
               <a:t> WRITE </a:t>
             </a:r>
             <a:r>
-              <a:rPr lang="en-US" sz="1800" dirty="0" smtClean="0">
+              <a:rPr lang="en-US" sz="1800" dirty="0">
                 <a:sym typeface="Wingdings" panose="05000000000000000000" pitchFamily="2" charset="2"/>
               </a:rPr>
               <a:t>WRITE</a:t>
@@ -5888,7 +8675,7 @@
           <a:p>
             <a:pPr lvl="1"/>
             <a:r>
-              <a:rPr lang="en-US" sz="1800" dirty="0" smtClean="0">
+              <a:rPr lang="en-US" sz="1800" dirty="0">
                 <a:sym typeface="Wingdings" panose="05000000000000000000" pitchFamily="2" charset="2"/>
               </a:rPr>
               <a:t>One of updates will be lost</a:t>
@@ -5896,37 +8683,36 @@
           </a:p>
           <a:p>
             <a:r>
-              <a:rPr lang="en-US" sz="2000" b="1" dirty="0" smtClean="0"/>
+              <a:rPr lang="en-US" sz="2000" b="1" dirty="0"/>
               <a:t>Dirty Read</a:t>
             </a:r>
           </a:p>
           <a:p>
             <a:pPr lvl="1"/>
             <a:r>
-              <a:rPr lang="en-US" sz="1600" dirty="0" smtClean="0"/>
+              <a:rPr lang="en-US" sz="1600" dirty="0"/>
               <a:t>T1 reads an uncommitted data of an object written by T2</a:t>
             </a:r>
           </a:p>
           <a:p>
             <a:r>
-              <a:rPr lang="en-US" sz="2000" b="1" dirty="0" smtClean="0"/>
+              <a:rPr lang="en-US" sz="2000" b="1" dirty="0"/>
               <a:t>Unrepeatable Read</a:t>
             </a:r>
           </a:p>
           <a:p>
             <a:pPr lvl="1"/>
             <a:r>
-              <a:rPr lang="en-US" sz="1600" dirty="0" smtClean="0"/>
+              <a:rPr lang="en-US" sz="1600" dirty="0"/>
               <a:t>T1 read an object twice. Once before T2 updates and once after T2 updates.</a:t>
             </a:r>
           </a:p>
           <a:p>
             <a:pPr lvl="1"/>
             <a:r>
-              <a:rPr lang="en-US" sz="1600" dirty="0" smtClean="0"/>
+              <a:rPr lang="en-US" sz="1600" dirty="0"/>
               <a:t>The two read operations return different values</a:t>
             </a:r>
-            <a:endParaRPr lang="en-US" sz="1600" dirty="0"/>
           </a:p>
         </p:txBody>
       </p:sp>
@@ -5946,7 +8732,7 @@
         </p:blipFill>
         <p:spPr>
           <a:xfrm>
-            <a:off x="1629210" y="4657836"/>
+            <a:off x="1629210" y="4535288"/>
             <a:ext cx="5901616" cy="2200164"/>
           </a:xfrm>
           <a:prstGeom prst="rect">
@@ -5964,13 +8750,6 @@
   <p:clrMapOvr>
     <a:masterClrMapping/>
   </p:clrMapOvr>
-  <p:timing>
-    <p:tnLst>
-      <p:par>
-        <p:cTn id="1" dur="indefinite" restart="never" nodeType="tmRoot"/>
-      </p:par>
-    </p:tnLst>
-  </p:timing>
 </p:sld>
 </file>
 
@@ -6010,7 +8789,6 @@
               <a:rPr lang="en-US" dirty="0"/>
               <a:t>Isolation: The Application Programmer's View</a:t>
             </a:r>
-            <a:endParaRPr lang="en-US" dirty="0"/>
           </a:p>
         </p:txBody>
       </p:sp>
@@ -6030,7 +8808,7 @@
           <a:lstStyle/>
           <a:p>
             <a:r>
-              <a:rPr lang="en-US" b="1" dirty="0" smtClean="0"/>
+              <a:rPr lang="en-US" b="1" dirty="0"/>
               <a:t>Isolation: user’s definition	1</a:t>
             </a:r>
           </a:p>
@@ -6038,144 +8816,54 @@
             <a:pPr lvl="1"/>
             <a:r>
               <a:rPr lang="en-US" dirty="0"/>
-              <a:t>transactions </a:t>
-            </a:r>
-            <a:r>
-              <a:rPr lang="en-US" dirty="0" smtClean="0"/>
-              <a:t>may run in parallel</a:t>
-            </a:r>
+              <a:t>transactions may run in parallel, but it behaves as if it has run transactions in sequence.</a:t>
+            </a:r>
+          </a:p>
+          <a:p>
+            <a:r>
+              <a:rPr lang="en-US" b="1" dirty="0"/>
+              <a:t>Isolation: user’s definition	2</a:t>
+            </a:r>
+          </a:p>
+          <a:p>
+            <a:pPr marL="914400" lvl="1" indent="-457200">
+              <a:buFont typeface="+mj-lt"/>
+              <a:buAutoNum type="arabicPeriod"/>
+            </a:pPr>
             <a:r>
               <a:rPr lang="en-US" dirty="0"/>
-              <a:t>, but it behaves as if it has run transactions in sequence</a:t>
-            </a:r>
-            <a:r>
-              <a:rPr lang="en-US" dirty="0" smtClean="0"/>
-              <a:t>.</a:t>
-            </a:r>
-          </a:p>
-          <a:p>
-            <a:r>
-              <a:rPr lang="en-US" b="1" dirty="0"/>
-              <a:t>Isolation: user’s definition	</a:t>
-            </a:r>
-            <a:r>
-              <a:rPr lang="en-US" b="1" dirty="0" smtClean="0"/>
-              <a:t>2</a:t>
-            </a:r>
-            <a:endParaRPr lang="en-US" b="1" dirty="0"/>
-          </a:p>
-          <a:p>
-            <a:pPr marL="457200" lvl="1" indent="0">
-              <a:buNone/>
+              <a:t>T does not overwrite dirty data of other transactions.</a:t>
+            </a:r>
+          </a:p>
+          <a:p>
+            <a:pPr marL="914400" lvl="1" indent="-457200">
+              <a:buFont typeface="+mj-lt"/>
+              <a:buAutoNum type="arabicPeriod"/>
             </a:pPr>
             <a:r>
-              <a:rPr lang="en-US" b="1" i="1" dirty="0" smtClean="0"/>
-              <a:t>0</a:t>
-            </a:r>
-            <a:r>
-              <a:rPr lang="en-US" b="1" dirty="0" smtClean="0"/>
-              <a:t>.</a:t>
-            </a:r>
-            <a:r>
-              <a:rPr lang="en-US" dirty="0" smtClean="0"/>
-              <a:t> </a:t>
-            </a:r>
-            <a:r>
               <a:rPr lang="en-US" dirty="0"/>
-              <a:t>T does not overwrite dirty data of other transactions</a:t>
-            </a:r>
-            <a:r>
-              <a:rPr lang="en-US" dirty="0" smtClean="0"/>
-              <a:t>.</a:t>
-            </a:r>
-          </a:p>
-          <a:p>
-            <a:pPr marL="457200" lvl="1" indent="0">
-              <a:buNone/>
+              <a:t>T's writes are neither read nor written by other transactions until COMMIT WORK.</a:t>
+            </a:r>
+          </a:p>
+          <a:p>
+            <a:pPr marL="914400" lvl="1" indent="-457200">
+              <a:buFont typeface="+mj-lt"/>
+              <a:buAutoNum type="arabicPeriod"/>
             </a:pPr>
             <a:r>
-              <a:rPr lang="en-US" b="1" i="1" dirty="0" smtClean="0"/>
-              <a:t>1</a:t>
-            </a:r>
-            <a:r>
-              <a:rPr lang="en-US" b="1" dirty="0" smtClean="0"/>
-              <a:t>.</a:t>
-            </a:r>
-            <a:r>
-              <a:rPr lang="en-US" dirty="0" smtClean="0"/>
-              <a:t> T's </a:t>
-            </a:r>
-            <a:r>
               <a:rPr lang="en-US" dirty="0"/>
-              <a:t>writes are neither read nor written by other </a:t>
-            </a:r>
-            <a:r>
-              <a:rPr lang="en-US" dirty="0" smtClean="0"/>
-              <a:t>transactions </a:t>
-            </a:r>
+              <a:t>T does not read dirty data from other transactions</a:t>
+            </a:r>
+          </a:p>
+          <a:p>
+            <a:pPr marL="914400" lvl="1" indent="-457200">
+              <a:buFont typeface="+mj-lt"/>
+              <a:buAutoNum type="arabicPeriod"/>
+            </a:pPr>
             <a:r>
               <a:rPr lang="en-US" dirty="0"/>
-              <a:t>until COMMIT WORK</a:t>
-            </a:r>
-            <a:r>
-              <a:rPr lang="en-US" dirty="0" smtClean="0"/>
-              <a:t>.</a:t>
-            </a:r>
-          </a:p>
-          <a:p>
-            <a:pPr marL="457200" lvl="1" indent="0">
-              <a:buNone/>
-            </a:pPr>
-            <a:r>
-              <a:rPr lang="en-US" b="1" i="1" dirty="0" smtClean="0"/>
-              <a:t>2</a:t>
-            </a:r>
-            <a:r>
-              <a:rPr lang="en-US" b="1" dirty="0" smtClean="0"/>
-              <a:t>.</a:t>
-            </a:r>
-            <a:r>
-              <a:rPr lang="en-US" dirty="0" smtClean="0"/>
-              <a:t> </a:t>
-            </a:r>
-            <a:r>
-              <a:rPr lang="en-US" dirty="0"/>
-              <a:t>T does not read dirty data from other </a:t>
-            </a:r>
-            <a:r>
-              <a:rPr lang="en-US" dirty="0" smtClean="0"/>
-              <a:t>transactions</a:t>
-            </a:r>
-          </a:p>
-          <a:p>
-            <a:pPr marL="457200" lvl="1" indent="0">
-              <a:buNone/>
-            </a:pPr>
-            <a:r>
-              <a:rPr lang="en-US" b="1" i="1" dirty="0" smtClean="0"/>
-              <a:t>3</a:t>
-            </a:r>
-            <a:r>
-              <a:rPr lang="en-US" b="1" dirty="0" smtClean="0"/>
-              <a:t>.</a:t>
-            </a:r>
-            <a:r>
-              <a:rPr lang="en-US" dirty="0" smtClean="0"/>
-              <a:t> </a:t>
-            </a:r>
-            <a:r>
-              <a:rPr lang="en-US" dirty="0"/>
-              <a:t>Other transactions do not write (dirty) any data read by </a:t>
-            </a:r>
-            <a:r>
-              <a:rPr lang="en-US" dirty="0" smtClean="0"/>
-              <a:t>T before T completes</a:t>
-            </a:r>
-            <a:r>
-              <a:rPr lang="en-US" dirty="0"/>
-              <a:t>.</a:t>
-            </a:r>
-            <a:endParaRPr lang="en-US" dirty="0" smtClean="0"/>
+              <a:t>Other transactions do not write (dirty) any data read by T before T completes.</a:t>
+            </a:r>
           </a:p>
         </p:txBody>
       </p:sp>
@@ -6189,13 +8877,6 @@
   <p:clrMapOvr>
     <a:masterClrMapping/>
   </p:clrMapOvr>
-  <p:timing>
-    <p:tnLst>
-      <p:par>
-        <p:cTn id="1" dur="indefinite" restart="never" nodeType="tmRoot"/>
-      </p:par>
-    </p:tnLst>
-  </p:timing>
 </p:sld>
 </file>
 

--- a/chapter7/slides/Ch7-Isolation_concepts.pptx
+++ b/chapter7/slides/Ch7-Isolation_concepts.pptx
@@ -27,19 +27,18 @@
     <p:sldId id="275" r:id="rId21"/>
     <p:sldId id="276" r:id="rId22"/>
     <p:sldId id="277" r:id="rId23"/>
-    <p:sldId id="278" r:id="rId24"/>
-    <p:sldId id="279" r:id="rId25"/>
-    <p:sldId id="280" r:id="rId26"/>
-    <p:sldId id="282" r:id="rId27"/>
-    <p:sldId id="286" r:id="rId28"/>
-    <p:sldId id="284" r:id="rId29"/>
-    <p:sldId id="285" r:id="rId30"/>
-    <p:sldId id="283" r:id="rId31"/>
-    <p:sldId id="287" r:id="rId32"/>
-    <p:sldId id="290" r:id="rId33"/>
-    <p:sldId id="288" r:id="rId34"/>
-    <p:sldId id="289" r:id="rId35"/>
-    <p:sldId id="291" r:id="rId36"/>
+    <p:sldId id="279" r:id="rId24"/>
+    <p:sldId id="280" r:id="rId25"/>
+    <p:sldId id="282" r:id="rId26"/>
+    <p:sldId id="286" r:id="rId27"/>
+    <p:sldId id="284" r:id="rId28"/>
+    <p:sldId id="285" r:id="rId29"/>
+    <p:sldId id="283" r:id="rId30"/>
+    <p:sldId id="287" r:id="rId31"/>
+    <p:sldId id="290" r:id="rId32"/>
+    <p:sldId id="288" r:id="rId33"/>
+    <p:sldId id="289" r:id="rId34"/>
+    <p:sldId id="291" r:id="rId35"/>
   </p:sldIdLst>
   <p:sldSz cx="9144000" cy="6858000" type="screen4x3"/>
   <p:notesSz cx="6858000" cy="9144000"/>
@@ -351,7 +350,7 @@
           <a:p>
             <a:fld id="{600F0265-6B00-844B-AAC0-8043E6226C8B}" type="datetime1">
               <a:rPr kumimoji="1" lang="en-US" altLang="ja-JP" smtClean="0"/>
-              <a:t>12/7/20</a:t>
+              <a:t>12/9/2020</a:t>
             </a:fld>
             <a:endParaRPr kumimoji="1" lang="ja-JP" altLang="en-US"/>
           </a:p>
@@ -549,7 +548,7 @@
           <a:p>
             <a:fld id="{9D07B8DA-BFBB-7942-AAD6-E689C5DAE479}" type="datetime1">
               <a:rPr kumimoji="1" lang="en-US" altLang="ja-JP" smtClean="0"/>
-              <a:t>12/7/20</a:t>
+              <a:t>12/9/2020</a:t>
             </a:fld>
             <a:endParaRPr kumimoji="1" lang="ja-JP" altLang="en-US"/>
           </a:p>
@@ -729,7 +728,7 @@
           <a:p>
             <a:fld id="{ADE6D4D0-7FE2-AC46-960E-5A0E4DA82D93}" type="datetime1">
               <a:rPr kumimoji="1" lang="en-US" altLang="ja-JP" smtClean="0"/>
-              <a:t>12/7/20</a:t>
+              <a:t>12/9/2020</a:t>
             </a:fld>
             <a:endParaRPr kumimoji="1" lang="ja-JP" altLang="en-US"/>
           </a:p>
@@ -1388,7 +1387,7 @@
           <a:p>
             <a:fld id="{8256154E-96B1-9842-B409-A61AB37E6123}" type="datetime1">
               <a:rPr kumimoji="1" lang="en-US" altLang="ja-JP" smtClean="0"/>
-              <a:t>12/7/20</a:t>
+              <a:t>12/9/2020</a:t>
             </a:fld>
             <a:endParaRPr kumimoji="1" lang="ja-JP" altLang="en-US"/>
           </a:p>
@@ -1634,7 +1633,7 @@
           <a:p>
             <a:fld id="{8B730E92-F4CD-904B-B8C2-E5CCFBAF302B}" type="datetime1">
               <a:rPr kumimoji="1" lang="en-US" altLang="ja-JP" smtClean="0"/>
-              <a:t>12/7/20</a:t>
+              <a:t>12/9/2020</a:t>
             </a:fld>
             <a:endParaRPr kumimoji="1" lang="ja-JP" altLang="en-US"/>
           </a:p>
@@ -1922,7 +1921,7 @@
           <a:p>
             <a:fld id="{4204CE13-550A-6747-A774-5FF7C2601B36}" type="datetime1">
               <a:rPr kumimoji="1" lang="en-US" altLang="ja-JP" smtClean="0"/>
-              <a:t>12/7/20</a:t>
+              <a:t>12/9/2020</a:t>
             </a:fld>
             <a:endParaRPr kumimoji="1" lang="ja-JP" altLang="en-US"/>
           </a:p>
@@ -2344,7 +2343,7 @@
           <a:p>
             <a:fld id="{5935DAD3-C41A-D14E-B90D-1A640521FABB}" type="datetime1">
               <a:rPr kumimoji="1" lang="en-US" altLang="ja-JP" smtClean="0"/>
-              <a:t>12/7/20</a:t>
+              <a:t>12/9/2020</a:t>
             </a:fld>
             <a:endParaRPr kumimoji="1" lang="ja-JP" altLang="en-US"/>
           </a:p>
@@ -2462,7 +2461,7 @@
           <a:p>
             <a:fld id="{A5D19533-4A8C-0B4F-BD21-BD179572420A}" type="datetime1">
               <a:rPr kumimoji="1" lang="en-US" altLang="ja-JP" smtClean="0"/>
-              <a:t>12/7/20</a:t>
+              <a:t>12/9/2020</a:t>
             </a:fld>
             <a:endParaRPr kumimoji="1" lang="ja-JP" altLang="en-US"/>
           </a:p>
@@ -2557,7 +2556,7 @@
           <a:p>
             <a:fld id="{05972583-4BC3-B043-820A-26340FA44D47}" type="datetime1">
               <a:rPr kumimoji="1" lang="en-US" altLang="ja-JP" smtClean="0"/>
-              <a:t>12/7/20</a:t>
+              <a:t>12/9/2020</a:t>
             </a:fld>
             <a:endParaRPr kumimoji="1" lang="ja-JP" altLang="en-US"/>
           </a:p>
@@ -2834,7 +2833,7 @@
           <a:p>
             <a:fld id="{069907A8-A739-FA48-8F41-40C947333024}" type="datetime1">
               <a:rPr kumimoji="1" lang="en-US" altLang="ja-JP" smtClean="0"/>
-              <a:t>12/7/20</a:t>
+              <a:t>12/9/2020</a:t>
             </a:fld>
             <a:endParaRPr kumimoji="1" lang="ja-JP" altLang="en-US"/>
           </a:p>
@@ -3091,7 +3090,7 @@
           <a:p>
             <a:fld id="{F6633D63-EA21-0E44-BF08-D9EA86771294}" type="datetime1">
               <a:rPr kumimoji="1" lang="en-US" altLang="ja-JP" smtClean="0"/>
-              <a:t>12/7/20</a:t>
+              <a:t>12/9/2020</a:t>
             </a:fld>
             <a:endParaRPr kumimoji="1" lang="ja-JP" altLang="en-US"/>
           </a:p>
@@ -3307,7 +3306,7 @@
           <a:p>
             <a:fld id="{66DD30AA-2BE8-C645-8D51-FE68EE7EE754}" type="datetime1">
               <a:rPr lang="en-US" altLang="ja-JP" smtClean="0"/>
-              <a:t>12/7/20</a:t>
+              <a:t>12/9/2020</a:t>
             </a:fld>
             <a:endParaRPr lang="ja-JP" altLang="en-US" dirty="0"/>
           </a:p>
@@ -3775,6 +3774,13 @@
   <p:clrMapOvr>
     <a:masterClrMapping/>
   </p:clrMapOvr>
+  <p:timing>
+    <p:tnLst>
+      <p:par>
+        <p:cTn id="1" dur="indefinite" restart="never" nodeType="tmRoot"/>
+      </p:par>
+    </p:tnLst>
+  </p:timing>
 </p:sld>
 </file>
 
@@ -3915,6 +3921,13 @@
   <p:clrMapOvr>
     <a:masterClrMapping/>
   </p:clrMapOvr>
+  <p:timing>
+    <p:tnLst>
+      <p:par>
+        <p:cTn id="1" dur="indefinite" restart="never" nodeType="tmRoot"/>
+      </p:par>
+    </p:tnLst>
+  </p:timing>
 </p:sld>
 </file>
 
@@ -4060,6 +4073,13 @@
   <p:clrMapOvr>
     <a:masterClrMapping/>
   </p:clrMapOvr>
+  <p:timing>
+    <p:tnLst>
+      <p:par>
+        <p:cTn id="1" dur="indefinite" restart="never" nodeType="tmRoot"/>
+      </p:par>
+    </p:tnLst>
+  </p:timing>
 </p:sld>
 </file>
 
@@ -4246,6 +4266,13 @@
   <p:clrMapOvr>
     <a:masterClrMapping/>
   </p:clrMapOvr>
+  <p:timing>
+    <p:tnLst>
+      <p:par>
+        <p:cTn id="1" dur="indefinite" restart="never" nodeType="tmRoot"/>
+      </p:par>
+    </p:tnLst>
+  </p:timing>
 </p:sld>
 </file>
 
@@ -4438,6 +4465,13 @@
   <p:clrMapOvr>
     <a:masterClrMapping/>
   </p:clrMapOvr>
+  <p:timing>
+    <p:tnLst>
+      <p:par>
+        <p:cTn id="1" dur="indefinite" restart="never" nodeType="tmRoot"/>
+      </p:par>
+    </p:tnLst>
+  </p:timing>
 </p:sld>
 </file>
 
@@ -4535,6 +4569,13 @@
   <p:clrMapOvr>
     <a:masterClrMapping/>
   </p:clrMapOvr>
+  <p:timing>
+    <p:tnLst>
+      <p:par>
+        <p:cTn id="1" dur="indefinite" restart="never" nodeType="tmRoot"/>
+      </p:par>
+    </p:tnLst>
+  </p:timing>
 </p:sld>
 </file>
 
@@ -4625,6 +4666,13 @@
   <p:clrMapOvr>
     <a:masterClrMapping/>
   </p:clrMapOvr>
+  <p:timing>
+    <p:tnLst>
+      <p:par>
+        <p:cTn id="1" dur="indefinite" restart="never" nodeType="tmRoot"/>
+      </p:par>
+    </p:tnLst>
+  </p:timing>
 </p:sld>
 </file>
 
@@ -4736,6 +4784,13 @@
   <p:clrMapOvr>
     <a:masterClrMapping/>
   </p:clrMapOvr>
+  <p:timing>
+    <p:tnLst>
+      <p:par>
+        <p:cTn id="1" dur="indefinite" restart="never" nodeType="tmRoot"/>
+      </p:par>
+    </p:tnLst>
+  </p:timing>
 </p:sld>
 </file>
 
@@ -4916,6 +4971,13 @@
   <p:clrMapOvr>
     <a:masterClrMapping/>
   </p:clrMapOvr>
+  <p:timing>
+    <p:tnLst>
+      <p:par>
+        <p:cTn id="1" dur="indefinite" restart="never" nodeType="tmRoot"/>
+      </p:par>
+    </p:tnLst>
+  </p:timing>
 </p:sld>
 </file>
 
@@ -5018,6 +5080,13 @@
   <p:clrMapOvr>
     <a:masterClrMapping/>
   </p:clrMapOvr>
+  <p:timing>
+    <p:tnLst>
+      <p:par>
+        <p:cTn id="1" dur="indefinite" restart="never" nodeType="tmRoot"/>
+      </p:par>
+    </p:tnLst>
+  </p:timing>
 </p:sld>
 </file>
 
@@ -5196,6 +5265,13 @@
   <p:clrMapOvr>
     <a:masterClrMapping/>
   </p:clrMapOvr>
+  <p:timing>
+    <p:tnLst>
+      <p:par>
+        <p:cTn id="1" dur="indefinite" restart="never" nodeType="tmRoot"/>
+      </p:par>
+    </p:tnLst>
+  </p:timing>
 </p:sld>
 </file>
 
@@ -5320,6 +5396,13 @@
   <p:clrMapOvr>
     <a:masterClrMapping/>
   </p:clrMapOvr>
+  <p:timing>
+    <p:tnLst>
+      <p:par>
+        <p:cTn id="1" dur="indefinite" restart="never" nodeType="tmRoot"/>
+      </p:par>
+    </p:tnLst>
+  </p:timing>
 </p:sld>
 </file>
 
@@ -5408,6 +5491,13 @@
   <p:clrMapOvr>
     <a:masterClrMapping/>
   </p:clrMapOvr>
+  <p:timing>
+    <p:tnLst>
+      <p:par>
+        <p:cTn id="1" dur="indefinite" restart="never" nodeType="tmRoot"/>
+      </p:par>
+    </p:tnLst>
+  </p:timing>
 </p:sld>
 </file>
 
@@ -5587,6 +5677,13 @@
   <p:clrMapOvr>
     <a:masterClrMapping/>
   </p:clrMapOvr>
+  <p:timing>
+    <p:tnLst>
+      <p:par>
+        <p:cTn id="1" dur="indefinite" restart="never" nodeType="tmRoot"/>
+      </p:par>
+    </p:tnLst>
+  </p:timing>
 </p:sld>
 </file>
 
@@ -5758,6 +5855,13 @@
   <p:clrMapOvr>
     <a:masterClrMapping/>
   </p:clrMapOvr>
+  <p:timing>
+    <p:tnLst>
+      <p:par>
+        <p:cTn id="1" dur="indefinite" restart="never" nodeType="tmRoot"/>
+      </p:par>
+    </p:tnLst>
+  </p:timing>
 </p:sld>
 </file>
 
@@ -5783,7 +5887,7 @@
           <p:cNvPr id="2" name="제목 1">
             <a:extLst>
               <a:ext uri="{FF2B5EF4-FFF2-40B4-BE49-F238E27FC236}">
-                <a16:creationId xmlns:a16="http://schemas.microsoft.com/office/drawing/2014/main" id="{6C0C1766-B5CF-D846-9D21-312D7AA4AC40}"/>
+                <a16:creationId xmlns:a16="http://schemas.microsoft.com/office/drawing/2014/main" id="{1A6489E2-F209-DF46-9C51-9FBE0F2ACF13}"/>
               </a:ext>
             </a:extLst>
           </p:cNvPr>
@@ -5799,6 +5903,10 @@
           <a:bodyPr/>
           <a:lstStyle/>
           <a:p>
+            <a:r>
+              <a:rPr kumimoji="1" lang="en-US" altLang="ko-Kore-KR" dirty="0"/>
+              <a:t>Phantoms and Predicate Locks</a:t>
+            </a:r>
             <a:endParaRPr kumimoji="1" lang="ko-Kore-KR" altLang="en-US" dirty="0"/>
           </a:p>
         </p:txBody>
@@ -5808,7 +5916,7 @@
           <p:cNvPr id="3" name="내용 개체 틀 2">
             <a:extLst>
               <a:ext uri="{FF2B5EF4-FFF2-40B4-BE49-F238E27FC236}">
-                <a16:creationId xmlns:a16="http://schemas.microsoft.com/office/drawing/2014/main" id="{05BD0B76-175B-9241-8BDD-EC3A4A6249C1}"/>
+                <a16:creationId xmlns:a16="http://schemas.microsoft.com/office/drawing/2014/main" id="{FBBA1A04-2542-5C46-9D91-7C80886814A7}"/>
               </a:ext>
             </a:extLst>
           </p:cNvPr>
@@ -5825,9 +5933,77 @@
           <a:lstStyle/>
           <a:p>
             <a:r>
+              <a:rPr kumimoji="1" lang="en-US" altLang="ko-Kore-KR" b="1" dirty="0"/>
+              <a:t>Phantom records</a:t>
+            </a:r>
+          </a:p>
+          <a:p>
+            <a:pPr lvl="1"/>
+            <a:r>
               <a:rPr kumimoji="1" lang="en-US" altLang="ko-Kore-KR" dirty="0"/>
-              <a:t>Read through, read past, notify</a:t>
-            </a:r>
+              <a:t>Records that either appear or disappear from sets</a:t>
+            </a:r>
+          </a:p>
+          <a:p>
+            <a:pPr lvl="1"/>
+            <a:r>
+              <a:rPr lang="en-US" altLang="ko-Kore-KR" dirty="0"/>
+              <a:t>No pure record-locking solution for phantoms</a:t>
+            </a:r>
+          </a:p>
+          <a:p>
+            <a:r>
+              <a:rPr kumimoji="1" lang="en-US" altLang="ko-Kore-KR" b="1" dirty="0"/>
+              <a:t>Predicate Locks</a:t>
+            </a:r>
+          </a:p>
+          <a:p>
+            <a:pPr lvl="1"/>
+            <a:r>
+              <a:rPr lang="en-US" altLang="ko-Kore-KR" dirty="0"/>
+              <a:t>Solution for phantoms</a:t>
+            </a:r>
+          </a:p>
+          <a:p>
+            <a:pPr lvl="1"/>
+            <a:r>
+              <a:rPr kumimoji="1" lang="en-US" altLang="ko-Kore-KR" dirty="0"/>
+              <a:t>Lock request </a:t>
+            </a:r>
+            <a:r>
+              <a:rPr lang="en-US" altLang="ko-Kore-KR" dirty="0"/>
+              <a:t>specify a subset of the database</a:t>
+            </a:r>
+          </a:p>
+          <a:p>
+            <a:pPr lvl="1"/>
+            <a:r>
+              <a:rPr lang="en" altLang="ko-Kore-KR" dirty="0"/>
+              <a:t>Format : &lt; t, [</a:t>
+            </a:r>
+            <a:r>
+              <a:rPr lang="en" altLang="ko-Kore-KR" dirty="0" err="1"/>
+              <a:t>slock</a:t>
+            </a:r>
+            <a:r>
+              <a:rPr lang="en" altLang="ko-Kore-KR" dirty="0"/>
+              <a:t> | </a:t>
+            </a:r>
+            <a:r>
+              <a:rPr lang="en" altLang="ko-Kore-KR" dirty="0" err="1"/>
+              <a:t>xlock</a:t>
+            </a:r>
+            <a:r>
+              <a:rPr lang="en" altLang="ko-Kore-KR" dirty="0"/>
+              <a:t>], predicate &gt;</a:t>
+            </a:r>
+            <a:br>
+              <a:rPr lang="en" altLang="ko-Kore-KR" dirty="0"/>
+            </a:br>
+            <a:endParaRPr lang="en" altLang="ko-Kore-KR" dirty="0"/>
+          </a:p>
+          <a:p>
+            <a:pPr lvl="1"/>
             <a:endParaRPr kumimoji="1" lang="ko-Kore-KR" altLang="en-US" dirty="0"/>
           </a:p>
         </p:txBody>
@@ -5835,13 +6011,20 @@
     </p:spTree>
     <p:extLst>
       <p:ext uri="{BB962C8B-B14F-4D97-AF65-F5344CB8AC3E}">
-        <p14:creationId xmlns:p14="http://schemas.microsoft.com/office/powerpoint/2010/main" val="2912484017"/>
+        <p14:creationId xmlns:p14="http://schemas.microsoft.com/office/powerpoint/2010/main" val="1923308179"/>
       </p:ext>
     </p:extLst>
   </p:cSld>
   <p:clrMapOvr>
     <a:masterClrMapping/>
   </p:clrMapOvr>
+  <p:timing>
+    <p:tnLst>
+      <p:par>
+        <p:cTn id="1" dur="indefinite" restart="never" nodeType="tmRoot"/>
+      </p:par>
+    </p:tnLst>
+  </p:timing>
 </p:sld>
 </file>
 
@@ -5867,162 +6050,6 @@
           <p:cNvPr id="2" name="제목 1">
             <a:extLst>
               <a:ext uri="{FF2B5EF4-FFF2-40B4-BE49-F238E27FC236}">
-                <a16:creationId xmlns:a16="http://schemas.microsoft.com/office/drawing/2014/main" id="{1A6489E2-F209-DF46-9C51-9FBE0F2ACF13}"/>
-              </a:ext>
-            </a:extLst>
-          </p:cNvPr>
-          <p:cNvSpPr>
-            <a:spLocks noGrp="1"/>
-          </p:cNvSpPr>
-          <p:nvPr>
-            <p:ph type="title"/>
-          </p:nvPr>
-        </p:nvSpPr>
-        <p:spPr/>
-        <p:txBody>
-          <a:bodyPr/>
-          <a:lstStyle/>
-          <a:p>
-            <a:r>
-              <a:rPr kumimoji="1" lang="en-US" altLang="ko-Kore-KR" dirty="0"/>
-              <a:t>Phantoms and Predicate Locks</a:t>
-            </a:r>
-            <a:endParaRPr kumimoji="1" lang="ko-Kore-KR" altLang="en-US" dirty="0"/>
-          </a:p>
-        </p:txBody>
-      </p:sp>
-      <p:sp>
-        <p:nvSpPr>
-          <p:cNvPr id="3" name="내용 개체 틀 2">
-            <a:extLst>
-              <a:ext uri="{FF2B5EF4-FFF2-40B4-BE49-F238E27FC236}">
-                <a16:creationId xmlns:a16="http://schemas.microsoft.com/office/drawing/2014/main" id="{FBBA1A04-2542-5C46-9D91-7C80886814A7}"/>
-              </a:ext>
-            </a:extLst>
-          </p:cNvPr>
-          <p:cNvSpPr>
-            <a:spLocks noGrp="1"/>
-          </p:cNvSpPr>
-          <p:nvPr>
-            <p:ph idx="1"/>
-          </p:nvPr>
-        </p:nvSpPr>
-        <p:spPr/>
-        <p:txBody>
-          <a:bodyPr/>
-          <a:lstStyle/>
-          <a:p>
-            <a:r>
-              <a:rPr kumimoji="1" lang="en-US" altLang="ko-Kore-KR" b="1" dirty="0"/>
-              <a:t>Phantom records</a:t>
-            </a:r>
-          </a:p>
-          <a:p>
-            <a:pPr lvl="1"/>
-            <a:r>
-              <a:rPr kumimoji="1" lang="en-US" altLang="ko-Kore-KR" dirty="0"/>
-              <a:t>Records that either appear or disappear from sets</a:t>
-            </a:r>
-          </a:p>
-          <a:p>
-            <a:pPr lvl="1"/>
-            <a:r>
-              <a:rPr lang="en-US" altLang="ko-Kore-KR" dirty="0"/>
-              <a:t>No pure record-locking solution for phantoms</a:t>
-            </a:r>
-          </a:p>
-          <a:p>
-            <a:r>
-              <a:rPr kumimoji="1" lang="en-US" altLang="ko-Kore-KR" b="1" dirty="0"/>
-              <a:t>Predicate Locks</a:t>
-            </a:r>
-          </a:p>
-          <a:p>
-            <a:pPr lvl="1"/>
-            <a:r>
-              <a:rPr lang="en-US" altLang="ko-Kore-KR" dirty="0"/>
-              <a:t>Solution for phantoms</a:t>
-            </a:r>
-          </a:p>
-          <a:p>
-            <a:pPr lvl="1"/>
-            <a:r>
-              <a:rPr kumimoji="1" lang="en-US" altLang="ko-Kore-KR" dirty="0"/>
-              <a:t>Lock request </a:t>
-            </a:r>
-            <a:r>
-              <a:rPr lang="en-US" altLang="ko-Kore-KR" dirty="0"/>
-              <a:t>specify a subset of the database</a:t>
-            </a:r>
-          </a:p>
-          <a:p>
-            <a:pPr lvl="1"/>
-            <a:r>
-              <a:rPr lang="en" altLang="ko-Kore-KR" dirty="0"/>
-              <a:t>Format : &lt; t, [</a:t>
-            </a:r>
-            <a:r>
-              <a:rPr lang="en" altLang="ko-Kore-KR" dirty="0" err="1"/>
-              <a:t>slock</a:t>
-            </a:r>
-            <a:r>
-              <a:rPr lang="en" altLang="ko-Kore-KR" dirty="0"/>
-              <a:t> | </a:t>
-            </a:r>
-            <a:r>
-              <a:rPr lang="en" altLang="ko-Kore-KR" dirty="0" err="1"/>
-              <a:t>xlock</a:t>
-            </a:r>
-            <a:r>
-              <a:rPr lang="en" altLang="ko-Kore-KR" dirty="0"/>
-              <a:t>], predicate &gt;</a:t>
-            </a:r>
-            <a:br>
-              <a:rPr lang="en" altLang="ko-Kore-KR" dirty="0"/>
-            </a:br>
-            <a:endParaRPr lang="en" altLang="ko-Kore-KR" dirty="0"/>
-          </a:p>
-          <a:p>
-            <a:pPr lvl="1"/>
-            <a:endParaRPr kumimoji="1" lang="ko-Kore-KR" altLang="en-US" dirty="0"/>
-          </a:p>
-        </p:txBody>
-      </p:sp>
-    </p:spTree>
-    <p:extLst>
-      <p:ext uri="{BB962C8B-B14F-4D97-AF65-F5344CB8AC3E}">
-        <p14:creationId xmlns:p14="http://schemas.microsoft.com/office/powerpoint/2010/main" val="1923308179"/>
-      </p:ext>
-    </p:extLst>
-  </p:cSld>
-  <p:clrMapOvr>
-    <a:masterClrMapping/>
-  </p:clrMapOvr>
-</p:sld>
-</file>
-
-<file path=ppt/slides/slide25.xml><?xml version="1.0" encoding="utf-8"?>
-<p:sld xmlns:a="http://schemas.openxmlformats.org/drawingml/2006/main" xmlns:r="http://schemas.openxmlformats.org/officeDocument/2006/relationships" xmlns:p="http://schemas.openxmlformats.org/presentationml/2006/main">
-  <p:cSld>
-    <p:spTree>
-      <p:nvGrpSpPr>
-        <p:cNvPr id="1" name=""/>
-        <p:cNvGrpSpPr/>
-        <p:nvPr/>
-      </p:nvGrpSpPr>
-      <p:grpSpPr>
-        <a:xfrm>
-          <a:off x="0" y="0"/>
-          <a:ext cx="0" cy="0"/>
-          <a:chOff x="0" y="0"/>
-          <a:chExt cx="0" cy="0"/>
-        </a:xfrm>
-      </p:grpSpPr>
-      <p:sp>
-        <p:nvSpPr>
-          <p:cNvPr id="2" name="제목 1">
-            <a:extLst>
-              <a:ext uri="{FF2B5EF4-FFF2-40B4-BE49-F238E27FC236}">
                 <a16:creationId xmlns:a16="http://schemas.microsoft.com/office/drawing/2014/main" id="{3B8AD26C-8A55-924A-9648-3F9E9429E4B9}"/>
               </a:ext>
             </a:extLst>
@@ -6237,10 +6264,17 @@
   <p:clrMapOvr>
     <a:masterClrMapping/>
   </p:clrMapOvr>
+  <p:timing>
+    <p:tnLst>
+      <p:par>
+        <p:cTn id="1" dur="indefinite" restart="never" nodeType="tmRoot"/>
+      </p:par>
+    </p:tnLst>
+  </p:timing>
 </p:sld>
 </file>
 
-<file path=ppt/slides/slide26.xml><?xml version="1.0" encoding="utf-8"?>
+<file path=ppt/slides/slide25.xml><?xml version="1.0" encoding="utf-8"?>
 <p:sld xmlns:a="http://schemas.openxmlformats.org/drawingml/2006/main" xmlns:r="http://schemas.openxmlformats.org/officeDocument/2006/relationships" xmlns:p="http://schemas.openxmlformats.org/presentationml/2006/main">
   <p:cSld>
     <p:spTree>
@@ -6383,10 +6417,17 @@
   <p:clrMapOvr>
     <a:masterClrMapping/>
   </p:clrMapOvr>
+  <p:timing>
+    <p:tnLst>
+      <p:par>
+        <p:cTn id="1" dur="indefinite" restart="never" nodeType="tmRoot"/>
+      </p:par>
+    </p:tnLst>
+  </p:timing>
 </p:sld>
 </file>
 
-<file path=ppt/slides/slide27.xml><?xml version="1.0" encoding="utf-8"?>
+<file path=ppt/slides/slide26.xml><?xml version="1.0" encoding="utf-8"?>
 <p:sld xmlns:a="http://schemas.openxmlformats.org/drawingml/2006/main" xmlns:r="http://schemas.openxmlformats.org/officeDocument/2006/relationships" xmlns:p="http://schemas.openxmlformats.org/presentationml/2006/main">
   <p:cSld>
     <p:spTree>
@@ -6523,10 +6564,17 @@
   <p:clrMapOvr>
     <a:masterClrMapping/>
   </p:clrMapOvr>
+  <p:timing>
+    <p:tnLst>
+      <p:par>
+        <p:cTn id="1" dur="indefinite" restart="never" nodeType="tmRoot"/>
+      </p:par>
+    </p:tnLst>
+  </p:timing>
 </p:sld>
 </file>
 
-<file path=ppt/slides/slide28.xml><?xml version="1.0" encoding="utf-8"?>
+<file path=ppt/slides/slide27.xml><?xml version="1.0" encoding="utf-8"?>
 <p:sld xmlns:a="http://schemas.openxmlformats.org/drawingml/2006/main" xmlns:r="http://schemas.openxmlformats.org/officeDocument/2006/relationships" xmlns:p="http://schemas.openxmlformats.org/presentationml/2006/main">
   <p:cSld>
     <p:spTree>
@@ -6696,7 +6744,7 @@
 </p:sld>
 </file>
 
-<file path=ppt/slides/slide29.xml><?xml version="1.0" encoding="utf-8"?>
+<file path=ppt/slides/slide28.xml><?xml version="1.0" encoding="utf-8"?>
 <p:sld xmlns:a="http://schemas.openxmlformats.org/drawingml/2006/main" xmlns:r="http://schemas.openxmlformats.org/officeDocument/2006/relationships" xmlns:p="http://schemas.openxmlformats.org/presentationml/2006/main">
   <p:cSld>
     <p:spTree>
@@ -6840,154 +6888,7 @@
 </p:sld>
 </file>
 
-<file path=ppt/slides/slide3.xml><?xml version="1.0" encoding="utf-8"?>
-<p:sld xmlns:a="http://schemas.openxmlformats.org/drawingml/2006/main" xmlns:r="http://schemas.openxmlformats.org/officeDocument/2006/relationships" xmlns:p="http://schemas.openxmlformats.org/presentationml/2006/main">
-  <p:cSld>
-    <p:spTree>
-      <p:nvGrpSpPr>
-        <p:cNvPr id="1" name=""/>
-        <p:cNvGrpSpPr/>
-        <p:nvPr/>
-      </p:nvGrpSpPr>
-      <p:grpSpPr>
-        <a:xfrm>
-          <a:off x="0" y="0"/>
-          <a:ext cx="0" cy="0"/>
-          <a:chOff x="0" y="0"/>
-          <a:chExt cx="0" cy="0"/>
-        </a:xfrm>
-      </p:grpSpPr>
-      <p:sp>
-        <p:nvSpPr>
-          <p:cNvPr id="2" name="제목 1"/>
-          <p:cNvSpPr>
-            <a:spLocks noGrp="1"/>
-          </p:cNvSpPr>
-          <p:nvPr>
-            <p:ph type="title"/>
-          </p:nvPr>
-        </p:nvSpPr>
-        <p:spPr/>
-        <p:txBody>
-          <a:bodyPr/>
-          <a:lstStyle/>
-          <a:p>
-            <a:r>
-              <a:rPr lang="en-US" dirty="0"/>
-              <a:t>Introduction of Isolation</a:t>
-            </a:r>
-          </a:p>
-        </p:txBody>
-      </p:sp>
-      <p:sp>
-        <p:nvSpPr>
-          <p:cNvPr id="3" name="내용 개체 틀 2"/>
-          <p:cNvSpPr>
-            <a:spLocks noGrp="1"/>
-          </p:cNvSpPr>
-          <p:nvPr>
-            <p:ph idx="1"/>
-          </p:nvPr>
-        </p:nvSpPr>
-        <p:spPr/>
-        <p:txBody>
-          <a:bodyPr/>
-          <a:lstStyle/>
-          <a:p>
-            <a:r>
-              <a:rPr lang="en-US" b="1" dirty="0"/>
-              <a:t>Invariants</a:t>
-            </a:r>
-          </a:p>
-          <a:p>
-            <a:pPr lvl="1"/>
-            <a:r>
-              <a:rPr lang="en-US" dirty="0"/>
-              <a:t>The system state consists of objects related in certain ways</a:t>
-            </a:r>
-          </a:p>
-          <a:p>
-            <a:pPr lvl="1"/>
-            <a:r>
-              <a:rPr lang="en-US" dirty="0"/>
-              <a:t>ex) ''The checksum field of each page, P, must be CHECKSUM(P).“</a:t>
-            </a:r>
-          </a:p>
-          <a:p>
-            <a:pPr lvl="1"/>
-            <a:r>
-              <a:rPr lang="en-US" dirty="0"/>
-              <a:t>"For each element, x, </a:t>
-            </a:r>
-            <a:r>
-              <a:rPr lang="en-US" sz="2400" dirty="0"/>
-              <a:t>in </a:t>
-            </a:r>
-            <a:r>
-              <a:rPr lang="en-US" dirty="0"/>
-              <a:t>a doubly linked ring, </a:t>
-            </a:r>
-            <a:r>
-              <a:rPr lang="en-US" dirty="0" err="1"/>
-              <a:t>prev</a:t>
-            </a:r>
-            <a:r>
-              <a:rPr lang="en-US" dirty="0"/>
-              <a:t>(next(x))= x“</a:t>
-            </a:r>
-          </a:p>
-          <a:p>
-            <a:pPr lvl="1"/>
-            <a:r>
-              <a:rPr lang="en-US" dirty="0"/>
-              <a:t>"Account balances must be positive.“</a:t>
-            </a:r>
-          </a:p>
-          <a:p>
-            <a:pPr lvl="1"/>
-            <a:endParaRPr lang="en-US" dirty="0"/>
-          </a:p>
-          <a:p>
-            <a:r>
-              <a:rPr lang="en-US" b="1" dirty="0"/>
-              <a:t>Consistency</a:t>
-            </a:r>
-          </a:p>
-          <a:p>
-            <a:pPr lvl="1"/>
-            <a:r>
-              <a:rPr lang="en-US" dirty="0"/>
-              <a:t>The system state is </a:t>
-            </a:r>
-            <a:r>
-              <a:rPr lang="en-US" b="1" i="1" dirty="0"/>
-              <a:t>consistent</a:t>
-            </a:r>
-            <a:r>
-              <a:rPr lang="en-US" i="1" dirty="0"/>
-              <a:t> </a:t>
-            </a:r>
-            <a:r>
-              <a:rPr lang="en-US" dirty="0"/>
-              <a:t>if it satisfies all these invariants</a:t>
-            </a:r>
-          </a:p>
-        </p:txBody>
-      </p:sp>
-    </p:spTree>
-    <p:extLst>
-      <p:ext uri="{BB962C8B-B14F-4D97-AF65-F5344CB8AC3E}">
-        <p14:creationId xmlns:p14="http://schemas.microsoft.com/office/powerpoint/2010/main" val="772520593"/>
-      </p:ext>
-    </p:extLst>
-  </p:cSld>
-  <p:clrMapOvr>
-    <a:masterClrMapping/>
-  </p:clrMapOvr>
-</p:sld>
-</file>
-
-<file path=ppt/slides/slide30.xml><?xml version="1.0" encoding="utf-8"?>
+<file path=ppt/slides/slide29.xml><?xml version="1.0" encoding="utf-8"?>
 <p:sld xmlns:a="http://schemas.openxmlformats.org/drawingml/2006/main" xmlns:r="http://schemas.openxmlformats.org/officeDocument/2006/relationships" xmlns:p="http://schemas.openxmlformats.org/presentationml/2006/main">
   <p:cSld>
     <p:spTree>
@@ -7133,7 +7034,161 @@
 </p:sld>
 </file>
 
-<file path=ppt/slides/slide31.xml><?xml version="1.0" encoding="utf-8"?>
+<file path=ppt/slides/slide3.xml><?xml version="1.0" encoding="utf-8"?>
+<p:sld xmlns:a="http://schemas.openxmlformats.org/drawingml/2006/main" xmlns:r="http://schemas.openxmlformats.org/officeDocument/2006/relationships" xmlns:p="http://schemas.openxmlformats.org/presentationml/2006/main">
+  <p:cSld>
+    <p:spTree>
+      <p:nvGrpSpPr>
+        <p:cNvPr id="1" name=""/>
+        <p:cNvGrpSpPr/>
+        <p:nvPr/>
+      </p:nvGrpSpPr>
+      <p:grpSpPr>
+        <a:xfrm>
+          <a:off x="0" y="0"/>
+          <a:ext cx="0" cy="0"/>
+          <a:chOff x="0" y="0"/>
+          <a:chExt cx="0" cy="0"/>
+        </a:xfrm>
+      </p:grpSpPr>
+      <p:sp>
+        <p:nvSpPr>
+          <p:cNvPr id="2" name="제목 1"/>
+          <p:cNvSpPr>
+            <a:spLocks noGrp="1"/>
+          </p:cNvSpPr>
+          <p:nvPr>
+            <p:ph type="title"/>
+          </p:nvPr>
+        </p:nvSpPr>
+        <p:spPr/>
+        <p:txBody>
+          <a:bodyPr/>
+          <a:lstStyle/>
+          <a:p>
+            <a:r>
+              <a:rPr lang="en-US" dirty="0"/>
+              <a:t>Introduction of Isolation</a:t>
+            </a:r>
+          </a:p>
+        </p:txBody>
+      </p:sp>
+      <p:sp>
+        <p:nvSpPr>
+          <p:cNvPr id="3" name="내용 개체 틀 2"/>
+          <p:cNvSpPr>
+            <a:spLocks noGrp="1"/>
+          </p:cNvSpPr>
+          <p:nvPr>
+            <p:ph idx="1"/>
+          </p:nvPr>
+        </p:nvSpPr>
+        <p:spPr/>
+        <p:txBody>
+          <a:bodyPr/>
+          <a:lstStyle/>
+          <a:p>
+            <a:r>
+              <a:rPr lang="en-US" b="1" dirty="0"/>
+              <a:t>Invariants</a:t>
+            </a:r>
+          </a:p>
+          <a:p>
+            <a:pPr lvl="1"/>
+            <a:r>
+              <a:rPr lang="en-US" dirty="0"/>
+              <a:t>The system state consists of objects related in certain ways</a:t>
+            </a:r>
+          </a:p>
+          <a:p>
+            <a:pPr lvl="1"/>
+            <a:r>
+              <a:rPr lang="en-US" dirty="0"/>
+              <a:t>ex) ''The checksum field of each page, P, must be CHECKSUM(P).“</a:t>
+            </a:r>
+          </a:p>
+          <a:p>
+            <a:pPr lvl="1"/>
+            <a:r>
+              <a:rPr lang="en-US" dirty="0"/>
+              <a:t>"For each element, x, </a:t>
+            </a:r>
+            <a:r>
+              <a:rPr lang="en-US" sz="2400" dirty="0"/>
+              <a:t>in </a:t>
+            </a:r>
+            <a:r>
+              <a:rPr lang="en-US" dirty="0"/>
+              <a:t>a doubly linked ring, </a:t>
+            </a:r>
+            <a:r>
+              <a:rPr lang="en-US" dirty="0" err="1"/>
+              <a:t>prev</a:t>
+            </a:r>
+            <a:r>
+              <a:rPr lang="en-US" dirty="0"/>
+              <a:t>(next(x))= x“</a:t>
+            </a:r>
+          </a:p>
+          <a:p>
+            <a:pPr lvl="1"/>
+            <a:r>
+              <a:rPr lang="en-US" dirty="0"/>
+              <a:t>"Account balances must be positive.“</a:t>
+            </a:r>
+          </a:p>
+          <a:p>
+            <a:pPr lvl="1"/>
+            <a:endParaRPr lang="en-US" dirty="0"/>
+          </a:p>
+          <a:p>
+            <a:r>
+              <a:rPr lang="en-US" b="1" dirty="0"/>
+              <a:t>Consistency</a:t>
+            </a:r>
+          </a:p>
+          <a:p>
+            <a:pPr lvl="1"/>
+            <a:r>
+              <a:rPr lang="en-US" dirty="0"/>
+              <a:t>The system state is </a:t>
+            </a:r>
+            <a:r>
+              <a:rPr lang="en-US" b="1" i="1" dirty="0"/>
+              <a:t>consistent</a:t>
+            </a:r>
+            <a:r>
+              <a:rPr lang="en-US" i="1" dirty="0"/>
+              <a:t> </a:t>
+            </a:r>
+            <a:r>
+              <a:rPr lang="en-US" dirty="0"/>
+              <a:t>if it satisfies all these invariants</a:t>
+            </a:r>
+          </a:p>
+        </p:txBody>
+      </p:sp>
+    </p:spTree>
+    <p:extLst>
+      <p:ext uri="{BB962C8B-B14F-4D97-AF65-F5344CB8AC3E}">
+        <p14:creationId xmlns:p14="http://schemas.microsoft.com/office/powerpoint/2010/main" val="772520593"/>
+      </p:ext>
+    </p:extLst>
+  </p:cSld>
+  <p:clrMapOvr>
+    <a:masterClrMapping/>
+  </p:clrMapOvr>
+  <p:timing>
+    <p:tnLst>
+      <p:par>
+        <p:cTn id="1" dur="indefinite" restart="never" nodeType="tmRoot"/>
+      </p:par>
+    </p:tnLst>
+  </p:timing>
+</p:sld>
+</file>
+
+<file path=ppt/slides/slide30.xml><?xml version="1.0" encoding="utf-8"?>
 <p:sld xmlns:a="http://schemas.openxmlformats.org/drawingml/2006/main" xmlns:r="http://schemas.openxmlformats.org/officeDocument/2006/relationships" xmlns:p="http://schemas.openxmlformats.org/presentationml/2006/main">
   <p:cSld>
     <p:spTree>
@@ -7324,6 +7379,123 @@
 </p:sld>
 </file>
 
+<file path=ppt/slides/slide31.xml><?xml version="1.0" encoding="utf-8"?>
+<p:sld xmlns:a="http://schemas.openxmlformats.org/drawingml/2006/main" xmlns:r="http://schemas.openxmlformats.org/officeDocument/2006/relationships" xmlns:p="http://schemas.openxmlformats.org/presentationml/2006/main">
+  <p:cSld>
+    <p:spTree>
+      <p:nvGrpSpPr>
+        <p:cNvPr id="1" name=""/>
+        <p:cNvGrpSpPr/>
+        <p:nvPr/>
+      </p:nvGrpSpPr>
+      <p:grpSpPr>
+        <a:xfrm>
+          <a:off x="0" y="0"/>
+          <a:ext cx="0" cy="0"/>
+          <a:chOff x="0" y="0"/>
+          <a:chExt cx="0" cy="0"/>
+        </a:xfrm>
+      </p:grpSpPr>
+      <p:sp>
+        <p:nvSpPr>
+          <p:cNvPr id="2" name="제목 1">
+            <a:extLst>
+              <a:ext uri="{FF2B5EF4-FFF2-40B4-BE49-F238E27FC236}">
+                <a16:creationId xmlns:a16="http://schemas.microsoft.com/office/drawing/2014/main" id="{7C4C75CF-2301-4A4A-95C5-3B4BEF61E560}"/>
+              </a:ext>
+            </a:extLst>
+          </p:cNvPr>
+          <p:cNvSpPr>
+            <a:spLocks noGrp="1"/>
+          </p:cNvSpPr>
+          <p:nvPr>
+            <p:ph type="title"/>
+          </p:nvPr>
+        </p:nvSpPr>
+        <p:spPr/>
+        <p:txBody>
+          <a:bodyPr/>
+          <a:lstStyle/>
+          <a:p>
+            <a:r>
+              <a:rPr kumimoji="1" lang="en-US" altLang="ko-Kore-KR" dirty="0"/>
+              <a:t>Deadlock</a:t>
+            </a:r>
+            <a:endParaRPr kumimoji="1" lang="ko-Kore-KR" altLang="en-US" dirty="0"/>
+          </a:p>
+        </p:txBody>
+      </p:sp>
+      <p:sp>
+        <p:nvSpPr>
+          <p:cNvPr id="3" name="내용 개체 틀 2">
+            <a:extLst>
+              <a:ext uri="{FF2B5EF4-FFF2-40B4-BE49-F238E27FC236}">
+                <a16:creationId xmlns:a16="http://schemas.microsoft.com/office/drawing/2014/main" id="{F76CD138-8CB2-1D40-8ECD-8E8773D4E440}"/>
+              </a:ext>
+            </a:extLst>
+          </p:cNvPr>
+          <p:cNvSpPr>
+            <a:spLocks noGrp="1"/>
+          </p:cNvSpPr>
+          <p:nvPr>
+            <p:ph idx="1"/>
+          </p:nvPr>
+        </p:nvSpPr>
+        <p:spPr/>
+        <p:txBody>
+          <a:bodyPr/>
+          <a:lstStyle/>
+          <a:p>
+            <a:r>
+              <a:rPr kumimoji="1" lang="en-US" altLang="ko-Kore-KR" dirty="0"/>
+              <a:t>Deadlock Avoidance</a:t>
+            </a:r>
+          </a:p>
+          <a:p>
+            <a:pPr lvl="1"/>
+            <a:r>
+              <a:rPr lang="en-US" altLang="ko-Kore-KR" dirty="0"/>
+              <a:t>Linearly order the resources and acquire them only in that order</a:t>
+            </a:r>
+            <a:br>
+              <a:rPr lang="en-US" altLang="ko-Kore-KR" dirty="0"/>
+            </a:br>
+            <a:r>
+              <a:rPr lang="en-US" altLang="ko-Kore-KR" dirty="0"/>
+              <a:t>(deadlock requires a waits-for cycle)</a:t>
+            </a:r>
+          </a:p>
+          <a:p>
+            <a:endParaRPr lang="en-US" altLang="ko-Kore-KR" dirty="0"/>
+          </a:p>
+          <a:p>
+            <a:r>
+              <a:rPr lang="en-US" altLang="ko-Kore-KR" dirty="0"/>
+              <a:t>Deadlock Detect</a:t>
+            </a:r>
+          </a:p>
+          <a:p>
+            <a:pPr lvl="1"/>
+            <a:r>
+              <a:rPr lang="en-US" altLang="ko-Kore-KR" dirty="0"/>
+              <a:t>Timeout</a:t>
+            </a:r>
+          </a:p>
+        </p:txBody>
+      </p:sp>
+    </p:spTree>
+    <p:extLst>
+      <p:ext uri="{BB962C8B-B14F-4D97-AF65-F5344CB8AC3E}">
+        <p14:creationId xmlns:p14="http://schemas.microsoft.com/office/powerpoint/2010/main" val="3683963458"/>
+      </p:ext>
+    </p:extLst>
+  </p:cSld>
+  <p:clrMapOvr>
+    <a:masterClrMapping/>
+  </p:clrMapOvr>
+</p:sld>
+</file>
+
 <file path=ppt/slides/slide32.xml><?xml version="1.0" encoding="utf-8"?>
 <p:sld xmlns:a="http://schemas.openxmlformats.org/drawingml/2006/main" xmlns:r="http://schemas.openxmlformats.org/officeDocument/2006/relationships" xmlns:p="http://schemas.openxmlformats.org/presentationml/2006/main">
   <p:cSld>
@@ -7346,7 +7518,7 @@
           <p:cNvPr id="2" name="제목 1">
             <a:extLst>
               <a:ext uri="{FF2B5EF4-FFF2-40B4-BE49-F238E27FC236}">
-                <a16:creationId xmlns:a16="http://schemas.microsoft.com/office/drawing/2014/main" id="{7C4C75CF-2301-4A4A-95C5-3B4BEF61E560}"/>
+                <a16:creationId xmlns:a16="http://schemas.microsoft.com/office/drawing/2014/main" id="{888E012C-0D0A-5244-B372-3B78AB0F1769}"/>
               </a:ext>
             </a:extLst>
           </p:cNvPr>
@@ -7364,7 +7536,7 @@
           <a:p>
             <a:r>
               <a:rPr kumimoji="1" lang="en-US" altLang="ko-Kore-KR" dirty="0"/>
-              <a:t>Deadlock</a:t>
+              <a:t>Wait-for Graph and Deadlock Detector</a:t>
             </a:r>
             <a:endParaRPr kumimoji="1" lang="ko-Kore-KR" altLang="en-US" dirty="0"/>
           </a:p>
@@ -7375,7 +7547,7 @@
           <p:cNvPr id="3" name="내용 개체 틀 2">
             <a:extLst>
               <a:ext uri="{FF2B5EF4-FFF2-40B4-BE49-F238E27FC236}">
-                <a16:creationId xmlns:a16="http://schemas.microsoft.com/office/drawing/2014/main" id="{F76CD138-8CB2-1D40-8ECD-8E8773D4E440}"/>
+                <a16:creationId xmlns:a16="http://schemas.microsoft.com/office/drawing/2014/main" id="{70AF07B6-E555-9946-A8CD-F8C49B5BC52D}"/>
               </a:ext>
             </a:extLst>
           </p:cNvPr>
@@ -7393,45 +7565,95 @@
           <a:p>
             <a:r>
               <a:rPr kumimoji="1" lang="en-US" altLang="ko-Kore-KR" dirty="0"/>
-              <a:t>Deadlock Avoidance</a:t>
+              <a:t>Wait-for graph</a:t>
             </a:r>
           </a:p>
           <a:p>
             <a:pPr lvl="1"/>
             <a:r>
               <a:rPr lang="en-US" altLang="ko-Kore-KR" dirty="0"/>
-              <a:t>Linearly order the resources and acquire them only in that order</a:t>
-            </a:r>
-            <a:br>
+              <a:t>T is waiting for a resource held by T`, or</a:t>
+            </a:r>
+          </a:p>
+          <a:p>
+            <a:pPr lvl="1"/>
+            <a:r>
+              <a:rPr kumimoji="1" lang="en-US" altLang="ko-Kore-KR" dirty="0"/>
+              <a:t>T will ev</a:t>
+            </a:r>
+            <a:r>
               <a:rPr lang="en-US" altLang="ko-Kore-KR" dirty="0"/>
-            </a:br>
+              <a:t>entually wait for a resource to be granted to T`</a:t>
+            </a:r>
+          </a:p>
+          <a:p>
             <a:r>
               <a:rPr lang="en-US" altLang="ko-Kore-KR" dirty="0"/>
-              <a:t>(deadlock requires a waits-for cycle)</a:t>
-            </a:r>
-          </a:p>
-          <a:p>
-            <a:endParaRPr lang="en-US" altLang="ko-Kore-KR" dirty="0"/>
+              <a:t>A cycle in the wait-for graph is </a:t>
+            </a:r>
+            <a:r>
+              <a:rPr lang="en-US" altLang="ko-Kore-KR" i="1" dirty="0"/>
+              <a:t>deadlock</a:t>
+            </a:r>
           </a:p>
           <a:p>
             <a:r>
               <a:rPr lang="en-US" altLang="ko-Kore-KR" dirty="0"/>
-              <a:t>Deadlock Detect</a:t>
-            </a:r>
-          </a:p>
-          <a:p>
-            <a:pPr lvl="1"/>
-            <a:r>
-              <a:rPr lang="en-US" altLang="ko-Kore-KR" dirty="0"/>
-              <a:t>Timeout</a:t>
-            </a:r>
+              <a:t>Waiting list and Granted list are used to build wait-for graph</a:t>
+            </a:r>
+          </a:p>
+          <a:p>
+            <a:pPr lvl="1"/>
+            <a:r>
+              <a:rPr lang="en" altLang="ko-Kore-KR" i="1" dirty="0"/>
+              <a:t>T' </a:t>
+            </a:r>
+            <a:r>
+              <a:rPr lang="en" altLang="ko-Kore-KR" dirty="0"/>
+              <a:t>is in the granted list or is ahead of </a:t>
+            </a:r>
+            <a:r>
+              <a:rPr lang="en" altLang="ko-Kore-KR" i="1" dirty="0"/>
+              <a:t>T </a:t>
+            </a:r>
+            <a:r>
+              <a:rPr lang="en" altLang="ko-Kore-KR" dirty="0"/>
+              <a:t>in the wait list, and </a:t>
+            </a:r>
+          </a:p>
+          <a:p>
+            <a:pPr lvl="1"/>
+            <a:r>
+              <a:rPr lang="en" altLang="ko-Kore-KR" dirty="0"/>
+              <a:t>modes </a:t>
+            </a:r>
+            <a:r>
+              <a:rPr lang="en" altLang="ko-Kore-KR" i="1" dirty="0"/>
+              <a:t>m </a:t>
+            </a:r>
+            <a:r>
+              <a:rPr lang="en" altLang="ko-Kore-KR" dirty="0"/>
+              <a:t>and </a:t>
+            </a:r>
+            <a:r>
+              <a:rPr lang="en" altLang="ko-Kore-KR" i="1" dirty="0"/>
+              <a:t>m' </a:t>
+            </a:r>
+            <a:r>
+              <a:rPr lang="en" altLang="ko-Kore-KR" dirty="0"/>
+              <a:t>are incompatible </a:t>
+            </a:r>
+          </a:p>
+          <a:p>
+            <a:pPr lvl="1"/>
+            <a:endParaRPr kumimoji="1" lang="ko-Kore-KR" altLang="en-US" dirty="0"/>
           </a:p>
         </p:txBody>
       </p:sp>
     </p:spTree>
     <p:extLst>
       <p:ext uri="{BB962C8B-B14F-4D97-AF65-F5344CB8AC3E}">
-        <p14:creationId xmlns:p14="http://schemas.microsoft.com/office/powerpoint/2010/main" val="3683963458"/>
+        <p14:creationId xmlns:p14="http://schemas.microsoft.com/office/powerpoint/2010/main" val="627928081"/>
       </p:ext>
     </p:extLst>
   </p:cSld>
@@ -7463,173 +7685,6 @@
           <p:cNvPr id="2" name="제목 1">
             <a:extLst>
               <a:ext uri="{FF2B5EF4-FFF2-40B4-BE49-F238E27FC236}">
-                <a16:creationId xmlns:a16="http://schemas.microsoft.com/office/drawing/2014/main" id="{888E012C-0D0A-5244-B372-3B78AB0F1769}"/>
-              </a:ext>
-            </a:extLst>
-          </p:cNvPr>
-          <p:cNvSpPr>
-            <a:spLocks noGrp="1"/>
-          </p:cNvSpPr>
-          <p:nvPr>
-            <p:ph type="title"/>
-          </p:nvPr>
-        </p:nvSpPr>
-        <p:spPr/>
-        <p:txBody>
-          <a:bodyPr/>
-          <a:lstStyle/>
-          <a:p>
-            <a:r>
-              <a:rPr kumimoji="1" lang="en-US" altLang="ko-Kore-KR" dirty="0"/>
-              <a:t>Wait-for Graph and Deadlock Detector</a:t>
-            </a:r>
-            <a:endParaRPr kumimoji="1" lang="ko-Kore-KR" altLang="en-US" dirty="0"/>
-          </a:p>
-        </p:txBody>
-      </p:sp>
-      <p:sp>
-        <p:nvSpPr>
-          <p:cNvPr id="3" name="내용 개체 틀 2">
-            <a:extLst>
-              <a:ext uri="{FF2B5EF4-FFF2-40B4-BE49-F238E27FC236}">
-                <a16:creationId xmlns:a16="http://schemas.microsoft.com/office/drawing/2014/main" id="{70AF07B6-E555-9946-A8CD-F8C49B5BC52D}"/>
-              </a:ext>
-            </a:extLst>
-          </p:cNvPr>
-          <p:cNvSpPr>
-            <a:spLocks noGrp="1"/>
-          </p:cNvSpPr>
-          <p:nvPr>
-            <p:ph idx="1"/>
-          </p:nvPr>
-        </p:nvSpPr>
-        <p:spPr/>
-        <p:txBody>
-          <a:bodyPr/>
-          <a:lstStyle/>
-          <a:p>
-            <a:r>
-              <a:rPr kumimoji="1" lang="en-US" altLang="ko-Kore-KR" dirty="0"/>
-              <a:t>Wait-for graph</a:t>
-            </a:r>
-          </a:p>
-          <a:p>
-            <a:pPr lvl="1"/>
-            <a:r>
-              <a:rPr lang="en-US" altLang="ko-Kore-KR" dirty="0"/>
-              <a:t>T is waiting for a resource held by T`, or</a:t>
-            </a:r>
-          </a:p>
-          <a:p>
-            <a:pPr lvl="1"/>
-            <a:r>
-              <a:rPr kumimoji="1" lang="en-US" altLang="ko-Kore-KR" dirty="0"/>
-              <a:t>T will ev</a:t>
-            </a:r>
-            <a:r>
-              <a:rPr lang="en-US" altLang="ko-Kore-KR" dirty="0"/>
-              <a:t>entually wait for a resource to be granted to T`</a:t>
-            </a:r>
-          </a:p>
-          <a:p>
-            <a:r>
-              <a:rPr lang="en-US" altLang="ko-Kore-KR" dirty="0"/>
-              <a:t>A cycle in the wait-for graph is </a:t>
-            </a:r>
-            <a:r>
-              <a:rPr lang="en-US" altLang="ko-Kore-KR" i="1" dirty="0"/>
-              <a:t>deadlock</a:t>
-            </a:r>
-          </a:p>
-          <a:p>
-            <a:r>
-              <a:rPr lang="en-US" altLang="ko-Kore-KR" dirty="0"/>
-              <a:t>Waiting list and Granted list are used to build wait-for graph</a:t>
-            </a:r>
-          </a:p>
-          <a:p>
-            <a:pPr lvl="1"/>
-            <a:r>
-              <a:rPr lang="en" altLang="ko-Kore-KR" i="1" dirty="0"/>
-              <a:t>T' </a:t>
-            </a:r>
-            <a:r>
-              <a:rPr lang="en" altLang="ko-Kore-KR" dirty="0"/>
-              <a:t>is in the granted list or is ahead of </a:t>
-            </a:r>
-            <a:r>
-              <a:rPr lang="en" altLang="ko-Kore-KR" i="1" dirty="0"/>
-              <a:t>T </a:t>
-            </a:r>
-            <a:r>
-              <a:rPr lang="en" altLang="ko-Kore-KR" dirty="0"/>
-              <a:t>in the wait list, and </a:t>
-            </a:r>
-          </a:p>
-          <a:p>
-            <a:pPr lvl="1"/>
-            <a:r>
-              <a:rPr lang="en" altLang="ko-Kore-KR" dirty="0"/>
-              <a:t>modes </a:t>
-            </a:r>
-            <a:r>
-              <a:rPr lang="en" altLang="ko-Kore-KR" i="1" dirty="0"/>
-              <a:t>m </a:t>
-            </a:r>
-            <a:r>
-              <a:rPr lang="en" altLang="ko-Kore-KR" dirty="0"/>
-              <a:t>and </a:t>
-            </a:r>
-            <a:r>
-              <a:rPr lang="en" altLang="ko-Kore-KR" i="1" dirty="0"/>
-              <a:t>m' </a:t>
-            </a:r>
-            <a:r>
-              <a:rPr lang="en" altLang="ko-Kore-KR" dirty="0"/>
-              <a:t>are incompatible </a:t>
-            </a:r>
-          </a:p>
-          <a:p>
-            <a:pPr lvl="1"/>
-            <a:endParaRPr kumimoji="1" lang="ko-Kore-KR" altLang="en-US" dirty="0"/>
-          </a:p>
-        </p:txBody>
-      </p:sp>
-    </p:spTree>
-    <p:extLst>
-      <p:ext uri="{BB962C8B-B14F-4D97-AF65-F5344CB8AC3E}">
-        <p14:creationId xmlns:p14="http://schemas.microsoft.com/office/powerpoint/2010/main" val="627928081"/>
-      </p:ext>
-    </p:extLst>
-  </p:cSld>
-  <p:clrMapOvr>
-    <a:masterClrMapping/>
-  </p:clrMapOvr>
-</p:sld>
-</file>
-
-<file path=ppt/slides/slide34.xml><?xml version="1.0" encoding="utf-8"?>
-<p:sld xmlns:a="http://schemas.openxmlformats.org/drawingml/2006/main" xmlns:r="http://schemas.openxmlformats.org/officeDocument/2006/relationships" xmlns:p="http://schemas.openxmlformats.org/presentationml/2006/main">
-  <p:cSld>
-    <p:spTree>
-      <p:nvGrpSpPr>
-        <p:cNvPr id="1" name=""/>
-        <p:cNvGrpSpPr/>
-        <p:nvPr/>
-      </p:nvGrpSpPr>
-      <p:grpSpPr>
-        <a:xfrm>
-          <a:off x="0" y="0"/>
-          <a:ext cx="0" cy="0"/>
-          <a:chOff x="0" y="0"/>
-          <a:chExt cx="0" cy="0"/>
-        </a:xfrm>
-      </p:grpSpPr>
-      <p:sp>
-        <p:nvSpPr>
-          <p:cNvPr id="2" name="제목 1">
-            <a:extLst>
-              <a:ext uri="{FF2B5EF4-FFF2-40B4-BE49-F238E27FC236}">
                 <a16:creationId xmlns:a16="http://schemas.microsoft.com/office/drawing/2014/main" id="{BB66FD8A-2548-D148-A82F-242654C8CDDD}"/>
               </a:ext>
             </a:extLst>
@@ -7833,7 +7888,7 @@
 </p:sld>
 </file>
 
-<file path=ppt/slides/slide35.xml><?xml version="1.0" encoding="utf-8"?>
+<file path=ppt/slides/slide34.xml><?xml version="1.0" encoding="utf-8"?>
 <p:sld xmlns:a="http://schemas.openxmlformats.org/drawingml/2006/main" xmlns:r="http://schemas.openxmlformats.org/officeDocument/2006/relationships" xmlns:p="http://schemas.openxmlformats.org/presentationml/2006/main">
   <p:cSld>
     <p:spTree>
@@ -8109,6 +8164,13 @@
   <p:clrMapOvr>
     <a:masterClrMapping/>
   </p:clrMapOvr>
+  <p:timing>
+    <p:tnLst>
+      <p:par>
+        <p:cTn id="1" dur="indefinite" restart="never" nodeType="tmRoot"/>
+      </p:par>
+    </p:tnLst>
+  </p:timing>
 </p:sld>
 </file>
 
@@ -8318,6 +8380,13 @@
   <p:clrMapOvr>
     <a:masterClrMapping/>
   </p:clrMapOvr>
+  <p:timing>
+    <p:tnLst>
+      <p:par>
+        <p:cTn id="1" dur="indefinite" restart="never" nodeType="tmRoot"/>
+      </p:par>
+    </p:tnLst>
+  </p:timing>
 </p:sld>
 </file>
 
@@ -8444,6 +8513,13 @@
   <p:clrMapOvr>
     <a:masterClrMapping/>
   </p:clrMapOvr>
+  <p:timing>
+    <p:tnLst>
+      <p:par>
+        <p:cTn id="1" dur="indefinite" restart="never" nodeType="tmRoot"/>
+      </p:par>
+    </p:tnLst>
+  </p:timing>
 </p:sld>
 </file>
 
@@ -8585,6 +8661,13 @@
   <p:clrMapOvr>
     <a:masterClrMapping/>
   </p:clrMapOvr>
+  <p:timing>
+    <p:tnLst>
+      <p:par>
+        <p:cTn id="1" dur="indefinite" restart="never" nodeType="tmRoot"/>
+      </p:par>
+    </p:tnLst>
+  </p:timing>
 </p:sld>
 </file>
 
@@ -8750,6 +8833,13 @@
   <p:clrMapOvr>
     <a:masterClrMapping/>
   </p:clrMapOvr>
+  <p:timing>
+    <p:tnLst>
+      <p:par>
+        <p:cTn id="1" dur="indefinite" restart="never" nodeType="tmRoot"/>
+      </p:par>
+    </p:tnLst>
+  </p:timing>
 </p:sld>
 </file>
 
@@ -8877,6 +8967,13 @@
   <p:clrMapOvr>
     <a:masterClrMapping/>
   </p:clrMapOvr>
+  <p:timing>
+    <p:tnLst>
+      <p:par>
+        <p:cTn id="1" dur="indefinite" restart="never" nodeType="tmRoot"/>
+      </p:par>
+    </p:tnLst>
+  </p:timing>
 </p:sld>
 </file>
 
